--- a/01.pptx
+++ b/01.pptx
@@ -4,6 +4,9 @@
   <p:sldMasterIdLst>
     <p:sldMasterId id="2147483677" r:id="rId1"/>
   </p:sldMasterIdLst>
+  <p:notesMasterIdLst>
+    <p:notesMasterId r:id="rId54"/>
+  </p:notesMasterIdLst>
   <p:sldIdLst>
     <p:sldId id="256" r:id="rId2"/>
     <p:sldId id="263" r:id="rId3"/>
@@ -35,8 +38,28 @@
     <p:sldId id="281" r:id="rId29"/>
     <p:sldId id="279" r:id="rId30"/>
     <p:sldId id="284" r:id="rId31"/>
-    <p:sldId id="282" r:id="rId32"/>
-    <p:sldId id="285" r:id="rId33"/>
+    <p:sldId id="291" r:id="rId32"/>
+    <p:sldId id="282" r:id="rId33"/>
+    <p:sldId id="285" r:id="rId34"/>
+    <p:sldId id="290" r:id="rId35"/>
+    <p:sldId id="292" r:id="rId36"/>
+    <p:sldId id="304" r:id="rId37"/>
+    <p:sldId id="299" r:id="rId38"/>
+    <p:sldId id="303" r:id="rId39"/>
+    <p:sldId id="294" r:id="rId40"/>
+    <p:sldId id="293" r:id="rId41"/>
+    <p:sldId id="295" r:id="rId42"/>
+    <p:sldId id="296" r:id="rId43"/>
+    <p:sldId id="297" r:id="rId44"/>
+    <p:sldId id="298" r:id="rId45"/>
+    <p:sldId id="302" r:id="rId46"/>
+    <p:sldId id="300" r:id="rId47"/>
+    <p:sldId id="301" r:id="rId48"/>
+    <p:sldId id="306" r:id="rId49"/>
+    <p:sldId id="305" r:id="rId50"/>
+    <p:sldId id="308" r:id="rId51"/>
+    <p:sldId id="309" r:id="rId52"/>
+    <p:sldId id="310" r:id="rId53"/>
   </p:sldIdLst>
   <p:sldSz cx="12192000" cy="6858000"/>
   <p:notesSz cx="6858000" cy="9144000"/>
@@ -141,6 +164,523 @@
     </p:ext>
   </p:extLst>
 </p:presentation>
+</file>
+
+<file path=ppt/notesMasters/notesMaster1.xml><?xml version="1.0" encoding="utf-8"?>
+<p:notesMaster xmlns:a="http://schemas.openxmlformats.org/drawingml/2006/main" xmlns:r="http://schemas.openxmlformats.org/officeDocument/2006/relationships" xmlns:p="http://schemas.openxmlformats.org/presentationml/2006/main">
+  <p:cSld>
+    <p:bg>
+      <p:bgRef idx="1001">
+        <a:schemeClr val="bg1"/>
+      </p:bgRef>
+    </p:bg>
+    <p:spTree>
+      <p:nvGrpSpPr>
+        <p:cNvPr id="1" name=""/>
+        <p:cNvGrpSpPr/>
+        <p:nvPr/>
+      </p:nvGrpSpPr>
+      <p:grpSpPr>
+        <a:xfrm>
+          <a:off x="0" y="0"/>
+          <a:ext cx="0" cy="0"/>
+          <a:chOff x="0" y="0"/>
+          <a:chExt cx="0" cy="0"/>
+        </a:xfrm>
+      </p:grpSpPr>
+      <p:sp>
+        <p:nvSpPr>
+          <p:cNvPr id="2" name="頁首版面配置區 1"/>
+          <p:cNvSpPr>
+            <a:spLocks noGrp="1"/>
+          </p:cNvSpPr>
+          <p:nvPr>
+            <p:ph type="hdr" sz="quarter"/>
+          </p:nvPr>
+        </p:nvSpPr>
+        <p:spPr>
+          <a:xfrm>
+            <a:off x="0" y="0"/>
+            <a:ext cx="2971800" cy="458788"/>
+          </a:xfrm>
+          <a:prstGeom prst="rect">
+            <a:avLst/>
+          </a:prstGeom>
+        </p:spPr>
+        <p:txBody>
+          <a:bodyPr vert="horz" lIns="91440" tIns="45720" rIns="91440" bIns="45720" rtlCol="0"/>
+          <a:lstStyle>
+            <a:lvl1pPr algn="l">
+              <a:defRPr sz="1200"/>
+            </a:lvl1pPr>
+          </a:lstStyle>
+          <a:p>
+            <a:endParaRPr lang="zh-TW" altLang="en-US"/>
+          </a:p>
+        </p:txBody>
+      </p:sp>
+      <p:sp>
+        <p:nvSpPr>
+          <p:cNvPr id="3" name="日期版面配置區 2"/>
+          <p:cNvSpPr>
+            <a:spLocks noGrp="1"/>
+          </p:cNvSpPr>
+          <p:nvPr>
+            <p:ph type="dt" idx="1"/>
+          </p:nvPr>
+        </p:nvSpPr>
+        <p:spPr>
+          <a:xfrm>
+            <a:off x="3884613" y="0"/>
+            <a:ext cx="2971800" cy="458788"/>
+          </a:xfrm>
+          <a:prstGeom prst="rect">
+            <a:avLst/>
+          </a:prstGeom>
+        </p:spPr>
+        <p:txBody>
+          <a:bodyPr vert="horz" lIns="91440" tIns="45720" rIns="91440" bIns="45720" rtlCol="0"/>
+          <a:lstStyle>
+            <a:lvl1pPr algn="r">
+              <a:defRPr sz="1200"/>
+            </a:lvl1pPr>
+          </a:lstStyle>
+          <a:p>
+            <a:fld id="{8A2F8A37-A78B-41E2-AF2F-24A0446861BB}" type="datetimeFigureOut">
+              <a:rPr lang="zh-TW" altLang="en-US" smtClean="0"/>
+              <a:t>2024/9/15</a:t>
+            </a:fld>
+            <a:endParaRPr lang="zh-TW" altLang="en-US"/>
+          </a:p>
+        </p:txBody>
+      </p:sp>
+      <p:sp>
+        <p:nvSpPr>
+          <p:cNvPr id="4" name="投影片影像版面配置區 3"/>
+          <p:cNvSpPr>
+            <a:spLocks noGrp="1" noRot="1" noChangeAspect="1"/>
+          </p:cNvSpPr>
+          <p:nvPr>
+            <p:ph type="sldImg" idx="2"/>
+          </p:nvPr>
+        </p:nvSpPr>
+        <p:spPr>
+          <a:xfrm>
+            <a:off x="685800" y="1143000"/>
+            <a:ext cx="5486400" cy="3086100"/>
+          </a:xfrm>
+          <a:prstGeom prst="rect">
+            <a:avLst/>
+          </a:prstGeom>
+          <a:noFill/>
+          <a:ln w="12700">
+            <a:solidFill>
+              <a:prstClr val="black"/>
+            </a:solidFill>
+          </a:ln>
+        </p:spPr>
+        <p:txBody>
+          <a:bodyPr vert="horz" lIns="91440" tIns="45720" rIns="91440" bIns="45720" rtlCol="0" anchor="ctr"/>
+          <a:lstStyle/>
+          <a:p>
+            <a:endParaRPr lang="zh-TW" altLang="en-US"/>
+          </a:p>
+        </p:txBody>
+      </p:sp>
+      <p:sp>
+        <p:nvSpPr>
+          <p:cNvPr id="5" name="備忘稿版面配置區 4"/>
+          <p:cNvSpPr>
+            <a:spLocks noGrp="1"/>
+          </p:cNvSpPr>
+          <p:nvPr>
+            <p:ph type="body" sz="quarter" idx="3"/>
+          </p:nvPr>
+        </p:nvSpPr>
+        <p:spPr>
+          <a:xfrm>
+            <a:off x="685800" y="4400550"/>
+            <a:ext cx="5486400" cy="3600450"/>
+          </a:xfrm>
+          <a:prstGeom prst="rect">
+            <a:avLst/>
+          </a:prstGeom>
+        </p:spPr>
+        <p:txBody>
+          <a:bodyPr vert="horz" lIns="91440" tIns="45720" rIns="91440" bIns="45720" rtlCol="0"/>
+          <a:lstStyle/>
+          <a:p>
+            <a:pPr lvl="0"/>
+            <a:r>
+              <a:rPr lang="zh-TW" altLang="en-US"/>
+              <a:t>按一下以編輯母片文字樣式</a:t>
+            </a:r>
+          </a:p>
+          <a:p>
+            <a:pPr lvl="1"/>
+            <a:r>
+              <a:rPr lang="zh-TW" altLang="en-US"/>
+              <a:t>第二層</a:t>
+            </a:r>
+          </a:p>
+          <a:p>
+            <a:pPr lvl="2"/>
+            <a:r>
+              <a:rPr lang="zh-TW" altLang="en-US"/>
+              <a:t>第三層</a:t>
+            </a:r>
+          </a:p>
+          <a:p>
+            <a:pPr lvl="3"/>
+            <a:r>
+              <a:rPr lang="zh-TW" altLang="en-US"/>
+              <a:t>第四層</a:t>
+            </a:r>
+          </a:p>
+          <a:p>
+            <a:pPr lvl="4"/>
+            <a:r>
+              <a:rPr lang="zh-TW" altLang="en-US"/>
+              <a:t>第五層</a:t>
+            </a:r>
+          </a:p>
+        </p:txBody>
+      </p:sp>
+      <p:sp>
+        <p:nvSpPr>
+          <p:cNvPr id="6" name="頁尾版面配置區 5"/>
+          <p:cNvSpPr>
+            <a:spLocks noGrp="1"/>
+          </p:cNvSpPr>
+          <p:nvPr>
+            <p:ph type="ftr" sz="quarter" idx="4"/>
+          </p:nvPr>
+        </p:nvSpPr>
+        <p:spPr>
+          <a:xfrm>
+            <a:off x="0" y="8685213"/>
+            <a:ext cx="2971800" cy="458787"/>
+          </a:xfrm>
+          <a:prstGeom prst="rect">
+            <a:avLst/>
+          </a:prstGeom>
+        </p:spPr>
+        <p:txBody>
+          <a:bodyPr vert="horz" lIns="91440" tIns="45720" rIns="91440" bIns="45720" rtlCol="0" anchor="b"/>
+          <a:lstStyle>
+            <a:lvl1pPr algn="l">
+              <a:defRPr sz="1200"/>
+            </a:lvl1pPr>
+          </a:lstStyle>
+          <a:p>
+            <a:endParaRPr lang="zh-TW" altLang="en-US"/>
+          </a:p>
+        </p:txBody>
+      </p:sp>
+      <p:sp>
+        <p:nvSpPr>
+          <p:cNvPr id="7" name="投影片編號版面配置區 6"/>
+          <p:cNvSpPr>
+            <a:spLocks noGrp="1"/>
+          </p:cNvSpPr>
+          <p:nvPr>
+            <p:ph type="sldNum" sz="quarter" idx="5"/>
+          </p:nvPr>
+        </p:nvSpPr>
+        <p:spPr>
+          <a:xfrm>
+            <a:off x="3884613" y="8685213"/>
+            <a:ext cx="2971800" cy="458787"/>
+          </a:xfrm>
+          <a:prstGeom prst="rect">
+            <a:avLst/>
+          </a:prstGeom>
+        </p:spPr>
+        <p:txBody>
+          <a:bodyPr vert="horz" lIns="91440" tIns="45720" rIns="91440" bIns="45720" rtlCol="0" anchor="b"/>
+          <a:lstStyle>
+            <a:lvl1pPr algn="r">
+              <a:defRPr sz="1200"/>
+            </a:lvl1pPr>
+          </a:lstStyle>
+          <a:p>
+            <a:fld id="{82522847-AC31-4165-900D-4D07A49CD75A}" type="slidenum">
+              <a:rPr lang="zh-TW" altLang="en-US" smtClean="0"/>
+              <a:t>‹#›</a:t>
+            </a:fld>
+            <a:endParaRPr lang="zh-TW" altLang="en-US"/>
+          </a:p>
+        </p:txBody>
+      </p:sp>
+    </p:spTree>
+    <p:extLst>
+      <p:ext uri="{BB962C8B-B14F-4D97-AF65-F5344CB8AC3E}">
+        <p14:creationId xmlns:p14="http://schemas.microsoft.com/office/powerpoint/2010/main" val="519576911"/>
+      </p:ext>
+    </p:extLst>
+  </p:cSld>
+  <p:clrMap bg1="lt1" tx1="dk1" bg2="lt2" tx2="dk2" accent1="accent1" accent2="accent2" accent3="accent3" accent4="accent4" accent5="accent5" accent6="accent6" hlink="hlink" folHlink="folHlink"/>
+  <p:notesStyle>
+    <a:lvl1pPr marL="0" algn="l" defTabSz="914400" rtl="0" eaLnBrk="1" latinLnBrk="0" hangingPunct="1">
+      <a:defRPr sz="1200" kern="1200">
+        <a:solidFill>
+          <a:schemeClr val="tx1"/>
+        </a:solidFill>
+        <a:latin typeface="+mn-lt"/>
+        <a:ea typeface="+mn-ea"/>
+        <a:cs typeface="+mn-cs"/>
+      </a:defRPr>
+    </a:lvl1pPr>
+    <a:lvl2pPr marL="457200" algn="l" defTabSz="914400" rtl="0" eaLnBrk="1" latinLnBrk="0" hangingPunct="1">
+      <a:defRPr sz="1200" kern="1200">
+        <a:solidFill>
+          <a:schemeClr val="tx1"/>
+        </a:solidFill>
+        <a:latin typeface="+mn-lt"/>
+        <a:ea typeface="+mn-ea"/>
+        <a:cs typeface="+mn-cs"/>
+      </a:defRPr>
+    </a:lvl2pPr>
+    <a:lvl3pPr marL="914400" algn="l" defTabSz="914400" rtl="0" eaLnBrk="1" latinLnBrk="0" hangingPunct="1">
+      <a:defRPr sz="1200" kern="1200">
+        <a:solidFill>
+          <a:schemeClr val="tx1"/>
+        </a:solidFill>
+        <a:latin typeface="+mn-lt"/>
+        <a:ea typeface="+mn-ea"/>
+        <a:cs typeface="+mn-cs"/>
+      </a:defRPr>
+    </a:lvl3pPr>
+    <a:lvl4pPr marL="1371600" algn="l" defTabSz="914400" rtl="0" eaLnBrk="1" latinLnBrk="0" hangingPunct="1">
+      <a:defRPr sz="1200" kern="1200">
+        <a:solidFill>
+          <a:schemeClr val="tx1"/>
+        </a:solidFill>
+        <a:latin typeface="+mn-lt"/>
+        <a:ea typeface="+mn-ea"/>
+        <a:cs typeface="+mn-cs"/>
+      </a:defRPr>
+    </a:lvl4pPr>
+    <a:lvl5pPr marL="1828800" algn="l" defTabSz="914400" rtl="0" eaLnBrk="1" latinLnBrk="0" hangingPunct="1">
+      <a:defRPr sz="1200" kern="1200">
+        <a:solidFill>
+          <a:schemeClr val="tx1"/>
+        </a:solidFill>
+        <a:latin typeface="+mn-lt"/>
+        <a:ea typeface="+mn-ea"/>
+        <a:cs typeface="+mn-cs"/>
+      </a:defRPr>
+    </a:lvl5pPr>
+    <a:lvl6pPr marL="2286000" algn="l" defTabSz="914400" rtl="0" eaLnBrk="1" latinLnBrk="0" hangingPunct="1">
+      <a:defRPr sz="1200" kern="1200">
+        <a:solidFill>
+          <a:schemeClr val="tx1"/>
+        </a:solidFill>
+        <a:latin typeface="+mn-lt"/>
+        <a:ea typeface="+mn-ea"/>
+        <a:cs typeface="+mn-cs"/>
+      </a:defRPr>
+    </a:lvl6pPr>
+    <a:lvl7pPr marL="2743200" algn="l" defTabSz="914400" rtl="0" eaLnBrk="1" latinLnBrk="0" hangingPunct="1">
+      <a:defRPr sz="1200" kern="1200">
+        <a:solidFill>
+          <a:schemeClr val="tx1"/>
+        </a:solidFill>
+        <a:latin typeface="+mn-lt"/>
+        <a:ea typeface="+mn-ea"/>
+        <a:cs typeface="+mn-cs"/>
+      </a:defRPr>
+    </a:lvl7pPr>
+    <a:lvl8pPr marL="3200400" algn="l" defTabSz="914400" rtl="0" eaLnBrk="1" latinLnBrk="0" hangingPunct="1">
+      <a:defRPr sz="1200" kern="1200">
+        <a:solidFill>
+          <a:schemeClr val="tx1"/>
+        </a:solidFill>
+        <a:latin typeface="+mn-lt"/>
+        <a:ea typeface="+mn-ea"/>
+        <a:cs typeface="+mn-cs"/>
+      </a:defRPr>
+    </a:lvl8pPr>
+    <a:lvl9pPr marL="3657600" algn="l" defTabSz="914400" rtl="0" eaLnBrk="1" latinLnBrk="0" hangingPunct="1">
+      <a:defRPr sz="1200" kern="1200">
+        <a:solidFill>
+          <a:schemeClr val="tx1"/>
+        </a:solidFill>
+        <a:latin typeface="+mn-lt"/>
+        <a:ea typeface="+mn-ea"/>
+        <a:cs typeface="+mn-cs"/>
+      </a:defRPr>
+    </a:lvl9pPr>
+  </p:notesStyle>
+</p:notesMaster>
+</file>
+
+<file path=ppt/notesSlides/notesSlide1.xml><?xml version="1.0" encoding="utf-8"?>
+<p:notes xmlns:a="http://schemas.openxmlformats.org/drawingml/2006/main" xmlns:r="http://schemas.openxmlformats.org/officeDocument/2006/relationships" xmlns:p="http://schemas.openxmlformats.org/presentationml/2006/main">
+  <p:cSld>
+    <p:spTree>
+      <p:nvGrpSpPr>
+        <p:cNvPr id="1" name=""/>
+        <p:cNvGrpSpPr/>
+        <p:nvPr/>
+      </p:nvGrpSpPr>
+      <p:grpSpPr>
+        <a:xfrm>
+          <a:off x="0" y="0"/>
+          <a:ext cx="0" cy="0"/>
+          <a:chOff x="0" y="0"/>
+          <a:chExt cx="0" cy="0"/>
+        </a:xfrm>
+      </p:grpSpPr>
+      <p:sp>
+        <p:nvSpPr>
+          <p:cNvPr id="2" name="投影片影像版面配置區 1"/>
+          <p:cNvSpPr>
+            <a:spLocks noGrp="1" noRot="1" noChangeAspect="1"/>
+          </p:cNvSpPr>
+          <p:nvPr>
+            <p:ph type="sldImg"/>
+          </p:nvPr>
+        </p:nvSpPr>
+        <p:spPr/>
+      </p:sp>
+      <p:sp>
+        <p:nvSpPr>
+          <p:cNvPr id="3" name="備忘稿版面配置區 2"/>
+          <p:cNvSpPr>
+            <a:spLocks noGrp="1"/>
+          </p:cNvSpPr>
+          <p:nvPr>
+            <p:ph type="body" idx="1"/>
+          </p:nvPr>
+        </p:nvSpPr>
+        <p:spPr/>
+        <p:txBody>
+          <a:bodyPr/>
+          <a:lstStyle/>
+          <a:p>
+            <a:endParaRPr lang="zh-TW" altLang="en-US" dirty="0"/>
+          </a:p>
+        </p:txBody>
+      </p:sp>
+      <p:sp>
+        <p:nvSpPr>
+          <p:cNvPr id="4" name="投影片編號版面配置區 3"/>
+          <p:cNvSpPr>
+            <a:spLocks noGrp="1"/>
+          </p:cNvSpPr>
+          <p:nvPr>
+            <p:ph type="sldNum" sz="quarter" idx="5"/>
+          </p:nvPr>
+        </p:nvSpPr>
+        <p:spPr/>
+        <p:txBody>
+          <a:bodyPr/>
+          <a:lstStyle/>
+          <a:p>
+            <a:fld id="{82522847-AC31-4165-900D-4D07A49CD75A}" type="slidenum">
+              <a:rPr lang="zh-TW" altLang="en-US" smtClean="0"/>
+              <a:t>33</a:t>
+            </a:fld>
+            <a:endParaRPr lang="zh-TW" altLang="en-US"/>
+          </a:p>
+        </p:txBody>
+      </p:sp>
+    </p:spTree>
+    <p:extLst>
+      <p:ext uri="{BB962C8B-B14F-4D97-AF65-F5344CB8AC3E}">
+        <p14:creationId xmlns:p14="http://schemas.microsoft.com/office/powerpoint/2010/main" val="1034308898"/>
+      </p:ext>
+    </p:extLst>
+  </p:cSld>
+  <p:clrMapOvr>
+    <a:masterClrMapping/>
+  </p:clrMapOvr>
+</p:notes>
+</file>
+
+<file path=ppt/notesSlides/notesSlide2.xml><?xml version="1.0" encoding="utf-8"?>
+<p:notes xmlns:a="http://schemas.openxmlformats.org/drawingml/2006/main" xmlns:r="http://schemas.openxmlformats.org/officeDocument/2006/relationships" xmlns:p="http://schemas.openxmlformats.org/presentationml/2006/main">
+  <p:cSld>
+    <p:spTree>
+      <p:nvGrpSpPr>
+        <p:cNvPr id="1" name=""/>
+        <p:cNvGrpSpPr/>
+        <p:nvPr/>
+      </p:nvGrpSpPr>
+      <p:grpSpPr>
+        <a:xfrm>
+          <a:off x="0" y="0"/>
+          <a:ext cx="0" cy="0"/>
+          <a:chOff x="0" y="0"/>
+          <a:chExt cx="0" cy="0"/>
+        </a:xfrm>
+      </p:grpSpPr>
+      <p:sp>
+        <p:nvSpPr>
+          <p:cNvPr id="2" name="投影片影像版面配置區 1"/>
+          <p:cNvSpPr>
+            <a:spLocks noGrp="1" noRot="1" noChangeAspect="1"/>
+          </p:cNvSpPr>
+          <p:nvPr>
+            <p:ph type="sldImg"/>
+          </p:nvPr>
+        </p:nvSpPr>
+        <p:spPr/>
+      </p:sp>
+      <p:sp>
+        <p:nvSpPr>
+          <p:cNvPr id="3" name="備忘稿版面配置區 2"/>
+          <p:cNvSpPr>
+            <a:spLocks noGrp="1"/>
+          </p:cNvSpPr>
+          <p:nvPr>
+            <p:ph type="body" idx="1"/>
+          </p:nvPr>
+        </p:nvSpPr>
+        <p:spPr/>
+        <p:txBody>
+          <a:bodyPr/>
+          <a:lstStyle/>
+          <a:p>
+            <a:endParaRPr lang="zh-TW" altLang="en-US" dirty="0"/>
+          </a:p>
+        </p:txBody>
+      </p:sp>
+      <p:sp>
+        <p:nvSpPr>
+          <p:cNvPr id="4" name="投影片編號版面配置區 3"/>
+          <p:cNvSpPr>
+            <a:spLocks noGrp="1"/>
+          </p:cNvSpPr>
+          <p:nvPr>
+            <p:ph type="sldNum" sz="quarter" idx="5"/>
+          </p:nvPr>
+        </p:nvSpPr>
+        <p:spPr/>
+        <p:txBody>
+          <a:bodyPr/>
+          <a:lstStyle/>
+          <a:p>
+            <a:fld id="{82522847-AC31-4165-900D-4D07A49CD75A}" type="slidenum">
+              <a:rPr lang="zh-TW" altLang="en-US" smtClean="0"/>
+              <a:t>34</a:t>
+            </a:fld>
+            <a:endParaRPr lang="zh-TW" altLang="en-US"/>
+          </a:p>
+        </p:txBody>
+      </p:sp>
+    </p:spTree>
+    <p:extLst>
+      <p:ext uri="{BB962C8B-B14F-4D97-AF65-F5344CB8AC3E}">
+        <p14:creationId xmlns:p14="http://schemas.microsoft.com/office/powerpoint/2010/main" val="3584413482"/>
+      </p:ext>
+    </p:extLst>
+  </p:cSld>
+  <p:clrMapOvr>
+    <a:masterClrMapping/>
+  </p:clrMapOvr>
+</p:notes>
 </file>
 
 <file path=ppt/slideLayouts/slideLayout1.xml><?xml version="1.0" encoding="utf-8"?>
@@ -888,7 +1428,7 @@
           <a:p>
             <a:fld id="{9C681953-6987-4E3E-A816-115A5571BF1B}" type="datetimeFigureOut">
               <a:rPr lang="zh-TW" altLang="en-US" smtClean="0"/>
-              <a:t>2024/9/8</a:t>
+              <a:t>2024/9/15</a:t>
             </a:fld>
             <a:endParaRPr lang="zh-TW" altLang="en-US"/>
           </a:p>
@@ -1139,7 +1679,7 @@
           <a:p>
             <a:fld id="{9C681953-6987-4E3E-A816-115A5571BF1B}" type="datetimeFigureOut">
               <a:rPr lang="zh-TW" altLang="en-US" smtClean="0"/>
-              <a:t>2024/9/8</a:t>
+              <a:t>2024/9/15</a:t>
             </a:fld>
             <a:endParaRPr lang="zh-TW" altLang="en-US"/>
           </a:p>
@@ -1453,7 +1993,7 @@
           <a:p>
             <a:fld id="{9C681953-6987-4E3E-A816-115A5571BF1B}" type="datetimeFigureOut">
               <a:rPr lang="zh-TW" altLang="en-US" smtClean="0"/>
-              <a:t>2024/9/8</a:t>
+              <a:t>2024/9/15</a:t>
             </a:fld>
             <a:endParaRPr lang="zh-TW" altLang="en-US"/>
           </a:p>
@@ -1786,7 +2326,7 @@
           <a:p>
             <a:fld id="{9C681953-6987-4E3E-A816-115A5571BF1B}" type="datetimeFigureOut">
               <a:rPr lang="zh-TW" altLang="en-US" smtClean="0"/>
-              <a:t>2024/9/8</a:t>
+              <a:t>2024/9/15</a:t>
             </a:fld>
             <a:endParaRPr lang="zh-TW" altLang="en-US"/>
           </a:p>
@@ -2100,7 +2640,7 @@
           <a:p>
             <a:fld id="{9C681953-6987-4E3E-A816-115A5571BF1B}" type="datetimeFigureOut">
               <a:rPr lang="zh-TW" altLang="en-US" smtClean="0"/>
-              <a:t>2024/9/8</a:t>
+              <a:t>2024/9/15</a:t>
             </a:fld>
             <a:endParaRPr lang="zh-TW" altLang="en-US"/>
           </a:p>
@@ -2493,7 +3033,7 @@
           <a:p>
             <a:fld id="{9C681953-6987-4E3E-A816-115A5571BF1B}" type="datetimeFigureOut">
               <a:rPr lang="zh-TW" altLang="en-US" smtClean="0"/>
-              <a:t>2024/9/8</a:t>
+              <a:t>2024/9/15</a:t>
             </a:fld>
             <a:endParaRPr lang="zh-TW" altLang="en-US"/>
           </a:p>
@@ -2663,7 +3203,7 @@
           <a:p>
             <a:fld id="{9C681953-6987-4E3E-A816-115A5571BF1B}" type="datetimeFigureOut">
               <a:rPr lang="zh-TW" altLang="en-US" smtClean="0"/>
-              <a:t>2024/9/8</a:t>
+              <a:t>2024/9/15</a:t>
             </a:fld>
             <a:endParaRPr lang="zh-TW" altLang="en-US"/>
           </a:p>
@@ -2843,7 +3383,7 @@
           <a:p>
             <a:fld id="{9C681953-6987-4E3E-A816-115A5571BF1B}" type="datetimeFigureOut">
               <a:rPr lang="zh-TW" altLang="en-US" smtClean="0"/>
-              <a:t>2024/9/8</a:t>
+              <a:t>2024/9/15</a:t>
             </a:fld>
             <a:endParaRPr lang="zh-TW" altLang="en-US"/>
           </a:p>
@@ -3013,7 +3553,7 @@
           <a:p>
             <a:fld id="{9C681953-6987-4E3E-A816-115A5571BF1B}" type="datetimeFigureOut">
               <a:rPr lang="zh-TW" altLang="en-US" smtClean="0"/>
-              <a:t>2024/9/8</a:t>
+              <a:t>2024/9/15</a:t>
             </a:fld>
             <a:endParaRPr lang="zh-TW" altLang="en-US"/>
           </a:p>
@@ -3260,7 +3800,7 @@
           <a:p>
             <a:fld id="{9C681953-6987-4E3E-A816-115A5571BF1B}" type="datetimeFigureOut">
               <a:rPr lang="zh-TW" altLang="en-US" smtClean="0"/>
-              <a:t>2024/9/8</a:t>
+              <a:t>2024/9/15</a:t>
             </a:fld>
             <a:endParaRPr lang="zh-TW" altLang="en-US"/>
           </a:p>
@@ -3492,7 +4032,7 @@
           <a:p>
             <a:fld id="{9C681953-6987-4E3E-A816-115A5571BF1B}" type="datetimeFigureOut">
               <a:rPr lang="zh-TW" altLang="en-US" smtClean="0"/>
-              <a:t>2024/9/8</a:t>
+              <a:t>2024/9/15</a:t>
             </a:fld>
             <a:endParaRPr lang="zh-TW" altLang="en-US"/>
           </a:p>
@@ -3866,7 +4406,7 @@
           <a:p>
             <a:fld id="{9C681953-6987-4E3E-A816-115A5571BF1B}" type="datetimeFigureOut">
               <a:rPr lang="zh-TW" altLang="en-US" smtClean="0"/>
-              <a:t>2024/9/8</a:t>
+              <a:t>2024/9/15</a:t>
             </a:fld>
             <a:endParaRPr lang="zh-TW" altLang="en-US"/>
           </a:p>
@@ -3989,7 +4529,7 @@
           <a:p>
             <a:fld id="{9C681953-6987-4E3E-A816-115A5571BF1B}" type="datetimeFigureOut">
               <a:rPr lang="zh-TW" altLang="en-US" smtClean="0"/>
-              <a:t>2024/9/8</a:t>
+              <a:t>2024/9/15</a:t>
             </a:fld>
             <a:endParaRPr lang="zh-TW" altLang="en-US"/>
           </a:p>
@@ -4084,7 +4624,7 @@
           <a:p>
             <a:fld id="{9C681953-6987-4E3E-A816-115A5571BF1B}" type="datetimeFigureOut">
               <a:rPr lang="zh-TW" altLang="en-US" smtClean="0"/>
-              <a:t>2024/9/8</a:t>
+              <a:t>2024/9/15</a:t>
             </a:fld>
             <a:endParaRPr lang="zh-TW" altLang="en-US"/>
           </a:p>
@@ -4339,7 +4879,7 @@
           <a:p>
             <a:fld id="{9C681953-6987-4E3E-A816-115A5571BF1B}" type="datetimeFigureOut">
               <a:rPr lang="zh-TW" altLang="en-US" smtClean="0"/>
-              <a:t>2024/9/8</a:t>
+              <a:t>2024/9/15</a:t>
             </a:fld>
             <a:endParaRPr lang="zh-TW" altLang="en-US"/>
           </a:p>
@@ -4644,7 +5184,7 @@
           <a:p>
             <a:fld id="{9C681953-6987-4E3E-A816-115A5571BF1B}" type="datetimeFigureOut">
               <a:rPr lang="zh-TW" altLang="en-US" smtClean="0"/>
-              <a:t>2024/9/8</a:t>
+              <a:t>2024/9/15</a:t>
             </a:fld>
             <a:endParaRPr lang="zh-TW" altLang="en-US"/>
           </a:p>
@@ -5346,7 +5886,7 @@
           <a:p>
             <a:fld id="{9C681953-6987-4E3E-A816-115A5571BF1B}" type="datetimeFigureOut">
               <a:rPr lang="zh-TW" altLang="en-US" smtClean="0"/>
-              <a:t>2024/9/8</a:t>
+              <a:t>2024/9/15</a:t>
             </a:fld>
             <a:endParaRPr lang="zh-TW" altLang="en-US"/>
           </a:p>
@@ -11834,6 +12374,204 @@
           <a:lstStyle/>
           <a:p>
             <a:r>
+              <a:rPr lang="en-US" altLang="zh-TW" dirty="0"/>
+              <a:t>NULL</a:t>
+            </a:r>
+            <a:r>
+              <a:rPr lang="zh-TW" altLang="en-US" dirty="0"/>
+              <a:t>跟</a:t>
+            </a:r>
+            <a:r>
+              <a:rPr lang="en-US" altLang="zh-TW" dirty="0"/>
+              <a:t>Undefined </a:t>
+            </a:r>
+            <a:r>
+              <a:rPr lang="zh-TW" altLang="en-US" dirty="0"/>
+              <a:t>的差別</a:t>
+            </a:r>
+          </a:p>
+        </p:txBody>
+      </p:sp>
+      <p:sp>
+        <p:nvSpPr>
+          <p:cNvPr id="4" name="內容版面配置區 3">
+            <a:extLst>
+              <a:ext uri="{FF2B5EF4-FFF2-40B4-BE49-F238E27FC236}">
+                <a16:creationId xmlns:a16="http://schemas.microsoft.com/office/drawing/2014/main" id="{661C1185-3359-F4B9-F79F-0F7D7C66A812}"/>
+              </a:ext>
+            </a:extLst>
+          </p:cNvPr>
+          <p:cNvSpPr>
+            <a:spLocks noGrp="1"/>
+          </p:cNvSpPr>
+          <p:nvPr>
+            <p:ph idx="1"/>
+          </p:nvPr>
+        </p:nvSpPr>
+        <p:spPr>
+          <a:xfrm>
+            <a:off x="677334" y="1779508"/>
+            <a:ext cx="8596668" cy="4728868"/>
+          </a:xfrm>
+        </p:spPr>
+        <p:txBody>
+          <a:bodyPr>
+            <a:normAutofit/>
+          </a:bodyPr>
+          <a:lstStyle/>
+          <a:p>
+            <a:r>
+              <a:rPr lang="en-US" altLang="zh-TW" dirty="0">
+                <a:latin typeface="標楷體" panose="03000509000000000000" pitchFamily="65" charset="-120"/>
+                <a:ea typeface="標楷體" panose="03000509000000000000" pitchFamily="65" charset="-120"/>
+              </a:rPr>
+              <a:t>Null</a:t>
+            </a:r>
+            <a:r>
+              <a:rPr lang="zh-TW" altLang="en-US" dirty="0">
+                <a:latin typeface="標楷體" panose="03000509000000000000" pitchFamily="65" charset="-120"/>
+                <a:ea typeface="標楷體" panose="03000509000000000000" pitchFamily="65" charset="-120"/>
+              </a:rPr>
+              <a:t>為空集合，必須由我們親自賦予</a:t>
+            </a:r>
+            <a:r>
+              <a:rPr lang="en-US" altLang="zh-TW" dirty="0">
+                <a:latin typeface="標楷體" panose="03000509000000000000" pitchFamily="65" charset="-120"/>
+                <a:ea typeface="標楷體" panose="03000509000000000000" pitchFamily="65" charset="-120"/>
+              </a:rPr>
+              <a:t>NULL</a:t>
+            </a:r>
+            <a:r>
+              <a:rPr lang="zh-TW" altLang="en-US" dirty="0">
+                <a:latin typeface="標楷體" panose="03000509000000000000" pitchFamily="65" charset="-120"/>
+                <a:ea typeface="標楷體" panose="03000509000000000000" pitchFamily="65" charset="-120"/>
+              </a:rPr>
+              <a:t>值給他，代表什麼都沒有。</a:t>
+            </a:r>
+            <a:endParaRPr lang="en-US" altLang="zh-TW" dirty="0">
+              <a:latin typeface="標楷體" panose="03000509000000000000" pitchFamily="65" charset="-120"/>
+              <a:ea typeface="標楷體" panose="03000509000000000000" pitchFamily="65" charset="-120"/>
+            </a:endParaRPr>
+          </a:p>
+          <a:p>
+            <a:r>
+              <a:rPr lang="en-US" altLang="zh-TW" dirty="0">
+                <a:latin typeface="標楷體" panose="03000509000000000000" pitchFamily="65" charset="-120"/>
+                <a:ea typeface="標楷體" panose="03000509000000000000" pitchFamily="65" charset="-120"/>
+              </a:rPr>
+              <a:t>Undefined</a:t>
+            </a:r>
+            <a:r>
+              <a:rPr lang="zh-TW" altLang="en-US" dirty="0">
+                <a:latin typeface="標楷體" panose="03000509000000000000" pitchFamily="65" charset="-120"/>
+                <a:ea typeface="標楷體" panose="03000509000000000000" pitchFamily="65" charset="-120"/>
+              </a:rPr>
+              <a:t>為我們什麼值都沒給他，對</a:t>
+            </a:r>
+            <a:r>
+              <a:rPr lang="en-US" altLang="zh-TW" dirty="0">
+                <a:latin typeface="標楷體" panose="03000509000000000000" pitchFamily="65" charset="-120"/>
+                <a:ea typeface="標楷體" panose="03000509000000000000" pitchFamily="65" charset="-120"/>
+              </a:rPr>
+              <a:t>PHP</a:t>
+            </a:r>
+            <a:r>
+              <a:rPr lang="zh-TW" altLang="en-US" dirty="0">
+                <a:latin typeface="標楷體" panose="03000509000000000000" pitchFamily="65" charset="-120"/>
+                <a:ea typeface="標楷體" panose="03000509000000000000" pitchFamily="65" charset="-120"/>
+              </a:rPr>
+              <a:t>來說宣告了沒給值、沒宣告都算是</a:t>
+            </a:r>
+            <a:r>
+              <a:rPr lang="en-US" altLang="zh-TW" dirty="0">
+                <a:latin typeface="標楷體" panose="03000509000000000000" pitchFamily="65" charset="-120"/>
+                <a:ea typeface="標楷體" panose="03000509000000000000" pitchFamily="65" charset="-120"/>
+              </a:rPr>
+              <a:t>Undefined</a:t>
+            </a:r>
+            <a:r>
+              <a:rPr lang="zh-TW" altLang="en-US" dirty="0">
+                <a:latin typeface="標楷體" panose="03000509000000000000" pitchFamily="65" charset="-120"/>
+                <a:ea typeface="標楷體" panose="03000509000000000000" pitchFamily="65" charset="-120"/>
+              </a:rPr>
+              <a:t>，而且都會回報</a:t>
+            </a:r>
+            <a:r>
+              <a:rPr lang="zh-TW" altLang="en-US" b="1" dirty="0">
+                <a:solidFill>
+                  <a:srgbClr val="FF0000"/>
+                </a:solidFill>
+                <a:latin typeface="標楷體" panose="03000509000000000000" pitchFamily="65" charset="-120"/>
+                <a:ea typeface="標楷體" panose="03000509000000000000" pitchFamily="65" charset="-120"/>
+              </a:rPr>
+              <a:t>錯誤訊息</a:t>
+            </a:r>
+            <a:r>
+              <a:rPr lang="zh-TW" altLang="en-US" dirty="0">
+                <a:latin typeface="標楷體" panose="03000509000000000000" pitchFamily="65" charset="-120"/>
+                <a:ea typeface="標楷體" panose="03000509000000000000" pitchFamily="65" charset="-120"/>
+              </a:rPr>
+              <a:t>。</a:t>
+            </a:r>
+            <a:endParaRPr lang="en-US" altLang="zh-TW" b="1" dirty="0">
+              <a:latin typeface="標楷體" panose="03000509000000000000" pitchFamily="65" charset="-120"/>
+              <a:ea typeface="標楷體" panose="03000509000000000000" pitchFamily="65" charset="-120"/>
+            </a:endParaRPr>
+          </a:p>
+        </p:txBody>
+      </p:sp>
+    </p:spTree>
+    <p:extLst>
+      <p:ext uri="{BB962C8B-B14F-4D97-AF65-F5344CB8AC3E}">
+        <p14:creationId xmlns:p14="http://schemas.microsoft.com/office/powerpoint/2010/main" val="3038214223"/>
+      </p:ext>
+    </p:extLst>
+  </p:cSld>
+  <p:clrMapOvr>
+    <a:masterClrMapping/>
+  </p:clrMapOvr>
+</p:sld>
+</file>
+
+<file path=ppt/slides/slide32.xml><?xml version="1.0" encoding="utf-8"?>
+<p:sld xmlns:a="http://schemas.openxmlformats.org/drawingml/2006/main" xmlns:r="http://schemas.openxmlformats.org/officeDocument/2006/relationships" xmlns:p="http://schemas.openxmlformats.org/presentationml/2006/main">
+  <p:cSld>
+    <p:spTree>
+      <p:nvGrpSpPr>
+        <p:cNvPr id="1" name=""/>
+        <p:cNvGrpSpPr/>
+        <p:nvPr/>
+      </p:nvGrpSpPr>
+      <p:grpSpPr>
+        <a:xfrm>
+          <a:off x="0" y="0"/>
+          <a:ext cx="0" cy="0"/>
+          <a:chOff x="0" y="0"/>
+          <a:chExt cx="0" cy="0"/>
+        </a:xfrm>
+      </p:grpSpPr>
+      <p:sp>
+        <p:nvSpPr>
+          <p:cNvPr id="2" name="標題 1">
+            <a:extLst>
+              <a:ext uri="{FF2B5EF4-FFF2-40B4-BE49-F238E27FC236}">
+                <a16:creationId xmlns:a16="http://schemas.microsoft.com/office/drawing/2014/main" id="{45CE9C3C-0364-59AB-832E-18520469BF72}"/>
+              </a:ext>
+            </a:extLst>
+          </p:cNvPr>
+          <p:cNvSpPr>
+            <a:spLocks noGrp="1"/>
+          </p:cNvSpPr>
+          <p:nvPr>
+            <p:ph type="title"/>
+          </p:nvPr>
+        </p:nvSpPr>
+        <p:spPr/>
+        <p:txBody>
+          <a:bodyPr/>
+          <a:lstStyle/>
+          <a:p>
+            <a:r>
               <a:rPr lang="zh-TW" altLang="en-US" dirty="0"/>
               <a:t>字串的單引號跟雙引號</a:t>
             </a:r>
@@ -11950,7 +12688,7 @@
 </p:sld>
 </file>
 
-<file path=ppt/slides/slide32.xml><?xml version="1.0" encoding="utf-8"?>
+<file path=ppt/slides/slide33.xml><?xml version="1.0" encoding="utf-8"?>
 <p:sld xmlns:a="http://schemas.openxmlformats.org/drawingml/2006/main" xmlns:r="http://schemas.openxmlformats.org/officeDocument/2006/relationships" xmlns:p="http://schemas.openxmlformats.org/presentationml/2006/main">
   <p:cSld>
     <p:spTree>
@@ -11989,21 +12727,940 @@
           <a:lstStyle/>
           <a:p>
             <a:r>
+              <a:rPr lang="zh-TW" altLang="en-US" dirty="0"/>
+              <a:t>常用的算術運算</a:t>
+            </a:r>
+          </a:p>
+        </p:txBody>
+      </p:sp>
+      <p:graphicFrame>
+        <p:nvGraphicFramePr>
+          <p:cNvPr id="3" name="內容版面配置區 2">
+            <a:extLst>
+              <a:ext uri="{FF2B5EF4-FFF2-40B4-BE49-F238E27FC236}">
+                <a16:creationId xmlns:a16="http://schemas.microsoft.com/office/drawing/2014/main" id="{62CE2D33-C114-3930-8C7E-6C92645DE06F}"/>
+              </a:ext>
+            </a:extLst>
+          </p:cNvPr>
+          <p:cNvGraphicFramePr>
+            <a:graphicFrameLocks noGrp="1"/>
+          </p:cNvGraphicFramePr>
+          <p:nvPr>
+            <p:ph idx="1"/>
+            <p:extLst>
+              <p:ext uri="{D42A27DB-BD31-4B8C-83A1-F6EECF244321}">
+                <p14:modId xmlns:p14="http://schemas.microsoft.com/office/powerpoint/2010/main" val="2783108057"/>
+              </p:ext>
+            </p:extLst>
+          </p:nvPr>
+        </p:nvGraphicFramePr>
+        <p:xfrm>
+          <a:off x="1797844" y="2115765"/>
+          <a:ext cx="8596312" cy="2961640"/>
+        </p:xfrm>
+        <a:graphic>
+          <a:graphicData uri="http://schemas.openxmlformats.org/drawingml/2006/table">
+            <a:tbl>
+              <a:tblPr firstRow="1" bandRow="1">
+                <a:tableStyleId>{5C22544A-7EE6-4342-B048-85BDC9FD1C3A}</a:tableStyleId>
+              </a:tblPr>
+              <a:tblGrid>
+                <a:gridCol w="4298156">
+                  <a:extLst>
+                    <a:ext uri="{9D8B030D-6E8A-4147-A177-3AD203B41FA5}">
+                      <a16:colId xmlns:a16="http://schemas.microsoft.com/office/drawing/2014/main" val="656421958"/>
+                    </a:ext>
+                  </a:extLst>
+                </a:gridCol>
+                <a:gridCol w="4298156">
+                  <a:extLst>
+                    <a:ext uri="{9D8B030D-6E8A-4147-A177-3AD203B41FA5}">
+                      <a16:colId xmlns:a16="http://schemas.microsoft.com/office/drawing/2014/main" val="2403771461"/>
+                    </a:ext>
+                  </a:extLst>
+                </a:gridCol>
+              </a:tblGrid>
+              <a:tr h="370840">
+                <a:tc>
+                  <a:txBody>
+                    <a:bodyPr/>
+                    <a:lstStyle/>
+                    <a:p>
+                      <a:r>
+                        <a:rPr lang="zh-TW" altLang="en-US" dirty="0"/>
+                        <a:t>符號</a:t>
+                      </a:r>
+                    </a:p>
+                  </a:txBody>
+                  <a:tcPr/>
+                </a:tc>
+                <a:tc>
+                  <a:txBody>
+                    <a:bodyPr/>
+                    <a:lstStyle/>
+                    <a:p>
+                      <a:r>
+                        <a:rPr lang="zh-TW" altLang="en-US" dirty="0"/>
+                        <a:t>意義</a:t>
+                      </a:r>
+                    </a:p>
+                  </a:txBody>
+                  <a:tcPr/>
+                </a:tc>
+                <a:extLst>
+                  <a:ext uri="{0D108BD9-81ED-4DB2-BD59-A6C34878D82A}">
+                    <a16:rowId xmlns:a16="http://schemas.microsoft.com/office/drawing/2014/main" val="3128276756"/>
+                  </a:ext>
+                </a:extLst>
+              </a:tr>
+              <a:tr h="370840">
+                <a:tc>
+                  <a:txBody>
+                    <a:bodyPr/>
+                    <a:lstStyle/>
+                    <a:p>
+                      <a:r>
+                        <a:rPr lang="en-US" altLang="zh-TW" dirty="0"/>
+                        <a:t>+</a:t>
+                      </a:r>
+                      <a:endParaRPr lang="zh-TW" altLang="en-US" dirty="0"/>
+                    </a:p>
+                  </a:txBody>
+                  <a:tcPr/>
+                </a:tc>
+                <a:tc>
+                  <a:txBody>
+                    <a:bodyPr/>
+                    <a:lstStyle/>
+                    <a:p>
+                      <a:r>
+                        <a:rPr lang="zh-TW" altLang="en-US" dirty="0"/>
+                        <a:t>加法運算</a:t>
+                      </a:r>
+                    </a:p>
+                  </a:txBody>
+                  <a:tcPr/>
+                </a:tc>
+                <a:extLst>
+                  <a:ext uri="{0D108BD9-81ED-4DB2-BD59-A6C34878D82A}">
+                    <a16:rowId xmlns:a16="http://schemas.microsoft.com/office/drawing/2014/main" val="2756974246"/>
+                  </a:ext>
+                </a:extLst>
+              </a:tr>
+              <a:tr h="370840">
+                <a:tc>
+                  <a:txBody>
+                    <a:bodyPr/>
+                    <a:lstStyle/>
+                    <a:p>
+                      <a:r>
+                        <a:rPr lang="en-US" altLang="zh-TW" dirty="0"/>
+                        <a:t>-</a:t>
+                      </a:r>
+                      <a:endParaRPr lang="zh-TW" altLang="en-US" dirty="0"/>
+                    </a:p>
+                  </a:txBody>
+                  <a:tcPr/>
+                </a:tc>
+                <a:tc>
+                  <a:txBody>
+                    <a:bodyPr/>
+                    <a:lstStyle/>
+                    <a:p>
+                      <a:r>
+                        <a:rPr lang="zh-TW" altLang="en-US" dirty="0"/>
+                        <a:t>減法運算</a:t>
+                      </a:r>
+                    </a:p>
+                  </a:txBody>
+                  <a:tcPr/>
+                </a:tc>
+                <a:extLst>
+                  <a:ext uri="{0D108BD9-81ED-4DB2-BD59-A6C34878D82A}">
+                    <a16:rowId xmlns:a16="http://schemas.microsoft.com/office/drawing/2014/main" val="1312906959"/>
+                  </a:ext>
+                </a:extLst>
+              </a:tr>
+              <a:tr h="370840">
+                <a:tc>
+                  <a:txBody>
+                    <a:bodyPr/>
+                    <a:lstStyle/>
+                    <a:p>
+                      <a:r>
+                        <a:rPr lang="zh-TW" altLang="en-US" dirty="0"/>
+                        <a:t>*</a:t>
+                      </a:r>
+                    </a:p>
+                  </a:txBody>
+                  <a:tcPr/>
+                </a:tc>
+                <a:tc>
+                  <a:txBody>
+                    <a:bodyPr/>
+                    <a:lstStyle/>
+                    <a:p>
+                      <a:r>
+                        <a:rPr lang="zh-TW" altLang="en-US" dirty="0"/>
+                        <a:t>乘法運算</a:t>
+                      </a:r>
+                    </a:p>
+                  </a:txBody>
+                  <a:tcPr/>
+                </a:tc>
+                <a:extLst>
+                  <a:ext uri="{0D108BD9-81ED-4DB2-BD59-A6C34878D82A}">
+                    <a16:rowId xmlns:a16="http://schemas.microsoft.com/office/drawing/2014/main" val="2528289117"/>
+                  </a:ext>
+                </a:extLst>
+              </a:tr>
+              <a:tr h="370840">
+                <a:tc>
+                  <a:txBody>
+                    <a:bodyPr/>
+                    <a:lstStyle/>
+                    <a:p>
+                      <a:r>
+                        <a:rPr lang="en-US" altLang="zh-TW" dirty="0"/>
+                        <a:t>/</a:t>
+                      </a:r>
+                      <a:endParaRPr lang="zh-TW" altLang="en-US" dirty="0"/>
+                    </a:p>
+                  </a:txBody>
+                  <a:tcPr/>
+                </a:tc>
+                <a:tc>
+                  <a:txBody>
+                    <a:bodyPr/>
+                    <a:lstStyle/>
+                    <a:p>
+                      <a:r>
+                        <a:rPr lang="zh-TW" altLang="en-US" dirty="0"/>
+                        <a:t>除法運算</a:t>
+                      </a:r>
+                    </a:p>
+                  </a:txBody>
+                  <a:tcPr/>
+                </a:tc>
+                <a:extLst>
+                  <a:ext uri="{0D108BD9-81ED-4DB2-BD59-A6C34878D82A}">
+                    <a16:rowId xmlns:a16="http://schemas.microsoft.com/office/drawing/2014/main" val="1919702320"/>
+                  </a:ext>
+                </a:extLst>
+              </a:tr>
+              <a:tr h="359988">
+                <a:tc>
+                  <a:txBody>
+                    <a:bodyPr/>
+                    <a:lstStyle/>
+                    <a:p>
+                      <a:r>
+                        <a:rPr lang="en-US" altLang="zh-TW" dirty="0"/>
+                        <a:t>%</a:t>
+                      </a:r>
+                      <a:endParaRPr lang="zh-TW" altLang="en-US" dirty="0"/>
+                    </a:p>
+                  </a:txBody>
+                  <a:tcPr/>
+                </a:tc>
+                <a:tc>
+                  <a:txBody>
+                    <a:bodyPr/>
+                    <a:lstStyle/>
+                    <a:p>
+                      <a:r>
+                        <a:rPr lang="zh-TW" altLang="en-US" dirty="0"/>
+                        <a:t>取餘數</a:t>
+                      </a:r>
+                    </a:p>
+                  </a:txBody>
+                  <a:tcPr/>
+                </a:tc>
+                <a:extLst>
+                  <a:ext uri="{0D108BD9-81ED-4DB2-BD59-A6C34878D82A}">
+                    <a16:rowId xmlns:a16="http://schemas.microsoft.com/office/drawing/2014/main" val="3092303805"/>
+                  </a:ext>
+                </a:extLst>
+              </a:tr>
+              <a:tr h="370840">
+                <a:tc>
+                  <a:txBody>
+                    <a:bodyPr/>
+                    <a:lstStyle/>
+                    <a:p>
+                      <a:r>
+                        <a:rPr lang="en-US" altLang="zh-TW" dirty="0"/>
+                        <a:t>++</a:t>
+                      </a:r>
+                      <a:endParaRPr lang="zh-TW" altLang="en-US" dirty="0"/>
+                    </a:p>
+                  </a:txBody>
+                  <a:tcPr/>
+                </a:tc>
+                <a:tc>
+                  <a:txBody>
+                    <a:bodyPr/>
+                    <a:lstStyle/>
+                    <a:p>
+                      <a:r>
+                        <a:rPr lang="zh-TW" altLang="en-US" dirty="0"/>
+                        <a:t>累加</a:t>
+                      </a:r>
+                    </a:p>
+                  </a:txBody>
+                  <a:tcPr/>
+                </a:tc>
+                <a:extLst>
+                  <a:ext uri="{0D108BD9-81ED-4DB2-BD59-A6C34878D82A}">
+                    <a16:rowId xmlns:a16="http://schemas.microsoft.com/office/drawing/2014/main" val="3971870866"/>
+                  </a:ext>
+                </a:extLst>
+              </a:tr>
+              <a:tr h="370840">
+                <a:tc>
+                  <a:txBody>
+                    <a:bodyPr/>
+                    <a:lstStyle/>
+                    <a:p>
+                      <a:r>
+                        <a:rPr lang="en-US" altLang="zh-TW" dirty="0"/>
+                        <a:t>--</a:t>
+                      </a:r>
+                      <a:endParaRPr lang="zh-TW" altLang="en-US" dirty="0"/>
+                    </a:p>
+                  </a:txBody>
+                  <a:tcPr/>
+                </a:tc>
+                <a:tc>
+                  <a:txBody>
+                    <a:bodyPr/>
+                    <a:lstStyle/>
+                    <a:p>
+                      <a:r>
+                        <a:rPr lang="zh-TW" altLang="en-US" dirty="0"/>
+                        <a:t>遞減</a:t>
+                      </a:r>
+                    </a:p>
+                  </a:txBody>
+                  <a:tcPr/>
+                </a:tc>
+                <a:extLst>
+                  <a:ext uri="{0D108BD9-81ED-4DB2-BD59-A6C34878D82A}">
+                    <a16:rowId xmlns:a16="http://schemas.microsoft.com/office/drawing/2014/main" val="206634988"/>
+                  </a:ext>
+                </a:extLst>
+              </a:tr>
+            </a:tbl>
+          </a:graphicData>
+        </a:graphic>
+      </p:graphicFrame>
+    </p:spTree>
+    <p:extLst>
+      <p:ext uri="{BB962C8B-B14F-4D97-AF65-F5344CB8AC3E}">
+        <p14:creationId xmlns:p14="http://schemas.microsoft.com/office/powerpoint/2010/main" val="2751257618"/>
+      </p:ext>
+    </p:extLst>
+  </p:cSld>
+  <p:clrMapOvr>
+    <a:masterClrMapping/>
+  </p:clrMapOvr>
+</p:sld>
+</file>
+
+<file path=ppt/slides/slide34.xml><?xml version="1.0" encoding="utf-8"?>
+<p:sld xmlns:a="http://schemas.openxmlformats.org/drawingml/2006/main" xmlns:r="http://schemas.openxmlformats.org/officeDocument/2006/relationships" xmlns:p="http://schemas.openxmlformats.org/presentationml/2006/main">
+  <p:cSld>
+    <p:spTree>
+      <p:nvGrpSpPr>
+        <p:cNvPr id="1" name=""/>
+        <p:cNvGrpSpPr/>
+        <p:nvPr/>
+      </p:nvGrpSpPr>
+      <p:grpSpPr>
+        <a:xfrm>
+          <a:off x="0" y="0"/>
+          <a:ext cx="0" cy="0"/>
+          <a:chOff x="0" y="0"/>
+          <a:chExt cx="0" cy="0"/>
+        </a:xfrm>
+      </p:grpSpPr>
+      <p:sp>
+        <p:nvSpPr>
+          <p:cNvPr id="2" name="標題 1">
+            <a:extLst>
+              <a:ext uri="{FF2B5EF4-FFF2-40B4-BE49-F238E27FC236}">
+                <a16:creationId xmlns:a16="http://schemas.microsoft.com/office/drawing/2014/main" id="{45CE9C3C-0364-59AB-832E-18520469BF72}"/>
+              </a:ext>
+            </a:extLst>
+          </p:cNvPr>
+          <p:cNvSpPr>
+            <a:spLocks noGrp="1"/>
+          </p:cNvSpPr>
+          <p:nvPr>
+            <p:ph type="title"/>
+          </p:nvPr>
+        </p:nvSpPr>
+        <p:spPr/>
+        <p:txBody>
+          <a:bodyPr/>
+          <a:lstStyle/>
+          <a:p>
+            <a:r>
+              <a:rPr lang="zh-TW" altLang="en-US" dirty="0"/>
+              <a:t>常用的邏輯運算</a:t>
+            </a:r>
+          </a:p>
+        </p:txBody>
+      </p:sp>
+      <p:graphicFrame>
+        <p:nvGraphicFramePr>
+          <p:cNvPr id="3" name="內容版面配置區 2">
+            <a:extLst>
+              <a:ext uri="{FF2B5EF4-FFF2-40B4-BE49-F238E27FC236}">
+                <a16:creationId xmlns:a16="http://schemas.microsoft.com/office/drawing/2014/main" id="{62CE2D33-C114-3930-8C7E-6C92645DE06F}"/>
+              </a:ext>
+            </a:extLst>
+          </p:cNvPr>
+          <p:cNvGraphicFramePr>
+            <a:graphicFrameLocks noGrp="1"/>
+          </p:cNvGraphicFramePr>
+          <p:nvPr>
+            <p:ph idx="1"/>
+            <p:extLst>
+              <p:ext uri="{D42A27DB-BD31-4B8C-83A1-F6EECF244321}">
+                <p14:modId xmlns:p14="http://schemas.microsoft.com/office/powerpoint/2010/main" val="2026752137"/>
+              </p:ext>
+            </p:extLst>
+          </p:nvPr>
+        </p:nvGraphicFramePr>
+        <p:xfrm>
+          <a:off x="1797844" y="1622706"/>
+          <a:ext cx="8596312" cy="4445000"/>
+        </p:xfrm>
+        <a:graphic>
+          <a:graphicData uri="http://schemas.openxmlformats.org/drawingml/2006/table">
+            <a:tbl>
+              <a:tblPr firstRow="1" bandRow="1">
+                <a:tableStyleId>{5C22544A-7EE6-4342-B048-85BDC9FD1C3A}</a:tableStyleId>
+              </a:tblPr>
+              <a:tblGrid>
+                <a:gridCol w="4298156">
+                  <a:extLst>
+                    <a:ext uri="{9D8B030D-6E8A-4147-A177-3AD203B41FA5}">
+                      <a16:colId xmlns:a16="http://schemas.microsoft.com/office/drawing/2014/main" val="656421958"/>
+                    </a:ext>
+                  </a:extLst>
+                </a:gridCol>
+                <a:gridCol w="4298156">
+                  <a:extLst>
+                    <a:ext uri="{9D8B030D-6E8A-4147-A177-3AD203B41FA5}">
+                      <a16:colId xmlns:a16="http://schemas.microsoft.com/office/drawing/2014/main" val="2403771461"/>
+                    </a:ext>
+                  </a:extLst>
+                </a:gridCol>
+              </a:tblGrid>
+              <a:tr h="370840">
+                <a:tc>
+                  <a:txBody>
+                    <a:bodyPr/>
+                    <a:lstStyle/>
+                    <a:p>
+                      <a:r>
+                        <a:rPr lang="zh-TW" altLang="en-US" dirty="0"/>
+                        <a:t>符號</a:t>
+                      </a:r>
+                    </a:p>
+                  </a:txBody>
+                  <a:tcPr/>
+                </a:tc>
+                <a:tc>
+                  <a:txBody>
+                    <a:bodyPr/>
+                    <a:lstStyle/>
+                    <a:p>
+                      <a:r>
+                        <a:rPr lang="zh-TW" altLang="en-US" dirty="0"/>
+                        <a:t>意義</a:t>
+                      </a:r>
+                    </a:p>
+                  </a:txBody>
+                  <a:tcPr/>
+                </a:tc>
+                <a:extLst>
+                  <a:ext uri="{0D108BD9-81ED-4DB2-BD59-A6C34878D82A}">
+                    <a16:rowId xmlns:a16="http://schemas.microsoft.com/office/drawing/2014/main" val="3128276756"/>
+                  </a:ext>
+                </a:extLst>
+              </a:tr>
+              <a:tr h="370840">
+                <a:tc>
+                  <a:txBody>
+                    <a:bodyPr/>
+                    <a:lstStyle/>
+                    <a:p>
+                      <a:r>
+                        <a:rPr lang="en-US" altLang="zh-TW" dirty="0"/>
+                        <a:t>&lt;</a:t>
+                      </a:r>
+                      <a:endParaRPr lang="zh-TW" altLang="en-US" dirty="0"/>
+                    </a:p>
+                  </a:txBody>
+                  <a:tcPr/>
+                </a:tc>
+                <a:tc>
+                  <a:txBody>
+                    <a:bodyPr/>
+                    <a:lstStyle/>
+                    <a:p>
+                      <a:r>
+                        <a:rPr lang="zh-TW" altLang="en-US" dirty="0"/>
+                        <a:t>小於</a:t>
+                      </a:r>
+                    </a:p>
+                  </a:txBody>
+                  <a:tcPr/>
+                </a:tc>
+                <a:extLst>
+                  <a:ext uri="{0D108BD9-81ED-4DB2-BD59-A6C34878D82A}">
+                    <a16:rowId xmlns:a16="http://schemas.microsoft.com/office/drawing/2014/main" val="2756974246"/>
+                  </a:ext>
+                </a:extLst>
+              </a:tr>
+              <a:tr h="370840">
+                <a:tc>
+                  <a:txBody>
+                    <a:bodyPr/>
+                    <a:lstStyle/>
+                    <a:p>
+                      <a:r>
+                        <a:rPr lang="en-US" altLang="zh-TW" dirty="0"/>
+                        <a:t>&gt;</a:t>
+                      </a:r>
+                      <a:endParaRPr lang="zh-TW" altLang="en-US" dirty="0"/>
+                    </a:p>
+                  </a:txBody>
+                  <a:tcPr/>
+                </a:tc>
+                <a:tc>
+                  <a:txBody>
+                    <a:bodyPr/>
+                    <a:lstStyle/>
+                    <a:p>
+                      <a:r>
+                        <a:rPr lang="zh-TW" altLang="en-US" dirty="0"/>
+                        <a:t>大於</a:t>
+                      </a:r>
+                    </a:p>
+                  </a:txBody>
+                  <a:tcPr/>
+                </a:tc>
+                <a:extLst>
+                  <a:ext uri="{0D108BD9-81ED-4DB2-BD59-A6C34878D82A}">
+                    <a16:rowId xmlns:a16="http://schemas.microsoft.com/office/drawing/2014/main" val="1312906959"/>
+                  </a:ext>
+                </a:extLst>
+              </a:tr>
+              <a:tr h="370840">
+                <a:tc>
+                  <a:txBody>
+                    <a:bodyPr/>
+                    <a:lstStyle/>
+                    <a:p>
+                      <a:r>
+                        <a:rPr lang="en-US" altLang="zh-TW" dirty="0"/>
+                        <a:t>&lt;=</a:t>
+                      </a:r>
+                      <a:endParaRPr lang="zh-TW" altLang="en-US" dirty="0"/>
+                    </a:p>
+                  </a:txBody>
+                  <a:tcPr/>
+                </a:tc>
+                <a:tc>
+                  <a:txBody>
+                    <a:bodyPr/>
+                    <a:lstStyle/>
+                    <a:p>
+                      <a:r>
+                        <a:rPr lang="zh-TW" altLang="en-US" dirty="0"/>
+                        <a:t>小於等於</a:t>
+                      </a:r>
+                    </a:p>
+                  </a:txBody>
+                  <a:tcPr/>
+                </a:tc>
+                <a:extLst>
+                  <a:ext uri="{0D108BD9-81ED-4DB2-BD59-A6C34878D82A}">
+                    <a16:rowId xmlns:a16="http://schemas.microsoft.com/office/drawing/2014/main" val="2528289117"/>
+                  </a:ext>
+                </a:extLst>
+              </a:tr>
+              <a:tr h="370840">
+                <a:tc>
+                  <a:txBody>
+                    <a:bodyPr/>
+                    <a:lstStyle/>
+                    <a:p>
+                      <a:r>
+                        <a:rPr lang="en-US" altLang="zh-TW" dirty="0"/>
+                        <a:t>&gt;=</a:t>
+                      </a:r>
+                      <a:endParaRPr lang="zh-TW" altLang="en-US" dirty="0"/>
+                    </a:p>
+                  </a:txBody>
+                  <a:tcPr/>
+                </a:tc>
+                <a:tc>
+                  <a:txBody>
+                    <a:bodyPr/>
+                    <a:lstStyle/>
+                    <a:p>
+                      <a:r>
+                        <a:rPr lang="zh-TW" altLang="en-US" dirty="0"/>
+                        <a:t>大於等於</a:t>
+                      </a:r>
+                    </a:p>
+                  </a:txBody>
+                  <a:tcPr/>
+                </a:tc>
+                <a:extLst>
+                  <a:ext uri="{0D108BD9-81ED-4DB2-BD59-A6C34878D82A}">
+                    <a16:rowId xmlns:a16="http://schemas.microsoft.com/office/drawing/2014/main" val="1919702320"/>
+                  </a:ext>
+                </a:extLst>
+              </a:tr>
+              <a:tr h="359988">
+                <a:tc>
+                  <a:txBody>
+                    <a:bodyPr/>
+                    <a:lstStyle/>
+                    <a:p>
+                      <a:r>
+                        <a:rPr lang="en-US" altLang="zh-TW" dirty="0"/>
+                        <a:t>==</a:t>
+                      </a:r>
+                      <a:endParaRPr lang="zh-TW" altLang="en-US" dirty="0"/>
+                    </a:p>
+                  </a:txBody>
+                  <a:tcPr/>
+                </a:tc>
+                <a:tc>
+                  <a:txBody>
+                    <a:bodyPr/>
+                    <a:lstStyle/>
+                    <a:p>
+                      <a:r>
+                        <a:rPr lang="zh-TW" altLang="en-US" dirty="0"/>
+                        <a:t>等於</a:t>
+                      </a:r>
+                    </a:p>
+                  </a:txBody>
+                  <a:tcPr/>
+                </a:tc>
+                <a:extLst>
+                  <a:ext uri="{0D108BD9-81ED-4DB2-BD59-A6C34878D82A}">
+                    <a16:rowId xmlns:a16="http://schemas.microsoft.com/office/drawing/2014/main" val="3092303805"/>
+                  </a:ext>
+                </a:extLst>
+              </a:tr>
+              <a:tr h="370840">
+                <a:tc>
+                  <a:txBody>
+                    <a:bodyPr/>
+                    <a:lstStyle/>
+                    <a:p>
+                      <a:r>
+                        <a:rPr lang="en-US" altLang="zh-TW" dirty="0"/>
+                        <a:t>===</a:t>
+                      </a:r>
+                      <a:endParaRPr lang="zh-TW" altLang="en-US" dirty="0"/>
+                    </a:p>
+                  </a:txBody>
+                  <a:tcPr/>
+                </a:tc>
+                <a:tc>
+                  <a:txBody>
+                    <a:bodyPr/>
+                    <a:lstStyle/>
+                    <a:p>
+                      <a:r>
+                        <a:rPr lang="zh-TW" altLang="en-US" dirty="0"/>
+                        <a:t>嚴格等於</a:t>
+                      </a:r>
+                    </a:p>
+                  </a:txBody>
+                  <a:tcPr/>
+                </a:tc>
+                <a:extLst>
+                  <a:ext uri="{0D108BD9-81ED-4DB2-BD59-A6C34878D82A}">
+                    <a16:rowId xmlns:a16="http://schemas.microsoft.com/office/drawing/2014/main" val="3971870866"/>
+                  </a:ext>
+                </a:extLst>
+              </a:tr>
+              <a:tr h="370840">
+                <a:tc>
+                  <a:txBody>
+                    <a:bodyPr/>
+                    <a:lstStyle/>
+                    <a:p>
+                      <a:r>
+                        <a:rPr lang="en-US" altLang="zh-TW" dirty="0"/>
+                        <a:t>!=</a:t>
+                      </a:r>
+                      <a:endParaRPr lang="zh-TW" altLang="en-US" dirty="0"/>
+                    </a:p>
+                  </a:txBody>
+                  <a:tcPr/>
+                </a:tc>
+                <a:tc>
+                  <a:txBody>
+                    <a:bodyPr/>
+                    <a:lstStyle/>
+                    <a:p>
+                      <a:r>
+                        <a:rPr lang="zh-TW" altLang="en-US" dirty="0"/>
+                        <a:t>不等於</a:t>
+                      </a:r>
+                    </a:p>
+                  </a:txBody>
+                  <a:tcPr/>
+                </a:tc>
+                <a:extLst>
+                  <a:ext uri="{0D108BD9-81ED-4DB2-BD59-A6C34878D82A}">
+                    <a16:rowId xmlns:a16="http://schemas.microsoft.com/office/drawing/2014/main" val="206634988"/>
+                  </a:ext>
+                </a:extLst>
+              </a:tr>
+              <a:tr h="370840">
+                <a:tc>
+                  <a:txBody>
+                    <a:bodyPr/>
+                    <a:lstStyle/>
+                    <a:p>
+                      <a:r>
+                        <a:rPr lang="en-US" altLang="zh-TW" dirty="0"/>
+                        <a:t>!==</a:t>
+                      </a:r>
+                      <a:endParaRPr lang="zh-TW" altLang="en-US" dirty="0"/>
+                    </a:p>
+                  </a:txBody>
+                  <a:tcPr/>
+                </a:tc>
+                <a:tc>
+                  <a:txBody>
+                    <a:bodyPr/>
+                    <a:lstStyle/>
+                    <a:p>
+                      <a:r>
+                        <a:rPr lang="zh-TW" altLang="en-US" dirty="0"/>
+                        <a:t>嚴格不等於</a:t>
+                      </a:r>
+                    </a:p>
+                  </a:txBody>
+                  <a:tcPr/>
+                </a:tc>
+                <a:extLst>
+                  <a:ext uri="{0D108BD9-81ED-4DB2-BD59-A6C34878D82A}">
+                    <a16:rowId xmlns:a16="http://schemas.microsoft.com/office/drawing/2014/main" val="208665611"/>
+                  </a:ext>
+                </a:extLst>
+              </a:tr>
+              <a:tr h="370840">
+                <a:tc>
+                  <a:txBody>
+                    <a:bodyPr/>
+                    <a:lstStyle/>
+                    <a:p>
+                      <a:r>
+                        <a:rPr lang="en-US" altLang="zh-TW" dirty="0"/>
+                        <a:t>&amp;&amp;</a:t>
+                      </a:r>
+                      <a:endParaRPr lang="zh-TW" altLang="en-US" dirty="0"/>
+                    </a:p>
+                  </a:txBody>
+                  <a:tcPr/>
+                </a:tc>
+                <a:tc>
+                  <a:txBody>
+                    <a:bodyPr/>
+                    <a:lstStyle/>
+                    <a:p>
+                      <a:r>
+                        <a:rPr lang="zh-TW" altLang="en-US" dirty="0"/>
+                        <a:t>而且</a:t>
+                      </a:r>
+                      <a:r>
+                        <a:rPr lang="en-US" altLang="zh-TW" dirty="0"/>
+                        <a:t>(</a:t>
+                      </a:r>
+                      <a:r>
+                        <a:rPr lang="zh-TW" altLang="en-US" dirty="0"/>
+                        <a:t>交集</a:t>
+                      </a:r>
+                      <a:r>
+                        <a:rPr lang="en-US" altLang="zh-TW" dirty="0"/>
+                        <a:t>)</a:t>
+                      </a:r>
+                      <a:endParaRPr lang="zh-TW" altLang="en-US" dirty="0"/>
+                    </a:p>
+                  </a:txBody>
+                  <a:tcPr/>
+                </a:tc>
+                <a:extLst>
+                  <a:ext uri="{0D108BD9-81ED-4DB2-BD59-A6C34878D82A}">
+                    <a16:rowId xmlns:a16="http://schemas.microsoft.com/office/drawing/2014/main" val="3151572050"/>
+                  </a:ext>
+                </a:extLst>
+              </a:tr>
+              <a:tr h="370840">
+                <a:tc>
+                  <a:txBody>
+                    <a:bodyPr/>
+                    <a:lstStyle/>
+                    <a:p>
+                      <a:r>
+                        <a:rPr lang="en-US" altLang="zh-TW" dirty="0"/>
+                        <a:t>||</a:t>
+                      </a:r>
+                      <a:endParaRPr lang="zh-TW" altLang="en-US" dirty="0"/>
+                    </a:p>
+                  </a:txBody>
+                  <a:tcPr/>
+                </a:tc>
+                <a:tc>
+                  <a:txBody>
+                    <a:bodyPr/>
+                    <a:lstStyle/>
+                    <a:p>
+                      <a:r>
+                        <a:rPr lang="zh-TW" altLang="en-US" dirty="0"/>
+                        <a:t>或</a:t>
+                      </a:r>
+                      <a:r>
+                        <a:rPr lang="en-US" altLang="zh-TW" dirty="0"/>
+                        <a:t>(</a:t>
+                      </a:r>
+                      <a:r>
+                        <a:rPr lang="zh-TW" altLang="en-US" dirty="0"/>
+                        <a:t>聯集</a:t>
+                      </a:r>
+                      <a:r>
+                        <a:rPr lang="en-US" altLang="zh-TW" dirty="0"/>
+                        <a:t>)</a:t>
+                      </a:r>
+                      <a:endParaRPr lang="zh-TW" altLang="en-US" dirty="0"/>
+                    </a:p>
+                  </a:txBody>
+                  <a:tcPr/>
+                </a:tc>
+                <a:extLst>
+                  <a:ext uri="{0D108BD9-81ED-4DB2-BD59-A6C34878D82A}">
+                    <a16:rowId xmlns:a16="http://schemas.microsoft.com/office/drawing/2014/main" val="676019572"/>
+                  </a:ext>
+                </a:extLst>
+              </a:tr>
+              <a:tr h="370840">
+                <a:tc>
+                  <a:txBody>
+                    <a:bodyPr/>
+                    <a:lstStyle/>
+                    <a:p>
+                      <a:r>
+                        <a:rPr lang="en-US" altLang="zh-TW" dirty="0"/>
+                        <a:t>!</a:t>
+                      </a:r>
+                      <a:endParaRPr lang="zh-TW" altLang="en-US" dirty="0"/>
+                    </a:p>
+                  </a:txBody>
+                  <a:tcPr/>
+                </a:tc>
+                <a:tc>
+                  <a:txBody>
+                    <a:bodyPr/>
+                    <a:lstStyle/>
+                    <a:p>
+                      <a:r>
+                        <a:rPr lang="zh-TW" altLang="en-US" dirty="0"/>
+                        <a:t>不</a:t>
+                      </a:r>
+                      <a:r>
+                        <a:rPr lang="en-US" altLang="zh-TW" dirty="0"/>
+                        <a:t>(Not)</a:t>
+                      </a:r>
+                      <a:endParaRPr lang="zh-TW" altLang="en-US" dirty="0"/>
+                    </a:p>
+                  </a:txBody>
+                  <a:tcPr/>
+                </a:tc>
+                <a:extLst>
+                  <a:ext uri="{0D108BD9-81ED-4DB2-BD59-A6C34878D82A}">
+                    <a16:rowId xmlns:a16="http://schemas.microsoft.com/office/drawing/2014/main" val="3363443347"/>
+                  </a:ext>
+                </a:extLst>
+              </a:tr>
+            </a:tbl>
+          </a:graphicData>
+        </a:graphic>
+      </p:graphicFrame>
+    </p:spTree>
+    <p:extLst>
+      <p:ext uri="{BB962C8B-B14F-4D97-AF65-F5344CB8AC3E}">
+        <p14:creationId xmlns:p14="http://schemas.microsoft.com/office/powerpoint/2010/main" val="3465094685"/>
+      </p:ext>
+    </p:extLst>
+  </p:cSld>
+  <p:clrMapOvr>
+    <a:masterClrMapping/>
+  </p:clrMapOvr>
+</p:sld>
+</file>
+
+<file path=ppt/slides/slide35.xml><?xml version="1.0" encoding="utf-8"?>
+<p:sld xmlns:a="http://schemas.openxmlformats.org/drawingml/2006/main" xmlns:r="http://schemas.openxmlformats.org/officeDocument/2006/relationships" xmlns:p="http://schemas.openxmlformats.org/presentationml/2006/main">
+  <p:cSld>
+    <p:spTree>
+      <p:nvGrpSpPr>
+        <p:cNvPr id="1" name=""/>
+        <p:cNvGrpSpPr/>
+        <p:nvPr/>
+      </p:nvGrpSpPr>
+      <p:grpSpPr>
+        <a:xfrm>
+          <a:off x="0" y="0"/>
+          <a:ext cx="0" cy="0"/>
+          <a:chOff x="0" y="0"/>
+          <a:chExt cx="0" cy="0"/>
+        </a:xfrm>
+      </p:grpSpPr>
+      <p:sp>
+        <p:nvSpPr>
+          <p:cNvPr id="2" name="標題 1">
+            <a:extLst>
+              <a:ext uri="{FF2B5EF4-FFF2-40B4-BE49-F238E27FC236}">
+                <a16:creationId xmlns:a16="http://schemas.microsoft.com/office/drawing/2014/main" id="{45CE9C3C-0364-59AB-832E-18520469BF72}"/>
+              </a:ext>
+            </a:extLst>
+          </p:cNvPr>
+          <p:cNvSpPr>
+            <a:spLocks noGrp="1"/>
+          </p:cNvSpPr>
+          <p:nvPr>
+            <p:ph type="title"/>
+          </p:nvPr>
+        </p:nvSpPr>
+        <p:spPr/>
+        <p:txBody>
+          <a:bodyPr/>
+          <a:lstStyle/>
+          <a:p>
+            <a:r>
+              <a:rPr lang="zh-TW" altLang="en-US" dirty="0"/>
+              <a:t>函式</a:t>
+            </a:r>
+            <a:r>
               <a:rPr lang="en-US" altLang="zh-TW" dirty="0"/>
-              <a:t>NULL</a:t>
-            </a:r>
-            <a:r>
-              <a:rPr lang="zh-TW" altLang="en-US" dirty="0"/>
-              <a:t>跟</a:t>
-            </a:r>
-            <a:r>
-              <a:rPr lang="en-US" altLang="zh-TW" dirty="0"/>
-              <a:t>Undefined </a:t>
-            </a:r>
-            <a:r>
-              <a:rPr lang="zh-TW" altLang="en-US" dirty="0"/>
-              <a:t>的差別</a:t>
-            </a:r>
+              <a:t>function</a:t>
+            </a:r>
+            <a:endParaRPr lang="zh-TW" altLang="en-US" dirty="0"/>
           </a:p>
         </p:txBody>
       </p:sp>
@@ -12036,80 +13693,116 @@
           <a:lstStyle/>
           <a:p>
             <a:r>
-              <a:rPr lang="en-US" altLang="zh-TW" dirty="0">
-                <a:latin typeface="標楷體" panose="03000509000000000000" pitchFamily="65" charset="-120"/>
-                <a:ea typeface="標楷體" panose="03000509000000000000" pitchFamily="65" charset="-120"/>
-              </a:rPr>
-              <a:t>Null</a:t>
-            </a:r>
-            <a:r>
-              <a:rPr lang="zh-TW" altLang="en-US" dirty="0">
-                <a:latin typeface="標楷體" panose="03000509000000000000" pitchFamily="65" charset="-120"/>
-                <a:ea typeface="標楷體" panose="03000509000000000000" pitchFamily="65" charset="-120"/>
-              </a:rPr>
-              <a:t>為空集合，必須由我們親自賦予</a:t>
-            </a:r>
-            <a:r>
-              <a:rPr lang="en-US" altLang="zh-TW" dirty="0">
-                <a:latin typeface="標楷體" panose="03000509000000000000" pitchFamily="65" charset="-120"/>
-                <a:ea typeface="標楷體" panose="03000509000000000000" pitchFamily="65" charset="-120"/>
-              </a:rPr>
-              <a:t>NULL</a:t>
-            </a:r>
-            <a:r>
-              <a:rPr lang="zh-TW" altLang="en-US" dirty="0">
-                <a:latin typeface="標楷體" panose="03000509000000000000" pitchFamily="65" charset="-120"/>
-                <a:ea typeface="標楷體" panose="03000509000000000000" pitchFamily="65" charset="-120"/>
-              </a:rPr>
-              <a:t>值給他，代表什麼都沒有。</a:t>
-            </a:r>
-            <a:endParaRPr lang="en-US" altLang="zh-TW" dirty="0">
-              <a:latin typeface="標楷體" panose="03000509000000000000" pitchFamily="65" charset="-120"/>
-              <a:ea typeface="標楷體" panose="03000509000000000000" pitchFamily="65" charset="-120"/>
-            </a:endParaRPr>
-          </a:p>
-          <a:p>
-            <a:r>
-              <a:rPr lang="en-US" altLang="zh-TW" dirty="0">
-                <a:latin typeface="標楷體" panose="03000509000000000000" pitchFamily="65" charset="-120"/>
-                <a:ea typeface="標楷體" panose="03000509000000000000" pitchFamily="65" charset="-120"/>
-              </a:rPr>
-              <a:t>Undefined</a:t>
-            </a:r>
-            <a:r>
-              <a:rPr lang="zh-TW" altLang="en-US" dirty="0">
-                <a:latin typeface="標楷體" panose="03000509000000000000" pitchFamily="65" charset="-120"/>
-                <a:ea typeface="標楷體" panose="03000509000000000000" pitchFamily="65" charset="-120"/>
-              </a:rPr>
-              <a:t>為我們什麼值都沒給他，對</a:t>
-            </a:r>
-            <a:r>
-              <a:rPr lang="en-US" altLang="zh-TW" dirty="0">
-                <a:latin typeface="標楷體" panose="03000509000000000000" pitchFamily="65" charset="-120"/>
-                <a:ea typeface="標楷體" panose="03000509000000000000" pitchFamily="65" charset="-120"/>
-              </a:rPr>
-              <a:t>PHP</a:t>
-            </a:r>
-            <a:r>
-              <a:rPr lang="zh-TW" altLang="en-US" dirty="0">
-                <a:latin typeface="標楷體" panose="03000509000000000000" pitchFamily="65" charset="-120"/>
-                <a:ea typeface="標楷體" panose="03000509000000000000" pitchFamily="65" charset="-120"/>
-              </a:rPr>
-              <a:t>來說宣告了沒給值、沒宣告都算是</a:t>
-            </a:r>
-            <a:r>
-              <a:rPr lang="en-US" altLang="zh-TW" dirty="0">
-                <a:latin typeface="標楷體" panose="03000509000000000000" pitchFamily="65" charset="-120"/>
-                <a:ea typeface="標楷體" panose="03000509000000000000" pitchFamily="65" charset="-120"/>
-              </a:rPr>
-              <a:t>Undefined</a:t>
-            </a:r>
-            <a:r>
-              <a:rPr lang="zh-TW" altLang="en-US" dirty="0">
-                <a:latin typeface="標楷體" panose="03000509000000000000" pitchFamily="65" charset="-120"/>
-                <a:ea typeface="標楷體" panose="03000509000000000000" pitchFamily="65" charset="-120"/>
-              </a:rPr>
-              <a:t>，而且都會回報</a:t>
+              <a:rPr lang="zh-TW" altLang="en-US" b="1" dirty="0">
+                <a:latin typeface="標楷體" panose="03000509000000000000" pitchFamily="65" charset="-120"/>
+                <a:ea typeface="標楷體" panose="03000509000000000000" pitchFamily="65" charset="-120"/>
+              </a:rPr>
+              <a:t>何時使用</a:t>
+            </a:r>
+            <a:r>
+              <a:rPr lang="en-US" altLang="zh-TW" b="1" dirty="0">
+                <a:latin typeface="標楷體" panose="03000509000000000000" pitchFamily="65" charset="-120"/>
+                <a:ea typeface="標楷體" panose="03000509000000000000" pitchFamily="65" charset="-120"/>
+              </a:rPr>
+              <a:t>function?</a:t>
+            </a:r>
+          </a:p>
+          <a:p>
+            <a:r>
+              <a:rPr lang="zh-TW" altLang="en-US" b="1" dirty="0">
+                <a:latin typeface="標楷體" panose="03000509000000000000" pitchFamily="65" charset="-120"/>
+                <a:ea typeface="標楷體" panose="03000509000000000000" pitchFamily="65" charset="-120"/>
+              </a:rPr>
+              <a:t>有一段程式需要它重複執行，就可以包成</a:t>
+            </a:r>
+            <a:r>
+              <a:rPr lang="en-US" altLang="zh-TW" b="1" dirty="0">
+                <a:latin typeface="標楷體" panose="03000509000000000000" pitchFamily="65" charset="-120"/>
+                <a:ea typeface="標楷體" panose="03000509000000000000" pitchFamily="65" charset="-120"/>
+              </a:rPr>
+              <a:t>function</a:t>
+            </a:r>
+          </a:p>
+          <a:p>
+            <a:r>
+              <a:rPr lang="zh-TW" altLang="en-US" b="1" dirty="0">
+                <a:latin typeface="標楷體" panose="03000509000000000000" pitchFamily="65" charset="-120"/>
+                <a:ea typeface="標楷體" panose="03000509000000000000" pitchFamily="65" charset="-120"/>
+              </a:rPr>
+              <a:t>必須先寫好 ，但不會馬上執行</a:t>
+            </a:r>
+          </a:p>
+          <a:p>
+            <a:r>
+              <a:rPr lang="en-US" altLang="zh-TW" b="1" dirty="0" err="1">
+                <a:latin typeface="標楷體" panose="03000509000000000000" pitchFamily="65" charset="-120"/>
+                <a:ea typeface="標楷體" panose="03000509000000000000" pitchFamily="65" charset="-120"/>
+              </a:rPr>
+              <a:t>functin</a:t>
+            </a:r>
+            <a:r>
+              <a:rPr lang="en-US" altLang="zh-TW" b="1" dirty="0">
+                <a:latin typeface="標楷體" panose="03000509000000000000" pitchFamily="65" charset="-120"/>
+                <a:ea typeface="標楷體" panose="03000509000000000000" pitchFamily="65" charset="-120"/>
+              </a:rPr>
+              <a:t> (</a:t>
+            </a:r>
+            <a:r>
+              <a:rPr lang="zh-TW" altLang="en-US" b="1" dirty="0">
+                <a:latin typeface="標楷體" panose="03000509000000000000" pitchFamily="65" charset="-120"/>
+                <a:ea typeface="標楷體" panose="03000509000000000000" pitchFamily="65" charset="-120"/>
+              </a:rPr>
+              <a:t>參數</a:t>
+            </a:r>
+            <a:r>
+              <a:rPr lang="en-US" altLang="zh-TW" b="1" dirty="0">
+                <a:latin typeface="標楷體" panose="03000509000000000000" pitchFamily="65" charset="-120"/>
+                <a:ea typeface="標楷體" panose="03000509000000000000" pitchFamily="65" charset="-120"/>
+              </a:rPr>
+              <a:t>){</a:t>
+            </a:r>
+          </a:p>
+          <a:p>
+            <a:pPr marL="0" indent="0">
+              <a:buNone/>
+            </a:pPr>
+            <a:r>
+              <a:rPr lang="en-US" altLang="zh-TW" b="1" dirty="0">
+                <a:latin typeface="標楷體" panose="03000509000000000000" pitchFamily="65" charset="-120"/>
+                <a:ea typeface="標楷體" panose="03000509000000000000" pitchFamily="65" charset="-120"/>
+              </a:rPr>
+              <a:t>	</a:t>
+            </a:r>
+            <a:r>
+              <a:rPr lang="zh-TW" altLang="en-US" b="1" dirty="0">
+                <a:latin typeface="標楷體" panose="03000509000000000000" pitchFamily="65" charset="-120"/>
+                <a:ea typeface="標楷體" panose="03000509000000000000" pitchFamily="65" charset="-120"/>
+              </a:rPr>
+              <a:t>函式內容</a:t>
+            </a:r>
+          </a:p>
+          <a:p>
+            <a:pPr marL="0" indent="0">
+              <a:buNone/>
+            </a:pPr>
+            <a:r>
+              <a:rPr lang="en-US" altLang="zh-TW" b="1" dirty="0">
+                <a:latin typeface="標楷體" panose="03000509000000000000" pitchFamily="65" charset="-120"/>
+                <a:ea typeface="標楷體" panose="03000509000000000000" pitchFamily="65" charset="-120"/>
+              </a:rPr>
+              <a:t>	}</a:t>
+            </a:r>
+          </a:p>
+          <a:p>
+            <a:pPr marL="0" indent="0">
+              <a:buNone/>
+            </a:pPr>
+            <a:r>
+              <a:rPr lang="en-US" altLang="zh-TW" b="1" dirty="0">
+                <a:latin typeface="標楷體" panose="03000509000000000000" pitchFamily="65" charset="-120"/>
+                <a:ea typeface="標楷體" panose="03000509000000000000" pitchFamily="65" charset="-120"/>
+              </a:rPr>
+              <a:t>	</a:t>
             </a:r>
             <a:r>
               <a:rPr lang="zh-TW" altLang="en-US" b="1" dirty="0">
@@ -12119,26 +13812,1273 @@
                 <a:latin typeface="標楷體" panose="03000509000000000000" pitchFamily="65" charset="-120"/>
                 <a:ea typeface="標楷體" panose="03000509000000000000" pitchFamily="65" charset="-120"/>
               </a:rPr>
-              <a:t>錯誤訊息</a:t>
-            </a:r>
-            <a:r>
-              <a:rPr lang="zh-TW" altLang="en-US" dirty="0">
-                <a:latin typeface="標楷體" panose="03000509000000000000" pitchFamily="65" charset="-120"/>
-                <a:ea typeface="標楷體" panose="03000509000000000000" pitchFamily="65" charset="-120"/>
-              </a:rPr>
-              <a:t>。</a:t>
+              <a:t>*參數可有可無，看使用需求添加</a:t>
+            </a:r>
+            <a:endParaRPr lang="en-US" altLang="zh-TW" b="1" dirty="0">
+              <a:solidFill>
+                <a:srgbClr val="FF0000"/>
+              </a:solidFill>
+              <a:latin typeface="標楷體" panose="03000509000000000000" pitchFamily="65" charset="-120"/>
+              <a:ea typeface="標楷體" panose="03000509000000000000" pitchFamily="65" charset="-120"/>
+            </a:endParaRPr>
+          </a:p>
+          <a:p>
+            <a:pPr marL="0" indent="0">
+              <a:buNone/>
+            </a:pPr>
+            <a:br>
+              <a:rPr lang="en-US" altLang="zh-TW" b="1" dirty="0">
+                <a:solidFill>
+                  <a:srgbClr val="FF0000"/>
+                </a:solidFill>
+                <a:latin typeface="標楷體" panose="03000509000000000000" pitchFamily="65" charset="-120"/>
+                <a:ea typeface="標楷體" panose="03000509000000000000" pitchFamily="65" charset="-120"/>
+              </a:rPr>
+            </a:br>
+            <a:endParaRPr lang="en-US" altLang="zh-TW" b="1" dirty="0">
+              <a:solidFill>
+                <a:srgbClr val="FF0000"/>
+              </a:solidFill>
+              <a:latin typeface="標楷體" panose="03000509000000000000" pitchFamily="65" charset="-120"/>
+              <a:ea typeface="標楷體" panose="03000509000000000000" pitchFamily="65" charset="-120"/>
+            </a:endParaRPr>
+          </a:p>
+        </p:txBody>
+      </p:sp>
+    </p:spTree>
+    <p:extLst>
+      <p:ext uri="{BB962C8B-B14F-4D97-AF65-F5344CB8AC3E}">
+        <p14:creationId xmlns:p14="http://schemas.microsoft.com/office/powerpoint/2010/main" val="533893833"/>
+      </p:ext>
+    </p:extLst>
+  </p:cSld>
+  <p:clrMapOvr>
+    <a:masterClrMapping/>
+  </p:clrMapOvr>
+</p:sld>
+</file>
+
+<file path=ppt/slides/slide36.xml><?xml version="1.0" encoding="utf-8"?>
+<p:sld xmlns:a="http://schemas.openxmlformats.org/drawingml/2006/main" xmlns:r="http://schemas.openxmlformats.org/officeDocument/2006/relationships" xmlns:p="http://schemas.openxmlformats.org/presentationml/2006/main">
+  <p:cSld>
+    <p:spTree>
+      <p:nvGrpSpPr>
+        <p:cNvPr id="1" name=""/>
+        <p:cNvGrpSpPr/>
+        <p:nvPr/>
+      </p:nvGrpSpPr>
+      <p:grpSpPr>
+        <a:xfrm>
+          <a:off x="0" y="0"/>
+          <a:ext cx="0" cy="0"/>
+          <a:chOff x="0" y="0"/>
+          <a:chExt cx="0" cy="0"/>
+        </a:xfrm>
+      </p:grpSpPr>
+      <p:sp>
+        <p:nvSpPr>
+          <p:cNvPr id="2" name="標題 1">
+            <a:extLst>
+              <a:ext uri="{FF2B5EF4-FFF2-40B4-BE49-F238E27FC236}">
+                <a16:creationId xmlns:a16="http://schemas.microsoft.com/office/drawing/2014/main" id="{45CE9C3C-0364-59AB-832E-18520469BF72}"/>
+              </a:ext>
+            </a:extLst>
+          </p:cNvPr>
+          <p:cNvSpPr>
+            <a:spLocks noGrp="1"/>
+          </p:cNvSpPr>
+          <p:nvPr>
+            <p:ph type="title"/>
+          </p:nvPr>
+        </p:nvSpPr>
+        <p:spPr/>
+        <p:txBody>
+          <a:bodyPr/>
+          <a:lstStyle/>
+          <a:p>
+            <a:r>
+              <a:rPr lang="zh-TW" altLang="en-US" dirty="0"/>
+              <a:t>練習</a:t>
+            </a:r>
+          </a:p>
+        </p:txBody>
+      </p:sp>
+      <p:sp>
+        <p:nvSpPr>
+          <p:cNvPr id="4" name="內容版面配置區 3">
+            <a:extLst>
+              <a:ext uri="{FF2B5EF4-FFF2-40B4-BE49-F238E27FC236}">
+                <a16:creationId xmlns:a16="http://schemas.microsoft.com/office/drawing/2014/main" id="{661C1185-3359-F4B9-F79F-0F7D7C66A812}"/>
+              </a:ext>
+            </a:extLst>
+          </p:cNvPr>
+          <p:cNvSpPr>
+            <a:spLocks noGrp="1"/>
+          </p:cNvSpPr>
+          <p:nvPr>
+            <p:ph idx="1"/>
+          </p:nvPr>
+        </p:nvSpPr>
+        <p:spPr>
+          <a:xfrm>
+            <a:off x="677334" y="1779508"/>
+            <a:ext cx="8596668" cy="4728868"/>
+          </a:xfrm>
+        </p:spPr>
+        <p:txBody>
+          <a:bodyPr>
+            <a:normAutofit/>
+          </a:bodyPr>
+          <a:lstStyle/>
+          <a:p>
+            <a:r>
+              <a:rPr lang="en-US" altLang="zh-TW" dirty="0"/>
+              <a:t>1.</a:t>
+            </a:r>
+            <a:r>
+              <a:rPr lang="zh-TW" altLang="en-US" dirty="0"/>
+              <a:t>日薪</a:t>
+            </a:r>
+            <a:r>
+              <a:rPr lang="en-US" altLang="zh-TW" dirty="0"/>
+              <a:t>1000</a:t>
+            </a:r>
+            <a:r>
+              <a:rPr lang="zh-TW" altLang="en-US" dirty="0"/>
+              <a:t>元，一個月工作</a:t>
+            </a:r>
+            <a:r>
+              <a:rPr lang="en-US" altLang="zh-TW" dirty="0"/>
+              <a:t>20</a:t>
+            </a:r>
+            <a:r>
+              <a:rPr lang="zh-TW" altLang="en-US" dirty="0"/>
+              <a:t>天，計算月薪</a:t>
+            </a:r>
+            <a:endParaRPr lang="en-US" altLang="zh-TW" dirty="0"/>
+          </a:p>
+          <a:p>
+            <a:r>
+              <a:rPr lang="en-US" altLang="zh-TW" dirty="0"/>
+              <a:t>2.</a:t>
+            </a:r>
+            <a:r>
+              <a:rPr lang="zh-TW" altLang="en-US" dirty="0"/>
+              <a:t>日薪</a:t>
+            </a:r>
+            <a:r>
+              <a:rPr lang="en-US" altLang="zh-TW" dirty="0"/>
+              <a:t>2000</a:t>
+            </a:r>
+            <a:r>
+              <a:rPr lang="zh-TW" altLang="en-US" dirty="0"/>
+              <a:t>元，一個月工作</a:t>
+            </a:r>
+            <a:r>
+              <a:rPr lang="en-US" altLang="zh-TW" dirty="0"/>
+              <a:t>20</a:t>
+            </a:r>
+            <a:r>
+              <a:rPr lang="zh-TW" altLang="en-US" dirty="0"/>
+              <a:t>天，計算月薪</a:t>
+            </a:r>
+            <a:endParaRPr lang="en-US" altLang="zh-TW" dirty="0"/>
+          </a:p>
+          <a:p>
+            <a:r>
+              <a:rPr lang="en-US" altLang="zh-TW" dirty="0"/>
+              <a:t>3.</a:t>
+            </a:r>
+            <a:r>
+              <a:rPr lang="zh-TW" altLang="en-US" dirty="0"/>
+              <a:t>日薪</a:t>
+            </a:r>
+            <a:r>
+              <a:rPr lang="en-US" altLang="zh-TW" dirty="0"/>
+              <a:t>2000</a:t>
+            </a:r>
+            <a:r>
+              <a:rPr lang="zh-TW" altLang="en-US" dirty="0"/>
+              <a:t>元，一個月工作</a:t>
+            </a:r>
+            <a:r>
+              <a:rPr lang="en-US" altLang="zh-TW" dirty="0"/>
+              <a:t>30</a:t>
+            </a:r>
+            <a:r>
+              <a:rPr lang="zh-TW" altLang="en-US" dirty="0"/>
+              <a:t>天，計算月薪</a:t>
+            </a:r>
+            <a:endParaRPr lang="en-US" altLang="zh-TW" dirty="0"/>
+          </a:p>
+          <a:p>
+            <a:endParaRPr lang="en-US" altLang="zh-TW" dirty="0"/>
+          </a:p>
+          <a:p>
+            <a:endParaRPr lang="en-US" altLang="zh-TW" dirty="0"/>
+          </a:p>
+          <a:p>
+            <a:endParaRPr lang="en-US" altLang="zh-TW" dirty="0"/>
+          </a:p>
+          <a:p>
+            <a:pPr marL="0" indent="0">
+              <a:buNone/>
+            </a:pPr>
+            <a:br>
+              <a:rPr lang="en-US" altLang="zh-TW" b="1" dirty="0">
+                <a:solidFill>
+                  <a:srgbClr val="FF0000"/>
+                </a:solidFill>
+                <a:latin typeface="標楷體" panose="03000509000000000000" pitchFamily="65" charset="-120"/>
+                <a:ea typeface="標楷體" panose="03000509000000000000" pitchFamily="65" charset="-120"/>
+              </a:rPr>
+            </a:br>
+            <a:endParaRPr lang="en-US" altLang="zh-TW" b="1" dirty="0">
+              <a:solidFill>
+                <a:srgbClr val="FF0000"/>
+              </a:solidFill>
+              <a:latin typeface="標楷體" panose="03000509000000000000" pitchFamily="65" charset="-120"/>
+              <a:ea typeface="標楷體" panose="03000509000000000000" pitchFamily="65" charset="-120"/>
+            </a:endParaRPr>
+          </a:p>
+        </p:txBody>
+      </p:sp>
+    </p:spTree>
+    <p:extLst>
+      <p:ext uri="{BB962C8B-B14F-4D97-AF65-F5344CB8AC3E}">
+        <p14:creationId xmlns:p14="http://schemas.microsoft.com/office/powerpoint/2010/main" val="2197947503"/>
+      </p:ext>
+    </p:extLst>
+  </p:cSld>
+  <p:clrMapOvr>
+    <a:masterClrMapping/>
+  </p:clrMapOvr>
+</p:sld>
+</file>
+
+<file path=ppt/slides/slide37.xml><?xml version="1.0" encoding="utf-8"?>
+<p:sld xmlns:a="http://schemas.openxmlformats.org/drawingml/2006/main" xmlns:r="http://schemas.openxmlformats.org/officeDocument/2006/relationships" xmlns:p="http://schemas.openxmlformats.org/presentationml/2006/main">
+  <p:cSld>
+    <p:spTree>
+      <p:nvGrpSpPr>
+        <p:cNvPr id="1" name=""/>
+        <p:cNvGrpSpPr/>
+        <p:nvPr/>
+      </p:nvGrpSpPr>
+      <p:grpSpPr>
+        <a:xfrm>
+          <a:off x="0" y="0"/>
+          <a:ext cx="0" cy="0"/>
+          <a:chOff x="0" y="0"/>
+          <a:chExt cx="0" cy="0"/>
+        </a:xfrm>
+      </p:grpSpPr>
+      <p:sp>
+        <p:nvSpPr>
+          <p:cNvPr id="2" name="標題 1">
+            <a:extLst>
+              <a:ext uri="{FF2B5EF4-FFF2-40B4-BE49-F238E27FC236}">
+                <a16:creationId xmlns:a16="http://schemas.microsoft.com/office/drawing/2014/main" id="{45CE9C3C-0364-59AB-832E-18520469BF72}"/>
+              </a:ext>
+            </a:extLst>
+          </p:cNvPr>
+          <p:cNvSpPr>
+            <a:spLocks noGrp="1"/>
+          </p:cNvSpPr>
+          <p:nvPr>
+            <p:ph type="title"/>
+          </p:nvPr>
+        </p:nvSpPr>
+        <p:spPr/>
+        <p:txBody>
+          <a:bodyPr/>
+          <a:lstStyle/>
+          <a:p>
+            <a:r>
+              <a:rPr lang="zh-TW" altLang="en-US" dirty="0"/>
+              <a:t>內建函式</a:t>
+            </a:r>
+          </a:p>
+        </p:txBody>
+      </p:sp>
+      <p:sp>
+        <p:nvSpPr>
+          <p:cNvPr id="4" name="內容版面配置區 3">
+            <a:extLst>
+              <a:ext uri="{FF2B5EF4-FFF2-40B4-BE49-F238E27FC236}">
+                <a16:creationId xmlns:a16="http://schemas.microsoft.com/office/drawing/2014/main" id="{661C1185-3359-F4B9-F79F-0F7D7C66A812}"/>
+              </a:ext>
+            </a:extLst>
+          </p:cNvPr>
+          <p:cNvSpPr>
+            <a:spLocks noGrp="1"/>
+          </p:cNvSpPr>
+          <p:nvPr>
+            <p:ph idx="1"/>
+          </p:nvPr>
+        </p:nvSpPr>
+        <p:spPr>
+          <a:xfrm>
+            <a:off x="677334" y="1779508"/>
+            <a:ext cx="8596668" cy="4728868"/>
+          </a:xfrm>
+        </p:spPr>
+        <p:txBody>
+          <a:bodyPr>
+            <a:normAutofit/>
+          </a:bodyPr>
+          <a:lstStyle/>
+          <a:p>
+            <a:r>
+              <a:rPr lang="en-US" altLang="zh-TW" b="1" dirty="0">
+                <a:latin typeface="標楷體" panose="03000509000000000000" pitchFamily="65" charset="-120"/>
+                <a:ea typeface="標楷體" panose="03000509000000000000" pitchFamily="65" charset="-120"/>
+              </a:rPr>
+              <a:t>rand(</a:t>
+            </a:r>
+            <a:r>
+              <a:rPr lang="zh-TW" altLang="en-US" b="1" dirty="0">
+                <a:latin typeface="標楷體" panose="03000509000000000000" pitchFamily="65" charset="-120"/>
+                <a:ea typeface="標楷體" panose="03000509000000000000" pitchFamily="65" charset="-120"/>
+              </a:rPr>
+              <a:t>初始值</a:t>
+            </a:r>
+            <a:r>
+              <a:rPr lang="en-US" altLang="zh-TW" b="1" dirty="0">
+                <a:latin typeface="標楷體" panose="03000509000000000000" pitchFamily="65" charset="-120"/>
+                <a:ea typeface="標楷體" panose="03000509000000000000" pitchFamily="65" charset="-120"/>
+              </a:rPr>
+              <a:t>,</a:t>
+            </a:r>
+            <a:r>
+              <a:rPr lang="zh-TW" altLang="en-US" b="1" dirty="0">
+                <a:latin typeface="標楷體" panose="03000509000000000000" pitchFamily="65" charset="-120"/>
+                <a:ea typeface="標楷體" panose="03000509000000000000" pitchFamily="65" charset="-120"/>
+              </a:rPr>
+              <a:t>終止值</a:t>
+            </a:r>
+            <a:r>
+              <a:rPr lang="en-US" altLang="zh-TW" b="1" dirty="0">
+                <a:latin typeface="標楷體" panose="03000509000000000000" pitchFamily="65" charset="-120"/>
+                <a:ea typeface="標楷體" panose="03000509000000000000" pitchFamily="65" charset="-120"/>
+              </a:rPr>
+              <a:t>);</a:t>
+            </a:r>
+            <a:r>
+              <a:rPr lang="zh-TW" altLang="en-US" b="1" dirty="0">
+                <a:latin typeface="標楷體" panose="03000509000000000000" pitchFamily="65" charset="-120"/>
+                <a:ea typeface="標楷體" panose="03000509000000000000" pitchFamily="65" charset="-120"/>
+              </a:rPr>
+              <a:t> </a:t>
+            </a:r>
+            <a:r>
+              <a:rPr lang="en-US" altLang="zh-TW" b="1" dirty="0">
+                <a:latin typeface="標楷體" panose="03000509000000000000" pitchFamily="65" charset="-120"/>
+                <a:ea typeface="標楷體" panose="03000509000000000000" pitchFamily="65" charset="-120"/>
+              </a:rPr>
+              <a:t>//</a:t>
+            </a:r>
+            <a:r>
+              <a:rPr lang="zh-TW" altLang="en-US" b="1" dirty="0">
+                <a:latin typeface="標楷體" panose="03000509000000000000" pitchFamily="65" charset="-120"/>
+                <a:ea typeface="標楷體" panose="03000509000000000000" pitchFamily="65" charset="-120"/>
+              </a:rPr>
+              <a:t>隨機整數函式</a:t>
             </a:r>
             <a:endParaRPr lang="en-US" altLang="zh-TW" b="1" dirty="0">
               <a:latin typeface="標楷體" panose="03000509000000000000" pitchFamily="65" charset="-120"/>
               <a:ea typeface="標楷體" panose="03000509000000000000" pitchFamily="65" charset="-120"/>
             </a:endParaRPr>
           </a:p>
+          <a:p>
+            <a:r>
+              <a:rPr lang="en-US" altLang="zh-TW" b="1" dirty="0">
+                <a:latin typeface="標楷體" panose="03000509000000000000" pitchFamily="65" charset="-120"/>
+                <a:ea typeface="標楷體" panose="03000509000000000000" pitchFamily="65" charset="-120"/>
+              </a:rPr>
+              <a:t>floor(); //</a:t>
+            </a:r>
+            <a:r>
+              <a:rPr lang="zh-TW" altLang="en-US" b="1" dirty="0">
+                <a:latin typeface="標楷體" panose="03000509000000000000" pitchFamily="65" charset="-120"/>
+                <a:ea typeface="標楷體" panose="03000509000000000000" pitchFamily="65" charset="-120"/>
+              </a:rPr>
+              <a:t>無條件捨去</a:t>
+            </a:r>
+          </a:p>
+          <a:p>
+            <a:r>
+              <a:rPr lang="en-US" altLang="zh-TW" b="1" dirty="0">
+                <a:latin typeface="標楷體" panose="03000509000000000000" pitchFamily="65" charset="-120"/>
+                <a:ea typeface="標楷體" panose="03000509000000000000" pitchFamily="65" charset="-120"/>
+              </a:rPr>
+              <a:t>ceil(); //</a:t>
+            </a:r>
+            <a:r>
+              <a:rPr lang="zh-TW" altLang="en-US" b="1" dirty="0">
+                <a:latin typeface="標楷體" panose="03000509000000000000" pitchFamily="65" charset="-120"/>
+                <a:ea typeface="標楷體" panose="03000509000000000000" pitchFamily="65" charset="-120"/>
+              </a:rPr>
+              <a:t>無條件進位</a:t>
+            </a:r>
+          </a:p>
+          <a:p>
+            <a:r>
+              <a:rPr lang="en-US" altLang="zh-TW" b="1" dirty="0">
+                <a:latin typeface="標楷體" panose="03000509000000000000" pitchFamily="65" charset="-120"/>
+                <a:ea typeface="標楷體" panose="03000509000000000000" pitchFamily="65" charset="-120"/>
+              </a:rPr>
+              <a:t>round(); //</a:t>
+            </a:r>
+            <a:r>
+              <a:rPr lang="zh-TW" altLang="en-US" b="1" dirty="0">
+                <a:latin typeface="標楷體" panose="03000509000000000000" pitchFamily="65" charset="-120"/>
+                <a:ea typeface="標楷體" panose="03000509000000000000" pitchFamily="65" charset="-120"/>
+              </a:rPr>
+              <a:t>四捨五入</a:t>
+            </a:r>
+          </a:p>
+          <a:p>
+            <a:endParaRPr lang="en-US" altLang="zh-TW" b="1" dirty="0">
+              <a:latin typeface="標楷體" panose="03000509000000000000" pitchFamily="65" charset="-120"/>
+              <a:ea typeface="標楷體" panose="03000509000000000000" pitchFamily="65" charset="-120"/>
+            </a:endParaRPr>
+          </a:p>
+          <a:p>
+            <a:endParaRPr lang="en-US" altLang="zh-TW" b="1" dirty="0">
+              <a:solidFill>
+                <a:srgbClr val="FF0000"/>
+              </a:solidFill>
+              <a:latin typeface="標楷體" panose="03000509000000000000" pitchFamily="65" charset="-120"/>
+              <a:ea typeface="標楷體" panose="03000509000000000000" pitchFamily="65" charset="-120"/>
+            </a:endParaRPr>
+          </a:p>
+          <a:p>
+            <a:r>
+              <a:rPr lang="zh-TW" altLang="en-US" b="1" dirty="0">
+                <a:solidFill>
+                  <a:srgbClr val="FF0000"/>
+                </a:solidFill>
+                <a:latin typeface="標楷體" panose="03000509000000000000" pitchFamily="65" charset="-120"/>
+                <a:ea typeface="標楷體" panose="03000509000000000000" pitchFamily="65" charset="-120"/>
+              </a:rPr>
+              <a:t>範例</a:t>
+            </a:r>
+            <a:r>
+              <a:rPr lang="en-US" altLang="zh-TW" b="1" dirty="0">
+                <a:solidFill>
+                  <a:srgbClr val="FF0000"/>
+                </a:solidFill>
+                <a:latin typeface="標楷體" panose="03000509000000000000" pitchFamily="65" charset="-120"/>
+                <a:ea typeface="標楷體" panose="03000509000000000000" pitchFamily="65" charset="-120"/>
+              </a:rPr>
+              <a:t>:</a:t>
+            </a:r>
+          </a:p>
+          <a:p>
+            <a:pPr marL="0" indent="0">
+              <a:buNone/>
+            </a:pPr>
+            <a:r>
+              <a:rPr lang="en-US" altLang="zh-TW" b="1" dirty="0">
+                <a:solidFill>
+                  <a:srgbClr val="FF0000"/>
+                </a:solidFill>
+                <a:latin typeface="標楷體" panose="03000509000000000000" pitchFamily="65" charset="-120"/>
+                <a:ea typeface="標楷體" panose="03000509000000000000" pitchFamily="65" charset="-120"/>
+              </a:rPr>
+              <a:t>	rand(1, 1000); //</a:t>
+            </a:r>
+            <a:r>
+              <a:rPr lang="zh-TW" altLang="en-US" b="1" dirty="0">
+                <a:solidFill>
+                  <a:srgbClr val="FF0000"/>
+                </a:solidFill>
+                <a:latin typeface="標楷體" panose="03000509000000000000" pitchFamily="65" charset="-120"/>
+                <a:ea typeface="標楷體" panose="03000509000000000000" pitchFamily="65" charset="-120"/>
+              </a:rPr>
+              <a:t>會隨機產生出</a:t>
+            </a:r>
+            <a:r>
+              <a:rPr lang="en-US" altLang="zh-TW" b="1" dirty="0">
+                <a:solidFill>
+                  <a:srgbClr val="FF0000"/>
+                </a:solidFill>
+                <a:latin typeface="標楷體" panose="03000509000000000000" pitchFamily="65" charset="-120"/>
+                <a:ea typeface="標楷體" panose="03000509000000000000" pitchFamily="65" charset="-120"/>
+              </a:rPr>
+              <a:t>1~1000</a:t>
+            </a:r>
+            <a:r>
+              <a:rPr lang="zh-TW" altLang="en-US" b="1" dirty="0">
+                <a:solidFill>
+                  <a:srgbClr val="FF0000"/>
+                </a:solidFill>
+                <a:latin typeface="標楷體" panose="03000509000000000000" pitchFamily="65" charset="-120"/>
+                <a:ea typeface="標楷體" panose="03000509000000000000" pitchFamily="65" charset="-120"/>
+              </a:rPr>
+              <a:t>的隨機整數</a:t>
+            </a:r>
+            <a:endParaRPr lang="en-US" altLang="zh-TW" b="1" dirty="0">
+              <a:solidFill>
+                <a:srgbClr val="FF0000"/>
+              </a:solidFill>
+              <a:latin typeface="標楷體" panose="03000509000000000000" pitchFamily="65" charset="-120"/>
+              <a:ea typeface="標楷體" panose="03000509000000000000" pitchFamily="65" charset="-120"/>
+            </a:endParaRPr>
+          </a:p>
         </p:txBody>
       </p:sp>
     </p:spTree>
     <p:extLst>
       <p:ext uri="{BB962C8B-B14F-4D97-AF65-F5344CB8AC3E}">
-        <p14:creationId xmlns:p14="http://schemas.microsoft.com/office/powerpoint/2010/main" val="2751257618"/>
+        <p14:creationId xmlns:p14="http://schemas.microsoft.com/office/powerpoint/2010/main" val="814286911"/>
+      </p:ext>
+    </p:extLst>
+  </p:cSld>
+  <p:clrMapOvr>
+    <a:masterClrMapping/>
+  </p:clrMapOvr>
+</p:sld>
+</file>
+
+<file path=ppt/slides/slide38.xml><?xml version="1.0" encoding="utf-8"?>
+<p:sld xmlns:a="http://schemas.openxmlformats.org/drawingml/2006/main" xmlns:r="http://schemas.openxmlformats.org/officeDocument/2006/relationships" xmlns:p="http://schemas.openxmlformats.org/presentationml/2006/main">
+  <p:cSld>
+    <p:spTree>
+      <p:nvGrpSpPr>
+        <p:cNvPr id="1" name=""/>
+        <p:cNvGrpSpPr/>
+        <p:nvPr/>
+      </p:nvGrpSpPr>
+      <p:grpSpPr>
+        <a:xfrm>
+          <a:off x="0" y="0"/>
+          <a:ext cx="0" cy="0"/>
+          <a:chOff x="0" y="0"/>
+          <a:chExt cx="0" cy="0"/>
+        </a:xfrm>
+      </p:grpSpPr>
+      <p:sp>
+        <p:nvSpPr>
+          <p:cNvPr id="2" name="標題 1">
+            <a:extLst>
+              <a:ext uri="{FF2B5EF4-FFF2-40B4-BE49-F238E27FC236}">
+                <a16:creationId xmlns:a16="http://schemas.microsoft.com/office/drawing/2014/main" id="{45CE9C3C-0364-59AB-832E-18520469BF72}"/>
+              </a:ext>
+            </a:extLst>
+          </p:cNvPr>
+          <p:cNvSpPr>
+            <a:spLocks noGrp="1"/>
+          </p:cNvSpPr>
+          <p:nvPr>
+            <p:ph type="title"/>
+          </p:nvPr>
+        </p:nvSpPr>
+        <p:spPr/>
+        <p:txBody>
+          <a:bodyPr/>
+          <a:lstStyle/>
+          <a:p>
+            <a:r>
+              <a:rPr lang="zh-TW" altLang="en-US" dirty="0"/>
+              <a:t>流程控制</a:t>
+            </a:r>
+            <a:r>
+              <a:rPr lang="en-US" altLang="zh-TW" dirty="0"/>
+              <a:t>if …else …</a:t>
+            </a:r>
+            <a:endParaRPr lang="zh-TW" altLang="en-US" dirty="0"/>
+          </a:p>
+        </p:txBody>
+      </p:sp>
+      <p:sp>
+        <p:nvSpPr>
+          <p:cNvPr id="4" name="內容版面配置區 3">
+            <a:extLst>
+              <a:ext uri="{FF2B5EF4-FFF2-40B4-BE49-F238E27FC236}">
+                <a16:creationId xmlns:a16="http://schemas.microsoft.com/office/drawing/2014/main" id="{661C1185-3359-F4B9-F79F-0F7D7C66A812}"/>
+              </a:ext>
+            </a:extLst>
+          </p:cNvPr>
+          <p:cNvSpPr>
+            <a:spLocks noGrp="1"/>
+          </p:cNvSpPr>
+          <p:nvPr>
+            <p:ph idx="1"/>
+          </p:nvPr>
+        </p:nvSpPr>
+        <p:spPr>
+          <a:xfrm>
+            <a:off x="677334" y="1779508"/>
+            <a:ext cx="8596668" cy="4728868"/>
+          </a:xfrm>
+        </p:spPr>
+        <p:txBody>
+          <a:bodyPr>
+            <a:normAutofit/>
+          </a:bodyPr>
+          <a:lstStyle/>
+          <a:p>
+            <a:r>
+              <a:rPr lang="en-US" altLang="zh-TW" b="1" dirty="0">
+                <a:latin typeface="標楷體" panose="03000509000000000000" pitchFamily="65" charset="-120"/>
+                <a:ea typeface="標楷體" panose="03000509000000000000" pitchFamily="65" charset="-120"/>
+              </a:rPr>
+              <a:t>if(true){</a:t>
+            </a:r>
+            <a:br>
+              <a:rPr lang="en-US" altLang="zh-TW" b="1" dirty="0">
+                <a:latin typeface="標楷體" panose="03000509000000000000" pitchFamily="65" charset="-120"/>
+                <a:ea typeface="標楷體" panose="03000509000000000000" pitchFamily="65" charset="-120"/>
+              </a:rPr>
+            </a:br>
+            <a:r>
+              <a:rPr lang="en-US" altLang="zh-TW" b="1" dirty="0">
+                <a:latin typeface="標楷體" panose="03000509000000000000" pitchFamily="65" charset="-120"/>
+                <a:ea typeface="標楷體" panose="03000509000000000000" pitchFamily="65" charset="-120"/>
+              </a:rPr>
+              <a:t>		echo “A”;</a:t>
+            </a:r>
+            <a:br>
+              <a:rPr lang="en-US" altLang="zh-TW" b="1" dirty="0">
+                <a:latin typeface="標楷體" panose="03000509000000000000" pitchFamily="65" charset="-120"/>
+                <a:ea typeface="標楷體" panose="03000509000000000000" pitchFamily="65" charset="-120"/>
+              </a:rPr>
+            </a:br>
+            <a:r>
+              <a:rPr lang="en-US" altLang="zh-TW" b="1" dirty="0">
+                <a:latin typeface="標楷體" panose="03000509000000000000" pitchFamily="65" charset="-120"/>
+                <a:ea typeface="標楷體" panose="03000509000000000000" pitchFamily="65" charset="-120"/>
+              </a:rPr>
+              <a:t>}else{</a:t>
+            </a:r>
+            <a:br>
+              <a:rPr lang="en-US" altLang="zh-TW" b="1" dirty="0">
+                <a:latin typeface="標楷體" panose="03000509000000000000" pitchFamily="65" charset="-120"/>
+                <a:ea typeface="標楷體" panose="03000509000000000000" pitchFamily="65" charset="-120"/>
+              </a:rPr>
+            </a:br>
+            <a:r>
+              <a:rPr lang="en-US" altLang="zh-TW" b="1" dirty="0">
+                <a:latin typeface="標楷體" panose="03000509000000000000" pitchFamily="65" charset="-120"/>
+                <a:ea typeface="標楷體" panose="03000509000000000000" pitchFamily="65" charset="-120"/>
+              </a:rPr>
+              <a:t>		echo “B”;</a:t>
+            </a:r>
+            <a:br>
+              <a:rPr lang="en-US" altLang="zh-TW" b="1" dirty="0">
+                <a:latin typeface="標楷體" panose="03000509000000000000" pitchFamily="65" charset="-120"/>
+                <a:ea typeface="標楷體" panose="03000509000000000000" pitchFamily="65" charset="-120"/>
+              </a:rPr>
+            </a:br>
+            <a:r>
+              <a:rPr lang="en-US" altLang="zh-TW" b="1" dirty="0">
+                <a:latin typeface="標楷體" panose="03000509000000000000" pitchFamily="65" charset="-120"/>
+                <a:ea typeface="標楷體" panose="03000509000000000000" pitchFamily="65" charset="-120"/>
+              </a:rPr>
+              <a:t>}</a:t>
+            </a:r>
+            <a:br>
+              <a:rPr lang="en-US" altLang="zh-TW" b="1" dirty="0">
+                <a:latin typeface="標楷體" panose="03000509000000000000" pitchFamily="65" charset="-120"/>
+                <a:ea typeface="標楷體" panose="03000509000000000000" pitchFamily="65" charset="-120"/>
+              </a:rPr>
+            </a:br>
+            <a:br>
+              <a:rPr lang="en-US" altLang="zh-TW" b="1" dirty="0">
+                <a:latin typeface="標楷體" panose="03000509000000000000" pitchFamily="65" charset="-120"/>
+                <a:ea typeface="標楷體" panose="03000509000000000000" pitchFamily="65" charset="-120"/>
+              </a:rPr>
+            </a:br>
+            <a:r>
+              <a:rPr lang="zh-TW" altLang="en-US" b="1" dirty="0">
+                <a:solidFill>
+                  <a:srgbClr val="FF0000"/>
+                </a:solidFill>
+                <a:latin typeface="標楷體" panose="03000509000000000000" pitchFamily="65" charset="-120"/>
+                <a:ea typeface="標楷體" panose="03000509000000000000" pitchFamily="65" charset="-120"/>
+              </a:rPr>
+              <a:t>結果</a:t>
+            </a:r>
+            <a:r>
+              <a:rPr lang="en-US" altLang="zh-TW" b="1" dirty="0">
+                <a:solidFill>
+                  <a:srgbClr val="FF0000"/>
+                </a:solidFill>
+                <a:latin typeface="標楷體" panose="03000509000000000000" pitchFamily="65" charset="-120"/>
+                <a:ea typeface="標楷體" panose="03000509000000000000" pitchFamily="65" charset="-120"/>
+              </a:rPr>
+              <a:t>:</a:t>
+            </a:r>
+            <a:r>
+              <a:rPr lang="zh-TW" altLang="en-US" b="1" dirty="0">
+                <a:solidFill>
+                  <a:srgbClr val="FF0000"/>
+                </a:solidFill>
+                <a:latin typeface="標楷體" panose="03000509000000000000" pitchFamily="65" charset="-120"/>
+                <a:ea typeface="標楷體" panose="03000509000000000000" pitchFamily="65" charset="-120"/>
+              </a:rPr>
+              <a:t>印出 </a:t>
+            </a:r>
+            <a:r>
+              <a:rPr lang="en-US" altLang="zh-TW" b="1" dirty="0">
+                <a:solidFill>
+                  <a:srgbClr val="FF0000"/>
+                </a:solidFill>
+                <a:latin typeface="標楷體" panose="03000509000000000000" pitchFamily="65" charset="-120"/>
+                <a:ea typeface="標楷體" panose="03000509000000000000" pitchFamily="65" charset="-120"/>
+              </a:rPr>
+              <a:t>A</a:t>
+            </a:r>
+          </a:p>
+          <a:p>
+            <a:endParaRPr lang="en-US" altLang="zh-TW" b="1" dirty="0">
+              <a:solidFill>
+                <a:srgbClr val="FF0000"/>
+              </a:solidFill>
+              <a:latin typeface="標楷體" panose="03000509000000000000" pitchFamily="65" charset="-120"/>
+              <a:ea typeface="標楷體" panose="03000509000000000000" pitchFamily="65" charset="-120"/>
+            </a:endParaRPr>
+          </a:p>
+          <a:p>
+            <a:r>
+              <a:rPr lang="en-US" altLang="zh-TW" b="1" dirty="0">
+                <a:latin typeface="標楷體" panose="03000509000000000000" pitchFamily="65" charset="-120"/>
+                <a:ea typeface="標楷體" panose="03000509000000000000" pitchFamily="65" charset="-120"/>
+              </a:rPr>
+              <a:t>if(false){</a:t>
+            </a:r>
+            <a:br>
+              <a:rPr lang="en-US" altLang="zh-TW" b="1" dirty="0">
+                <a:latin typeface="標楷體" panose="03000509000000000000" pitchFamily="65" charset="-120"/>
+                <a:ea typeface="標楷體" panose="03000509000000000000" pitchFamily="65" charset="-120"/>
+              </a:rPr>
+            </a:br>
+            <a:r>
+              <a:rPr lang="en-US" altLang="zh-TW" b="1" dirty="0">
+                <a:latin typeface="標楷體" panose="03000509000000000000" pitchFamily="65" charset="-120"/>
+                <a:ea typeface="標楷體" panose="03000509000000000000" pitchFamily="65" charset="-120"/>
+              </a:rPr>
+              <a:t>		echo “A”;</a:t>
+            </a:r>
+            <a:br>
+              <a:rPr lang="en-US" altLang="zh-TW" b="1" dirty="0">
+                <a:latin typeface="標楷體" panose="03000509000000000000" pitchFamily="65" charset="-120"/>
+                <a:ea typeface="標楷體" panose="03000509000000000000" pitchFamily="65" charset="-120"/>
+              </a:rPr>
+            </a:br>
+            <a:r>
+              <a:rPr lang="en-US" altLang="zh-TW" b="1" dirty="0">
+                <a:latin typeface="標楷體" panose="03000509000000000000" pitchFamily="65" charset="-120"/>
+                <a:ea typeface="標楷體" panose="03000509000000000000" pitchFamily="65" charset="-120"/>
+              </a:rPr>
+              <a:t>}else{</a:t>
+            </a:r>
+            <a:br>
+              <a:rPr lang="en-US" altLang="zh-TW" b="1" dirty="0">
+                <a:latin typeface="標楷體" panose="03000509000000000000" pitchFamily="65" charset="-120"/>
+                <a:ea typeface="標楷體" panose="03000509000000000000" pitchFamily="65" charset="-120"/>
+              </a:rPr>
+            </a:br>
+            <a:r>
+              <a:rPr lang="en-US" altLang="zh-TW" b="1" dirty="0">
+                <a:latin typeface="標楷體" panose="03000509000000000000" pitchFamily="65" charset="-120"/>
+                <a:ea typeface="標楷體" panose="03000509000000000000" pitchFamily="65" charset="-120"/>
+              </a:rPr>
+              <a:t>		echo “B”;</a:t>
+            </a:r>
+            <a:br>
+              <a:rPr lang="en-US" altLang="zh-TW" b="1" dirty="0">
+                <a:latin typeface="標楷體" panose="03000509000000000000" pitchFamily="65" charset="-120"/>
+                <a:ea typeface="標楷體" panose="03000509000000000000" pitchFamily="65" charset="-120"/>
+              </a:rPr>
+            </a:br>
+            <a:r>
+              <a:rPr lang="en-US" altLang="zh-TW" b="1" dirty="0">
+                <a:latin typeface="標楷體" panose="03000509000000000000" pitchFamily="65" charset="-120"/>
+                <a:ea typeface="標楷體" panose="03000509000000000000" pitchFamily="65" charset="-120"/>
+              </a:rPr>
+              <a:t>}</a:t>
+            </a:r>
+            <a:br>
+              <a:rPr lang="en-US" altLang="zh-TW" b="1" dirty="0">
+                <a:latin typeface="標楷體" panose="03000509000000000000" pitchFamily="65" charset="-120"/>
+                <a:ea typeface="標楷體" panose="03000509000000000000" pitchFamily="65" charset="-120"/>
+              </a:rPr>
+            </a:br>
+            <a:r>
+              <a:rPr lang="zh-TW" altLang="en-US" b="1" dirty="0">
+                <a:solidFill>
+                  <a:srgbClr val="FF0000"/>
+                </a:solidFill>
+                <a:latin typeface="標楷體" panose="03000509000000000000" pitchFamily="65" charset="-120"/>
+                <a:ea typeface="標楷體" panose="03000509000000000000" pitchFamily="65" charset="-120"/>
+              </a:rPr>
+              <a:t>結果</a:t>
+            </a:r>
+            <a:r>
+              <a:rPr lang="en-US" altLang="zh-TW" b="1" dirty="0">
+                <a:solidFill>
+                  <a:srgbClr val="FF0000"/>
+                </a:solidFill>
+                <a:latin typeface="標楷體" panose="03000509000000000000" pitchFamily="65" charset="-120"/>
+                <a:ea typeface="標楷體" panose="03000509000000000000" pitchFamily="65" charset="-120"/>
+              </a:rPr>
+              <a:t>:</a:t>
+            </a:r>
+            <a:r>
+              <a:rPr lang="zh-TW" altLang="en-US" b="1" dirty="0">
+                <a:solidFill>
+                  <a:srgbClr val="FF0000"/>
+                </a:solidFill>
+                <a:latin typeface="標楷體" panose="03000509000000000000" pitchFamily="65" charset="-120"/>
+                <a:ea typeface="標楷體" panose="03000509000000000000" pitchFamily="65" charset="-120"/>
+              </a:rPr>
+              <a:t>印出 </a:t>
+            </a:r>
+            <a:r>
+              <a:rPr lang="en-US" altLang="zh-TW" b="1" dirty="0">
+                <a:solidFill>
+                  <a:srgbClr val="FF0000"/>
+                </a:solidFill>
+                <a:latin typeface="標楷體" panose="03000509000000000000" pitchFamily="65" charset="-120"/>
+                <a:ea typeface="標楷體" panose="03000509000000000000" pitchFamily="65" charset="-120"/>
+              </a:rPr>
+              <a:t>B</a:t>
+            </a:r>
+            <a:br>
+              <a:rPr lang="en-US" altLang="zh-TW" b="1" dirty="0">
+                <a:solidFill>
+                  <a:srgbClr val="FF0000"/>
+                </a:solidFill>
+                <a:latin typeface="標楷體" panose="03000509000000000000" pitchFamily="65" charset="-120"/>
+                <a:ea typeface="標楷體" panose="03000509000000000000" pitchFamily="65" charset="-120"/>
+              </a:rPr>
+            </a:br>
+            <a:endParaRPr lang="en-US" altLang="zh-TW" b="1" dirty="0">
+              <a:solidFill>
+                <a:srgbClr val="FF0000"/>
+              </a:solidFill>
+              <a:latin typeface="標楷體" panose="03000509000000000000" pitchFamily="65" charset="-120"/>
+              <a:ea typeface="標楷體" panose="03000509000000000000" pitchFamily="65" charset="-120"/>
+            </a:endParaRPr>
+          </a:p>
+        </p:txBody>
+      </p:sp>
+    </p:spTree>
+    <p:extLst>
+      <p:ext uri="{BB962C8B-B14F-4D97-AF65-F5344CB8AC3E}">
+        <p14:creationId xmlns:p14="http://schemas.microsoft.com/office/powerpoint/2010/main" val="826564379"/>
+      </p:ext>
+    </p:extLst>
+  </p:cSld>
+  <p:clrMapOvr>
+    <a:masterClrMapping/>
+  </p:clrMapOvr>
+</p:sld>
+</file>
+
+<file path=ppt/slides/slide39.xml><?xml version="1.0" encoding="utf-8"?>
+<p:sld xmlns:a="http://schemas.openxmlformats.org/drawingml/2006/main" xmlns:r="http://schemas.openxmlformats.org/officeDocument/2006/relationships" xmlns:p="http://schemas.openxmlformats.org/presentationml/2006/main">
+  <p:cSld>
+    <p:spTree>
+      <p:nvGrpSpPr>
+        <p:cNvPr id="1" name=""/>
+        <p:cNvGrpSpPr/>
+        <p:nvPr/>
+      </p:nvGrpSpPr>
+      <p:grpSpPr>
+        <a:xfrm>
+          <a:off x="0" y="0"/>
+          <a:ext cx="0" cy="0"/>
+          <a:chOff x="0" y="0"/>
+          <a:chExt cx="0" cy="0"/>
+        </a:xfrm>
+      </p:grpSpPr>
+      <p:sp>
+        <p:nvSpPr>
+          <p:cNvPr id="2" name="標題 1">
+            <a:extLst>
+              <a:ext uri="{FF2B5EF4-FFF2-40B4-BE49-F238E27FC236}">
+                <a16:creationId xmlns:a16="http://schemas.microsoft.com/office/drawing/2014/main" id="{45CE9C3C-0364-59AB-832E-18520469BF72}"/>
+              </a:ext>
+            </a:extLst>
+          </p:cNvPr>
+          <p:cNvSpPr>
+            <a:spLocks noGrp="1"/>
+          </p:cNvSpPr>
+          <p:nvPr>
+            <p:ph type="title"/>
+          </p:nvPr>
+        </p:nvSpPr>
+        <p:spPr/>
+        <p:txBody>
+          <a:bodyPr/>
+          <a:lstStyle/>
+          <a:p>
+            <a:r>
+              <a:rPr lang="zh-TW" altLang="en-US" dirty="0"/>
+              <a:t>流程控制</a:t>
+            </a:r>
+            <a:r>
+              <a:rPr lang="en-US" altLang="zh-TW" dirty="0"/>
+              <a:t>if …else …</a:t>
+            </a:r>
+            <a:endParaRPr lang="zh-TW" altLang="en-US" dirty="0"/>
+          </a:p>
+        </p:txBody>
+      </p:sp>
+      <p:sp>
+        <p:nvSpPr>
+          <p:cNvPr id="4" name="內容版面配置區 3">
+            <a:extLst>
+              <a:ext uri="{FF2B5EF4-FFF2-40B4-BE49-F238E27FC236}">
+                <a16:creationId xmlns:a16="http://schemas.microsoft.com/office/drawing/2014/main" id="{661C1185-3359-F4B9-F79F-0F7D7C66A812}"/>
+              </a:ext>
+            </a:extLst>
+          </p:cNvPr>
+          <p:cNvSpPr>
+            <a:spLocks noGrp="1"/>
+          </p:cNvSpPr>
+          <p:nvPr>
+            <p:ph idx="1"/>
+          </p:nvPr>
+        </p:nvSpPr>
+        <p:spPr>
+          <a:xfrm>
+            <a:off x="677334" y="1779508"/>
+            <a:ext cx="8596668" cy="4728868"/>
+          </a:xfrm>
+        </p:spPr>
+        <p:txBody>
+          <a:bodyPr>
+            <a:normAutofit fontScale="92500" lnSpcReduction="20000"/>
+          </a:bodyPr>
+          <a:lstStyle/>
+          <a:p>
+            <a:r>
+              <a:rPr lang="en-US" altLang="zh-TW" b="1" dirty="0">
+                <a:latin typeface="標楷體" panose="03000509000000000000" pitchFamily="65" charset="-120"/>
+                <a:ea typeface="標楷體" panose="03000509000000000000" pitchFamily="65" charset="-120"/>
+              </a:rPr>
+              <a:t>if(false){</a:t>
+            </a:r>
+            <a:br>
+              <a:rPr lang="en-US" altLang="zh-TW" b="1" dirty="0">
+                <a:latin typeface="標楷體" panose="03000509000000000000" pitchFamily="65" charset="-120"/>
+                <a:ea typeface="標楷體" panose="03000509000000000000" pitchFamily="65" charset="-120"/>
+              </a:rPr>
+            </a:br>
+            <a:r>
+              <a:rPr lang="en-US" altLang="zh-TW" b="1" dirty="0">
+                <a:latin typeface="標楷體" panose="03000509000000000000" pitchFamily="65" charset="-120"/>
+                <a:ea typeface="標楷體" panose="03000509000000000000" pitchFamily="65" charset="-120"/>
+              </a:rPr>
+              <a:t>		echo “A”;</a:t>
+            </a:r>
+            <a:br>
+              <a:rPr lang="en-US" altLang="zh-TW" b="1" dirty="0">
+                <a:latin typeface="標楷體" panose="03000509000000000000" pitchFamily="65" charset="-120"/>
+                <a:ea typeface="標楷體" panose="03000509000000000000" pitchFamily="65" charset="-120"/>
+              </a:rPr>
+            </a:br>
+            <a:r>
+              <a:rPr lang="en-US" altLang="zh-TW" b="1" dirty="0">
+                <a:latin typeface="標楷體" panose="03000509000000000000" pitchFamily="65" charset="-120"/>
+                <a:ea typeface="標楷體" panose="03000509000000000000" pitchFamily="65" charset="-120"/>
+              </a:rPr>
+              <a:t>}elseif(true){</a:t>
+            </a:r>
+            <a:br>
+              <a:rPr lang="en-US" altLang="zh-TW" b="1" dirty="0">
+                <a:latin typeface="標楷體" panose="03000509000000000000" pitchFamily="65" charset="-120"/>
+                <a:ea typeface="標楷體" panose="03000509000000000000" pitchFamily="65" charset="-120"/>
+              </a:rPr>
+            </a:br>
+            <a:r>
+              <a:rPr lang="en-US" altLang="zh-TW" b="1" dirty="0">
+                <a:latin typeface="標楷體" panose="03000509000000000000" pitchFamily="65" charset="-120"/>
+                <a:ea typeface="標楷體" panose="03000509000000000000" pitchFamily="65" charset="-120"/>
+              </a:rPr>
+              <a:t>		echo “B”;</a:t>
+            </a:r>
+            <a:br>
+              <a:rPr lang="en-US" altLang="zh-TW" b="1" dirty="0">
+                <a:latin typeface="標楷體" panose="03000509000000000000" pitchFamily="65" charset="-120"/>
+                <a:ea typeface="標楷體" panose="03000509000000000000" pitchFamily="65" charset="-120"/>
+              </a:rPr>
+            </a:br>
+            <a:r>
+              <a:rPr lang="en-US" altLang="zh-TW" b="1" dirty="0">
+                <a:latin typeface="標楷體" panose="03000509000000000000" pitchFamily="65" charset="-120"/>
+                <a:ea typeface="標楷體" panose="03000509000000000000" pitchFamily="65" charset="-120"/>
+              </a:rPr>
+              <a:t>}else{</a:t>
+            </a:r>
+            <a:br>
+              <a:rPr lang="en-US" altLang="zh-TW" b="1" dirty="0">
+                <a:latin typeface="標楷體" panose="03000509000000000000" pitchFamily="65" charset="-120"/>
+                <a:ea typeface="標楷體" panose="03000509000000000000" pitchFamily="65" charset="-120"/>
+              </a:rPr>
+            </a:br>
+            <a:r>
+              <a:rPr lang="en-US" altLang="zh-TW" b="1" dirty="0">
+                <a:latin typeface="標楷體" panose="03000509000000000000" pitchFamily="65" charset="-120"/>
+                <a:ea typeface="標楷體" panose="03000509000000000000" pitchFamily="65" charset="-120"/>
+              </a:rPr>
+              <a:t>		echo “C”;</a:t>
+            </a:r>
+            <a:br>
+              <a:rPr lang="en-US" altLang="zh-TW" b="1" dirty="0">
+                <a:latin typeface="標楷體" panose="03000509000000000000" pitchFamily="65" charset="-120"/>
+                <a:ea typeface="標楷體" panose="03000509000000000000" pitchFamily="65" charset="-120"/>
+              </a:rPr>
+            </a:br>
+            <a:r>
+              <a:rPr lang="en-US" altLang="zh-TW" b="1" dirty="0">
+                <a:latin typeface="標楷體" panose="03000509000000000000" pitchFamily="65" charset="-120"/>
+                <a:ea typeface="標楷體" panose="03000509000000000000" pitchFamily="65" charset="-120"/>
+              </a:rPr>
+              <a:t>}</a:t>
+            </a:r>
+            <a:br>
+              <a:rPr lang="en-US" altLang="zh-TW" b="1" dirty="0">
+                <a:latin typeface="標楷體" panose="03000509000000000000" pitchFamily="65" charset="-120"/>
+                <a:ea typeface="標楷體" panose="03000509000000000000" pitchFamily="65" charset="-120"/>
+              </a:rPr>
+            </a:br>
+            <a:r>
+              <a:rPr lang="zh-TW" altLang="en-US" b="1" dirty="0">
+                <a:solidFill>
+                  <a:srgbClr val="FF0000"/>
+                </a:solidFill>
+                <a:latin typeface="標楷體" panose="03000509000000000000" pitchFamily="65" charset="-120"/>
+                <a:ea typeface="標楷體" panose="03000509000000000000" pitchFamily="65" charset="-120"/>
+              </a:rPr>
+              <a:t>結果</a:t>
+            </a:r>
+            <a:r>
+              <a:rPr lang="en-US" altLang="zh-TW" b="1" dirty="0">
+                <a:solidFill>
+                  <a:srgbClr val="FF0000"/>
+                </a:solidFill>
+                <a:latin typeface="標楷體" panose="03000509000000000000" pitchFamily="65" charset="-120"/>
+                <a:ea typeface="標楷體" panose="03000509000000000000" pitchFamily="65" charset="-120"/>
+              </a:rPr>
+              <a:t>:</a:t>
+            </a:r>
+            <a:r>
+              <a:rPr lang="zh-TW" altLang="en-US" b="1" dirty="0">
+                <a:solidFill>
+                  <a:srgbClr val="FF0000"/>
+                </a:solidFill>
+                <a:latin typeface="標楷體" panose="03000509000000000000" pitchFamily="65" charset="-120"/>
+                <a:ea typeface="標楷體" panose="03000509000000000000" pitchFamily="65" charset="-120"/>
+              </a:rPr>
+              <a:t>印出 </a:t>
+            </a:r>
+            <a:r>
+              <a:rPr lang="en-US" altLang="zh-TW" b="1" dirty="0">
+                <a:solidFill>
+                  <a:srgbClr val="FF0000"/>
+                </a:solidFill>
+                <a:latin typeface="標楷體" panose="03000509000000000000" pitchFamily="65" charset="-120"/>
+                <a:ea typeface="標楷體" panose="03000509000000000000" pitchFamily="65" charset="-120"/>
+              </a:rPr>
+              <a:t>B</a:t>
+            </a:r>
+          </a:p>
+          <a:p>
+            <a:endParaRPr lang="en-US" altLang="zh-TW" b="1" dirty="0">
+              <a:solidFill>
+                <a:srgbClr val="FF0000"/>
+              </a:solidFill>
+              <a:latin typeface="標楷體" panose="03000509000000000000" pitchFamily="65" charset="-120"/>
+              <a:ea typeface="標楷體" panose="03000509000000000000" pitchFamily="65" charset="-120"/>
+            </a:endParaRPr>
+          </a:p>
+          <a:p>
+            <a:r>
+              <a:rPr lang="en-US" altLang="zh-TW" b="1" dirty="0">
+                <a:latin typeface="標楷體" panose="03000509000000000000" pitchFamily="65" charset="-120"/>
+                <a:ea typeface="標楷體" panose="03000509000000000000" pitchFamily="65" charset="-120"/>
+              </a:rPr>
+              <a:t>if(true){</a:t>
+            </a:r>
+            <a:br>
+              <a:rPr lang="en-US" altLang="zh-TW" b="1" dirty="0">
+                <a:latin typeface="標楷體" panose="03000509000000000000" pitchFamily="65" charset="-120"/>
+                <a:ea typeface="標楷體" panose="03000509000000000000" pitchFamily="65" charset="-120"/>
+              </a:rPr>
+            </a:br>
+            <a:r>
+              <a:rPr lang="en-US" altLang="zh-TW" b="1" dirty="0">
+                <a:latin typeface="標楷體" panose="03000509000000000000" pitchFamily="65" charset="-120"/>
+                <a:ea typeface="標楷體" panose="03000509000000000000" pitchFamily="65" charset="-120"/>
+              </a:rPr>
+              <a:t>		if(false){</a:t>
+            </a:r>
+            <a:br>
+              <a:rPr lang="en-US" altLang="zh-TW" b="1" dirty="0">
+                <a:latin typeface="標楷體" panose="03000509000000000000" pitchFamily="65" charset="-120"/>
+                <a:ea typeface="標楷體" panose="03000509000000000000" pitchFamily="65" charset="-120"/>
+              </a:rPr>
+            </a:br>
+            <a:r>
+              <a:rPr lang="en-US" altLang="zh-TW" b="1" dirty="0">
+                <a:latin typeface="標楷體" panose="03000509000000000000" pitchFamily="65" charset="-120"/>
+                <a:ea typeface="標楷體" panose="03000509000000000000" pitchFamily="65" charset="-120"/>
+              </a:rPr>
+              <a:t>			 echo “A”;</a:t>
+            </a:r>
+            <a:br>
+              <a:rPr lang="en-US" altLang="zh-TW" b="1" dirty="0">
+                <a:latin typeface="標楷體" panose="03000509000000000000" pitchFamily="65" charset="-120"/>
+                <a:ea typeface="標楷體" panose="03000509000000000000" pitchFamily="65" charset="-120"/>
+              </a:rPr>
+            </a:br>
+            <a:r>
+              <a:rPr lang="en-US" altLang="zh-TW" b="1" dirty="0">
+                <a:latin typeface="標楷體" panose="03000509000000000000" pitchFamily="65" charset="-120"/>
+                <a:ea typeface="標楷體" panose="03000509000000000000" pitchFamily="65" charset="-120"/>
+              </a:rPr>
+              <a:t>		}else{</a:t>
+            </a:r>
+            <a:br>
+              <a:rPr lang="en-US" altLang="zh-TW" b="1" dirty="0">
+                <a:latin typeface="標楷體" panose="03000509000000000000" pitchFamily="65" charset="-120"/>
+                <a:ea typeface="標楷體" panose="03000509000000000000" pitchFamily="65" charset="-120"/>
+              </a:rPr>
+            </a:br>
+            <a:r>
+              <a:rPr lang="en-US" altLang="zh-TW" b="1" dirty="0">
+                <a:latin typeface="標楷體" panose="03000509000000000000" pitchFamily="65" charset="-120"/>
+                <a:ea typeface="標楷體" panose="03000509000000000000" pitchFamily="65" charset="-120"/>
+              </a:rPr>
+              <a:t>			 echo “B”;</a:t>
+            </a:r>
+            <a:br>
+              <a:rPr lang="en-US" altLang="zh-TW" b="1" dirty="0">
+                <a:latin typeface="標楷體" panose="03000509000000000000" pitchFamily="65" charset="-120"/>
+                <a:ea typeface="標楷體" panose="03000509000000000000" pitchFamily="65" charset="-120"/>
+              </a:rPr>
+            </a:br>
+            <a:r>
+              <a:rPr lang="en-US" altLang="zh-TW" b="1" dirty="0">
+                <a:latin typeface="標楷體" panose="03000509000000000000" pitchFamily="65" charset="-120"/>
+                <a:ea typeface="標楷體" panose="03000509000000000000" pitchFamily="65" charset="-120"/>
+              </a:rPr>
+              <a:t>		}</a:t>
+            </a:r>
+            <a:br>
+              <a:rPr lang="en-US" altLang="zh-TW" b="1" dirty="0">
+                <a:latin typeface="標楷體" panose="03000509000000000000" pitchFamily="65" charset="-120"/>
+                <a:ea typeface="標楷體" panose="03000509000000000000" pitchFamily="65" charset="-120"/>
+              </a:rPr>
+            </a:br>
+            <a:r>
+              <a:rPr lang="en-US" altLang="zh-TW" b="1" dirty="0">
+                <a:latin typeface="標楷體" panose="03000509000000000000" pitchFamily="65" charset="-120"/>
+                <a:ea typeface="標楷體" panose="03000509000000000000" pitchFamily="65" charset="-120"/>
+              </a:rPr>
+              <a:t>}else{</a:t>
+            </a:r>
+            <a:br>
+              <a:rPr lang="en-US" altLang="zh-TW" b="1" dirty="0">
+                <a:latin typeface="標楷體" panose="03000509000000000000" pitchFamily="65" charset="-120"/>
+                <a:ea typeface="標楷體" panose="03000509000000000000" pitchFamily="65" charset="-120"/>
+              </a:rPr>
+            </a:br>
+            <a:r>
+              <a:rPr lang="en-US" altLang="zh-TW" b="1" dirty="0">
+                <a:latin typeface="標楷體" panose="03000509000000000000" pitchFamily="65" charset="-120"/>
+                <a:ea typeface="標楷體" panose="03000509000000000000" pitchFamily="65" charset="-120"/>
+              </a:rPr>
+              <a:t>		echo “C”;</a:t>
+            </a:r>
+            <a:br>
+              <a:rPr lang="en-US" altLang="zh-TW" b="1" dirty="0">
+                <a:latin typeface="標楷體" panose="03000509000000000000" pitchFamily="65" charset="-120"/>
+                <a:ea typeface="標楷體" panose="03000509000000000000" pitchFamily="65" charset="-120"/>
+              </a:rPr>
+            </a:br>
+            <a:r>
+              <a:rPr lang="en-US" altLang="zh-TW" b="1" dirty="0">
+                <a:latin typeface="標楷體" panose="03000509000000000000" pitchFamily="65" charset="-120"/>
+                <a:ea typeface="標楷體" panose="03000509000000000000" pitchFamily="65" charset="-120"/>
+              </a:rPr>
+              <a:t>}</a:t>
+            </a:r>
+            <a:br>
+              <a:rPr lang="en-US" altLang="zh-TW" b="1" dirty="0">
+                <a:latin typeface="標楷體" panose="03000509000000000000" pitchFamily="65" charset="-120"/>
+                <a:ea typeface="標楷體" panose="03000509000000000000" pitchFamily="65" charset="-120"/>
+              </a:rPr>
+            </a:br>
+            <a:r>
+              <a:rPr lang="zh-TW" altLang="en-US" b="1" dirty="0">
+                <a:solidFill>
+                  <a:srgbClr val="FF0000"/>
+                </a:solidFill>
+                <a:latin typeface="標楷體" panose="03000509000000000000" pitchFamily="65" charset="-120"/>
+                <a:ea typeface="標楷體" panose="03000509000000000000" pitchFamily="65" charset="-120"/>
+              </a:rPr>
+              <a:t>結果</a:t>
+            </a:r>
+            <a:r>
+              <a:rPr lang="en-US" altLang="zh-TW" b="1" dirty="0">
+                <a:solidFill>
+                  <a:srgbClr val="FF0000"/>
+                </a:solidFill>
+                <a:latin typeface="標楷體" panose="03000509000000000000" pitchFamily="65" charset="-120"/>
+                <a:ea typeface="標楷體" panose="03000509000000000000" pitchFamily="65" charset="-120"/>
+              </a:rPr>
+              <a:t>:</a:t>
+            </a:r>
+            <a:r>
+              <a:rPr lang="zh-TW" altLang="en-US" b="1" dirty="0">
+                <a:solidFill>
+                  <a:srgbClr val="FF0000"/>
+                </a:solidFill>
+                <a:latin typeface="標楷體" panose="03000509000000000000" pitchFamily="65" charset="-120"/>
+                <a:ea typeface="標楷體" panose="03000509000000000000" pitchFamily="65" charset="-120"/>
+              </a:rPr>
+              <a:t>印出 </a:t>
+            </a:r>
+            <a:r>
+              <a:rPr lang="en-US" altLang="zh-TW" b="1" dirty="0">
+                <a:solidFill>
+                  <a:srgbClr val="FF0000"/>
+                </a:solidFill>
+                <a:latin typeface="標楷體" panose="03000509000000000000" pitchFamily="65" charset="-120"/>
+                <a:ea typeface="標楷體" panose="03000509000000000000" pitchFamily="65" charset="-120"/>
+              </a:rPr>
+              <a:t>B</a:t>
+            </a:r>
+            <a:br>
+              <a:rPr lang="en-US" altLang="zh-TW" b="1" dirty="0">
+                <a:solidFill>
+                  <a:srgbClr val="FF0000"/>
+                </a:solidFill>
+                <a:latin typeface="標楷體" panose="03000509000000000000" pitchFamily="65" charset="-120"/>
+                <a:ea typeface="標楷體" panose="03000509000000000000" pitchFamily="65" charset="-120"/>
+              </a:rPr>
+            </a:br>
+            <a:endParaRPr lang="en-US" altLang="zh-TW" b="1" dirty="0">
+              <a:solidFill>
+                <a:srgbClr val="FF0000"/>
+              </a:solidFill>
+              <a:latin typeface="標楷體" panose="03000509000000000000" pitchFamily="65" charset="-120"/>
+              <a:ea typeface="標楷體" panose="03000509000000000000" pitchFamily="65" charset="-120"/>
+            </a:endParaRPr>
+          </a:p>
+        </p:txBody>
+      </p:sp>
+    </p:spTree>
+    <p:extLst>
+      <p:ext uri="{BB962C8B-B14F-4D97-AF65-F5344CB8AC3E}">
+        <p14:creationId xmlns:p14="http://schemas.microsoft.com/office/powerpoint/2010/main" val="2888293704"/>
       </p:ext>
     </p:extLst>
   </p:cSld>
@@ -12359,6 +15299,1898 @@
 </p:sld>
 </file>
 
+<file path=ppt/slides/slide40.xml><?xml version="1.0" encoding="utf-8"?>
+<p:sld xmlns:a="http://schemas.openxmlformats.org/drawingml/2006/main" xmlns:r="http://schemas.openxmlformats.org/officeDocument/2006/relationships" xmlns:p="http://schemas.openxmlformats.org/presentationml/2006/main">
+  <p:cSld>
+    <p:spTree>
+      <p:nvGrpSpPr>
+        <p:cNvPr id="1" name=""/>
+        <p:cNvGrpSpPr/>
+        <p:nvPr/>
+      </p:nvGrpSpPr>
+      <p:grpSpPr>
+        <a:xfrm>
+          <a:off x="0" y="0"/>
+          <a:ext cx="0" cy="0"/>
+          <a:chOff x="0" y="0"/>
+          <a:chExt cx="0" cy="0"/>
+        </a:xfrm>
+      </p:grpSpPr>
+      <p:sp>
+        <p:nvSpPr>
+          <p:cNvPr id="2" name="標題 1">
+            <a:extLst>
+              <a:ext uri="{FF2B5EF4-FFF2-40B4-BE49-F238E27FC236}">
+                <a16:creationId xmlns:a16="http://schemas.microsoft.com/office/drawing/2014/main" id="{45CE9C3C-0364-59AB-832E-18520469BF72}"/>
+              </a:ext>
+            </a:extLst>
+          </p:cNvPr>
+          <p:cNvSpPr>
+            <a:spLocks noGrp="1"/>
+          </p:cNvSpPr>
+          <p:nvPr>
+            <p:ph type="title"/>
+          </p:nvPr>
+        </p:nvSpPr>
+        <p:spPr/>
+        <p:txBody>
+          <a:bodyPr/>
+          <a:lstStyle/>
+          <a:p>
+            <a:r>
+              <a:rPr lang="zh-TW" altLang="en-US" dirty="0"/>
+              <a:t>練習</a:t>
+            </a:r>
+          </a:p>
+        </p:txBody>
+      </p:sp>
+      <p:sp>
+        <p:nvSpPr>
+          <p:cNvPr id="4" name="內容版面配置區 3">
+            <a:extLst>
+              <a:ext uri="{FF2B5EF4-FFF2-40B4-BE49-F238E27FC236}">
+                <a16:creationId xmlns:a16="http://schemas.microsoft.com/office/drawing/2014/main" id="{661C1185-3359-F4B9-F79F-0F7D7C66A812}"/>
+              </a:ext>
+            </a:extLst>
+          </p:cNvPr>
+          <p:cNvSpPr>
+            <a:spLocks noGrp="1"/>
+          </p:cNvSpPr>
+          <p:nvPr>
+            <p:ph idx="1"/>
+          </p:nvPr>
+        </p:nvSpPr>
+        <p:spPr>
+          <a:xfrm>
+            <a:off x="677334" y="1779508"/>
+            <a:ext cx="8596668" cy="4728868"/>
+          </a:xfrm>
+        </p:spPr>
+        <p:txBody>
+          <a:bodyPr>
+            <a:normAutofit/>
+          </a:bodyPr>
+          <a:lstStyle/>
+          <a:p>
+            <a:pPr marL="0" indent="0">
+              <a:buNone/>
+            </a:pPr>
+            <a:endParaRPr lang="en-US" altLang="zh-TW" b="1" dirty="0">
+              <a:latin typeface="標楷體" panose="03000509000000000000" pitchFamily="65" charset="-120"/>
+              <a:ea typeface="標楷體" panose="03000509000000000000" pitchFamily="65" charset="-120"/>
+            </a:endParaRPr>
+          </a:p>
+          <a:p>
+            <a:r>
+              <a:rPr lang="en-US" altLang="zh-TW" b="1" dirty="0">
+                <a:latin typeface="標楷體" panose="03000509000000000000" pitchFamily="65" charset="-120"/>
+                <a:ea typeface="標楷體" panose="03000509000000000000" pitchFamily="65" charset="-120"/>
+              </a:rPr>
+              <a:t>1.</a:t>
+            </a:r>
+            <a:r>
+              <a:rPr lang="zh-TW" altLang="en-US" b="1" dirty="0">
+                <a:latin typeface="標楷體" panose="03000509000000000000" pitchFamily="65" charset="-120"/>
+                <a:ea typeface="標楷體" panose="03000509000000000000" pitchFamily="65" charset="-120"/>
+              </a:rPr>
+              <a:t>判斷是否為</a:t>
+            </a:r>
+            <a:r>
+              <a:rPr lang="en-US" altLang="zh-TW" b="1" dirty="0">
+                <a:latin typeface="標楷體" panose="03000509000000000000" pitchFamily="65" charset="-120"/>
+                <a:ea typeface="標楷體" panose="03000509000000000000" pitchFamily="65" charset="-120"/>
+              </a:rPr>
+              <a:t>3</a:t>
+            </a:r>
+            <a:r>
+              <a:rPr lang="zh-TW" altLang="en-US" b="1" dirty="0">
+                <a:latin typeface="標楷體" panose="03000509000000000000" pitchFamily="65" charset="-120"/>
+                <a:ea typeface="標楷體" panose="03000509000000000000" pitchFamily="65" charset="-120"/>
+              </a:rPr>
+              <a:t>的倍數</a:t>
+            </a:r>
+            <a:endParaRPr lang="en-US" altLang="zh-TW" b="1" dirty="0">
+              <a:latin typeface="標楷體" panose="03000509000000000000" pitchFamily="65" charset="-120"/>
+              <a:ea typeface="標楷體" panose="03000509000000000000" pitchFamily="65" charset="-120"/>
+            </a:endParaRPr>
+          </a:p>
+          <a:p>
+            <a:r>
+              <a:rPr lang="en-US" altLang="zh-TW" b="1" dirty="0">
+                <a:latin typeface="標楷體" panose="03000509000000000000" pitchFamily="65" charset="-120"/>
+                <a:ea typeface="標楷體" panose="03000509000000000000" pitchFamily="65" charset="-120"/>
+              </a:rPr>
+              <a:t>2.</a:t>
+            </a:r>
+            <a:r>
+              <a:rPr lang="zh-TW" altLang="en-US" b="1" dirty="0">
+                <a:latin typeface="標楷體" panose="03000509000000000000" pitchFamily="65" charset="-120"/>
+                <a:ea typeface="標楷體" panose="03000509000000000000" pitchFamily="65" charset="-120"/>
+              </a:rPr>
+              <a:t>判斷是否是</a:t>
+            </a:r>
+            <a:r>
+              <a:rPr lang="en-US" altLang="zh-TW" b="1" dirty="0">
+                <a:latin typeface="標楷體" panose="03000509000000000000" pitchFamily="65" charset="-120"/>
+                <a:ea typeface="標楷體" panose="03000509000000000000" pitchFamily="65" charset="-120"/>
+              </a:rPr>
+              <a:t>3</a:t>
+            </a:r>
+            <a:r>
+              <a:rPr lang="zh-TW" altLang="en-US" b="1" dirty="0">
+                <a:latin typeface="標楷體" panose="03000509000000000000" pitchFamily="65" charset="-120"/>
+                <a:ea typeface="標楷體" panose="03000509000000000000" pitchFamily="65" charset="-120"/>
+              </a:rPr>
+              <a:t>的倍數也是</a:t>
+            </a:r>
+            <a:r>
+              <a:rPr lang="en-US" altLang="zh-TW" b="1" dirty="0">
+                <a:latin typeface="標楷體" panose="03000509000000000000" pitchFamily="65" charset="-120"/>
+                <a:ea typeface="標楷體" panose="03000509000000000000" pitchFamily="65" charset="-120"/>
+              </a:rPr>
+              <a:t>7</a:t>
+            </a:r>
+            <a:r>
+              <a:rPr lang="zh-TW" altLang="en-US" b="1" dirty="0">
+                <a:latin typeface="標楷體" panose="03000509000000000000" pitchFamily="65" charset="-120"/>
+                <a:ea typeface="標楷體" panose="03000509000000000000" pitchFamily="65" charset="-120"/>
+              </a:rPr>
+              <a:t>的倍數</a:t>
+            </a:r>
+            <a:br>
+              <a:rPr lang="en-US" altLang="zh-TW" b="1" dirty="0">
+                <a:latin typeface="標楷體" panose="03000509000000000000" pitchFamily="65" charset="-120"/>
+                <a:ea typeface="標楷體" panose="03000509000000000000" pitchFamily="65" charset="-120"/>
+              </a:rPr>
+            </a:br>
+            <a:endParaRPr lang="en-US" altLang="zh-TW" b="1" dirty="0">
+              <a:solidFill>
+                <a:srgbClr val="FF0000"/>
+              </a:solidFill>
+              <a:latin typeface="標楷體" panose="03000509000000000000" pitchFamily="65" charset="-120"/>
+              <a:ea typeface="標楷體" panose="03000509000000000000" pitchFamily="65" charset="-120"/>
+            </a:endParaRPr>
+          </a:p>
+        </p:txBody>
+      </p:sp>
+    </p:spTree>
+    <p:extLst>
+      <p:ext uri="{BB962C8B-B14F-4D97-AF65-F5344CB8AC3E}">
+        <p14:creationId xmlns:p14="http://schemas.microsoft.com/office/powerpoint/2010/main" val="185483379"/>
+      </p:ext>
+    </p:extLst>
+  </p:cSld>
+  <p:clrMapOvr>
+    <a:masterClrMapping/>
+  </p:clrMapOvr>
+</p:sld>
+</file>
+
+<file path=ppt/slides/slide41.xml><?xml version="1.0" encoding="utf-8"?>
+<p:sld xmlns:a="http://schemas.openxmlformats.org/drawingml/2006/main" xmlns:r="http://schemas.openxmlformats.org/officeDocument/2006/relationships" xmlns:p="http://schemas.openxmlformats.org/presentationml/2006/main">
+  <p:cSld>
+    <p:spTree>
+      <p:nvGrpSpPr>
+        <p:cNvPr id="1" name=""/>
+        <p:cNvGrpSpPr/>
+        <p:nvPr/>
+      </p:nvGrpSpPr>
+      <p:grpSpPr>
+        <a:xfrm>
+          <a:off x="0" y="0"/>
+          <a:ext cx="0" cy="0"/>
+          <a:chOff x="0" y="0"/>
+          <a:chExt cx="0" cy="0"/>
+        </a:xfrm>
+      </p:grpSpPr>
+      <p:sp>
+        <p:nvSpPr>
+          <p:cNvPr id="2" name="標題 1">
+            <a:extLst>
+              <a:ext uri="{FF2B5EF4-FFF2-40B4-BE49-F238E27FC236}">
+                <a16:creationId xmlns:a16="http://schemas.microsoft.com/office/drawing/2014/main" id="{45CE9C3C-0364-59AB-832E-18520469BF72}"/>
+              </a:ext>
+            </a:extLst>
+          </p:cNvPr>
+          <p:cNvSpPr>
+            <a:spLocks noGrp="1"/>
+          </p:cNvSpPr>
+          <p:nvPr>
+            <p:ph type="title"/>
+          </p:nvPr>
+        </p:nvSpPr>
+        <p:spPr/>
+        <p:txBody>
+          <a:bodyPr/>
+          <a:lstStyle/>
+          <a:p>
+            <a:r>
+              <a:rPr lang="zh-TW" altLang="en-US" dirty="0"/>
+              <a:t>迴圈</a:t>
+            </a:r>
+          </a:p>
+        </p:txBody>
+      </p:sp>
+      <p:sp>
+        <p:nvSpPr>
+          <p:cNvPr id="4" name="內容版面配置區 3">
+            <a:extLst>
+              <a:ext uri="{FF2B5EF4-FFF2-40B4-BE49-F238E27FC236}">
+                <a16:creationId xmlns:a16="http://schemas.microsoft.com/office/drawing/2014/main" id="{661C1185-3359-F4B9-F79F-0F7D7C66A812}"/>
+              </a:ext>
+            </a:extLst>
+          </p:cNvPr>
+          <p:cNvSpPr>
+            <a:spLocks noGrp="1"/>
+          </p:cNvSpPr>
+          <p:nvPr>
+            <p:ph idx="1"/>
+          </p:nvPr>
+        </p:nvSpPr>
+        <p:spPr>
+          <a:xfrm>
+            <a:off x="677334" y="1779508"/>
+            <a:ext cx="8596668" cy="4728868"/>
+          </a:xfrm>
+        </p:spPr>
+        <p:txBody>
+          <a:bodyPr>
+            <a:normAutofit/>
+          </a:bodyPr>
+          <a:lstStyle/>
+          <a:p>
+            <a:pPr marL="0" indent="0">
+              <a:buNone/>
+            </a:pPr>
+            <a:endParaRPr lang="en-US" altLang="zh-TW" b="1" dirty="0">
+              <a:latin typeface="標楷體" panose="03000509000000000000" pitchFamily="65" charset="-120"/>
+              <a:ea typeface="標楷體" panose="03000509000000000000" pitchFamily="65" charset="-120"/>
+            </a:endParaRPr>
+          </a:p>
+          <a:p>
+            <a:r>
+              <a:rPr lang="zh-TW" altLang="en-US" b="1" dirty="0">
+                <a:latin typeface="標楷體" panose="03000509000000000000" pitchFamily="65" charset="-120"/>
+                <a:ea typeface="標楷體" panose="03000509000000000000" pitchFamily="65" charset="-120"/>
+              </a:rPr>
+              <a:t>需要重複執行的程式，但我們不可能寫一句程式碼十行，所以寫一行請程式幫我們寫</a:t>
+            </a:r>
+            <a:r>
+              <a:rPr lang="en-US" altLang="zh-TW" b="1" dirty="0">
+                <a:latin typeface="標楷體" panose="03000509000000000000" pitchFamily="65" charset="-120"/>
+                <a:ea typeface="標楷體" panose="03000509000000000000" pitchFamily="65" charset="-120"/>
+              </a:rPr>
+              <a:t>10</a:t>
+            </a:r>
+            <a:r>
+              <a:rPr lang="zh-TW" altLang="en-US" b="1" dirty="0">
+                <a:latin typeface="標楷體" panose="03000509000000000000" pitchFamily="65" charset="-120"/>
+                <a:ea typeface="標楷體" panose="03000509000000000000" pitchFamily="65" charset="-120"/>
+              </a:rPr>
+              <a:t>行</a:t>
+            </a:r>
+          </a:p>
+          <a:p>
+            <a:r>
+              <a:rPr lang="zh-TW" altLang="en-US" b="1" dirty="0">
+                <a:latin typeface="標楷體" panose="03000509000000000000" pitchFamily="65" charset="-120"/>
+                <a:ea typeface="標楷體" panose="03000509000000000000" pitchFamily="65" charset="-120"/>
+              </a:rPr>
+              <a:t>迴圈三要素</a:t>
+            </a:r>
+          </a:p>
+          <a:p>
+            <a:pPr marL="400050" lvl="1" indent="0">
+              <a:buNone/>
+            </a:pPr>
+            <a:r>
+              <a:rPr lang="en-US" altLang="zh-TW" b="1" dirty="0">
+                <a:latin typeface="標楷體" panose="03000509000000000000" pitchFamily="65" charset="-120"/>
+                <a:ea typeface="標楷體" panose="03000509000000000000" pitchFamily="65" charset="-120"/>
+              </a:rPr>
+              <a:t>1.</a:t>
+            </a:r>
+            <a:r>
+              <a:rPr lang="zh-TW" altLang="en-US" b="1" dirty="0">
+                <a:latin typeface="標楷體" panose="03000509000000000000" pitchFamily="65" charset="-120"/>
+                <a:ea typeface="標楷體" panose="03000509000000000000" pitchFamily="65" charset="-120"/>
+              </a:rPr>
+              <a:t>初始條件</a:t>
+            </a:r>
+            <a:br>
+              <a:rPr lang="en-US" altLang="zh-TW" b="1" dirty="0">
+                <a:latin typeface="標楷體" panose="03000509000000000000" pitchFamily="65" charset="-120"/>
+                <a:ea typeface="標楷體" panose="03000509000000000000" pitchFamily="65" charset="-120"/>
+              </a:rPr>
+            </a:br>
+            <a:r>
+              <a:rPr lang="en-US" altLang="zh-TW" b="1" dirty="0">
+                <a:latin typeface="標楷體" panose="03000509000000000000" pitchFamily="65" charset="-120"/>
+                <a:ea typeface="標楷體" panose="03000509000000000000" pitchFamily="65" charset="-120"/>
+              </a:rPr>
+              <a:t>2.</a:t>
+            </a:r>
+            <a:r>
+              <a:rPr lang="zh-TW" altLang="en-US" b="1" dirty="0">
+                <a:latin typeface="標楷體" panose="03000509000000000000" pitchFamily="65" charset="-120"/>
+                <a:ea typeface="標楷體" panose="03000509000000000000" pitchFamily="65" charset="-120"/>
+              </a:rPr>
+              <a:t>判斷</a:t>
+            </a:r>
+            <a:r>
+              <a:rPr lang="en-US" altLang="zh-TW" b="1" dirty="0">
+                <a:latin typeface="標楷體" panose="03000509000000000000" pitchFamily="65" charset="-120"/>
+                <a:ea typeface="標楷體" panose="03000509000000000000" pitchFamily="65" charset="-120"/>
+              </a:rPr>
+              <a:t>(</a:t>
+            </a:r>
+            <a:r>
+              <a:rPr lang="zh-TW" altLang="en-US" b="1" dirty="0">
+                <a:latin typeface="標楷體" panose="03000509000000000000" pitchFamily="65" charset="-120"/>
+                <a:ea typeface="標楷體" panose="03000509000000000000" pitchFamily="65" charset="-120"/>
+              </a:rPr>
+              <a:t>停止</a:t>
+            </a:r>
+            <a:r>
+              <a:rPr lang="en-US" altLang="zh-TW" b="1" dirty="0">
+                <a:latin typeface="標楷體" panose="03000509000000000000" pitchFamily="65" charset="-120"/>
+                <a:ea typeface="標楷體" panose="03000509000000000000" pitchFamily="65" charset="-120"/>
+              </a:rPr>
+              <a:t>)</a:t>
+            </a:r>
+            <a:r>
+              <a:rPr lang="zh-TW" altLang="en-US" b="1" dirty="0">
+                <a:latin typeface="標楷體" panose="03000509000000000000" pitchFamily="65" charset="-120"/>
+                <a:ea typeface="標楷體" panose="03000509000000000000" pitchFamily="65" charset="-120"/>
+              </a:rPr>
+              <a:t>條件</a:t>
+            </a:r>
+            <a:br>
+              <a:rPr lang="en-US" altLang="zh-TW" b="1" dirty="0">
+                <a:latin typeface="標楷體" panose="03000509000000000000" pitchFamily="65" charset="-120"/>
+                <a:ea typeface="標楷體" panose="03000509000000000000" pitchFamily="65" charset="-120"/>
+              </a:rPr>
+            </a:br>
+            <a:r>
+              <a:rPr lang="en-US" altLang="zh-TW" b="1" dirty="0">
+                <a:latin typeface="標楷體" panose="03000509000000000000" pitchFamily="65" charset="-120"/>
+                <a:ea typeface="標楷體" panose="03000509000000000000" pitchFamily="65" charset="-120"/>
+              </a:rPr>
+              <a:t>3.</a:t>
+            </a:r>
+            <a:r>
+              <a:rPr lang="zh-TW" altLang="en-US" b="1" dirty="0">
+                <a:latin typeface="標楷體" panose="03000509000000000000" pitchFamily="65" charset="-120"/>
+                <a:ea typeface="標楷體" panose="03000509000000000000" pitchFamily="65" charset="-120"/>
+              </a:rPr>
+              <a:t>步進</a:t>
+            </a:r>
+            <a:br>
+              <a:rPr lang="en-US" altLang="zh-TW" b="1" dirty="0">
+                <a:latin typeface="標楷體" panose="03000509000000000000" pitchFamily="65" charset="-120"/>
+                <a:ea typeface="標楷體" panose="03000509000000000000" pitchFamily="65" charset="-120"/>
+              </a:rPr>
+            </a:br>
+            <a:endParaRPr lang="en-US" altLang="zh-TW" b="1" dirty="0">
+              <a:solidFill>
+                <a:srgbClr val="FF0000"/>
+              </a:solidFill>
+              <a:latin typeface="標楷體" panose="03000509000000000000" pitchFamily="65" charset="-120"/>
+              <a:ea typeface="標楷體" panose="03000509000000000000" pitchFamily="65" charset="-120"/>
+            </a:endParaRPr>
+          </a:p>
+        </p:txBody>
+      </p:sp>
+    </p:spTree>
+    <p:extLst>
+      <p:ext uri="{BB962C8B-B14F-4D97-AF65-F5344CB8AC3E}">
+        <p14:creationId xmlns:p14="http://schemas.microsoft.com/office/powerpoint/2010/main" val="250995170"/>
+      </p:ext>
+    </p:extLst>
+  </p:cSld>
+  <p:clrMapOvr>
+    <a:masterClrMapping/>
+  </p:clrMapOvr>
+</p:sld>
+</file>
+
+<file path=ppt/slides/slide42.xml><?xml version="1.0" encoding="utf-8"?>
+<p:sld xmlns:a="http://schemas.openxmlformats.org/drawingml/2006/main" xmlns:r="http://schemas.openxmlformats.org/officeDocument/2006/relationships" xmlns:p="http://schemas.openxmlformats.org/presentationml/2006/main">
+  <p:cSld>
+    <p:spTree>
+      <p:nvGrpSpPr>
+        <p:cNvPr id="1" name=""/>
+        <p:cNvGrpSpPr/>
+        <p:nvPr/>
+      </p:nvGrpSpPr>
+      <p:grpSpPr>
+        <a:xfrm>
+          <a:off x="0" y="0"/>
+          <a:ext cx="0" cy="0"/>
+          <a:chOff x="0" y="0"/>
+          <a:chExt cx="0" cy="0"/>
+        </a:xfrm>
+      </p:grpSpPr>
+      <p:sp>
+        <p:nvSpPr>
+          <p:cNvPr id="2" name="標題 1">
+            <a:extLst>
+              <a:ext uri="{FF2B5EF4-FFF2-40B4-BE49-F238E27FC236}">
+                <a16:creationId xmlns:a16="http://schemas.microsoft.com/office/drawing/2014/main" id="{45CE9C3C-0364-59AB-832E-18520469BF72}"/>
+              </a:ext>
+            </a:extLst>
+          </p:cNvPr>
+          <p:cNvSpPr>
+            <a:spLocks noGrp="1"/>
+          </p:cNvSpPr>
+          <p:nvPr>
+            <p:ph type="title"/>
+          </p:nvPr>
+        </p:nvSpPr>
+        <p:spPr/>
+        <p:txBody>
+          <a:bodyPr/>
+          <a:lstStyle/>
+          <a:p>
+            <a:r>
+              <a:rPr lang="zh-TW" altLang="en-US" dirty="0"/>
+              <a:t>迴圈</a:t>
+            </a:r>
+          </a:p>
+        </p:txBody>
+      </p:sp>
+      <p:pic>
+        <p:nvPicPr>
+          <p:cNvPr id="3" name="內容版面配置區 3">
+            <a:extLst>
+              <a:ext uri="{FF2B5EF4-FFF2-40B4-BE49-F238E27FC236}">
+                <a16:creationId xmlns:a16="http://schemas.microsoft.com/office/drawing/2014/main" id="{1B3E53CC-7854-BB53-E3DE-512AC3A630B8}"/>
+              </a:ext>
+            </a:extLst>
+          </p:cNvPr>
+          <p:cNvPicPr>
+            <a:picLocks noGrp="1" noChangeAspect="1"/>
+          </p:cNvPicPr>
+          <p:nvPr>
+            <p:ph idx="1"/>
+          </p:nvPr>
+        </p:nvPicPr>
+        <p:blipFill>
+          <a:blip r:embed="rId2">
+            <a:extLst>
+              <a:ext uri="{28A0092B-C50C-407E-A947-70E740481C1C}">
+                <a14:useLocalDpi xmlns:a14="http://schemas.microsoft.com/office/drawing/2010/main" val="0"/>
+              </a:ext>
+            </a:extLst>
+          </a:blip>
+          <a:stretch>
+            <a:fillRect/>
+          </a:stretch>
+        </p:blipFill>
+        <p:spPr>
+          <a:xfrm>
+            <a:off x="2224609" y="1930400"/>
+            <a:ext cx="5502117" cy="3764606"/>
+          </a:xfrm>
+        </p:spPr>
+      </p:pic>
+    </p:spTree>
+    <p:extLst>
+      <p:ext uri="{BB962C8B-B14F-4D97-AF65-F5344CB8AC3E}">
+        <p14:creationId xmlns:p14="http://schemas.microsoft.com/office/powerpoint/2010/main" val="1298178518"/>
+      </p:ext>
+    </p:extLst>
+  </p:cSld>
+  <p:clrMapOvr>
+    <a:masterClrMapping/>
+  </p:clrMapOvr>
+</p:sld>
+</file>
+
+<file path=ppt/slides/slide43.xml><?xml version="1.0" encoding="utf-8"?>
+<p:sld xmlns:a="http://schemas.openxmlformats.org/drawingml/2006/main" xmlns:r="http://schemas.openxmlformats.org/officeDocument/2006/relationships" xmlns:p="http://schemas.openxmlformats.org/presentationml/2006/main">
+  <p:cSld>
+    <p:spTree>
+      <p:nvGrpSpPr>
+        <p:cNvPr id="1" name=""/>
+        <p:cNvGrpSpPr/>
+        <p:nvPr/>
+      </p:nvGrpSpPr>
+      <p:grpSpPr>
+        <a:xfrm>
+          <a:off x="0" y="0"/>
+          <a:ext cx="0" cy="0"/>
+          <a:chOff x="0" y="0"/>
+          <a:chExt cx="0" cy="0"/>
+        </a:xfrm>
+      </p:grpSpPr>
+      <p:sp>
+        <p:nvSpPr>
+          <p:cNvPr id="2" name="標題 1">
+            <a:extLst>
+              <a:ext uri="{FF2B5EF4-FFF2-40B4-BE49-F238E27FC236}">
+                <a16:creationId xmlns:a16="http://schemas.microsoft.com/office/drawing/2014/main" id="{45CE9C3C-0364-59AB-832E-18520469BF72}"/>
+              </a:ext>
+            </a:extLst>
+          </p:cNvPr>
+          <p:cNvSpPr>
+            <a:spLocks noGrp="1"/>
+          </p:cNvSpPr>
+          <p:nvPr>
+            <p:ph type="title"/>
+          </p:nvPr>
+        </p:nvSpPr>
+        <p:spPr/>
+        <p:txBody>
+          <a:bodyPr/>
+          <a:lstStyle/>
+          <a:p>
+            <a:r>
+              <a:rPr lang="en-US" altLang="zh-TW" dirty="0"/>
+              <a:t>While</a:t>
+            </a:r>
+            <a:r>
+              <a:rPr lang="zh-TW" altLang="en-US" dirty="0"/>
+              <a:t>迴圈</a:t>
+            </a:r>
+          </a:p>
+        </p:txBody>
+      </p:sp>
+      <p:sp>
+        <p:nvSpPr>
+          <p:cNvPr id="5" name="內容版面配置區 4">
+            <a:extLst>
+              <a:ext uri="{FF2B5EF4-FFF2-40B4-BE49-F238E27FC236}">
+                <a16:creationId xmlns:a16="http://schemas.microsoft.com/office/drawing/2014/main" id="{1464D598-8927-A356-41DB-F496B36FD8F1}"/>
+              </a:ext>
+            </a:extLst>
+          </p:cNvPr>
+          <p:cNvSpPr>
+            <a:spLocks noGrp="1"/>
+          </p:cNvSpPr>
+          <p:nvPr>
+            <p:ph idx="1"/>
+          </p:nvPr>
+        </p:nvSpPr>
+        <p:spPr/>
+        <p:txBody>
+          <a:bodyPr/>
+          <a:lstStyle/>
+          <a:p>
+            <a:r>
+              <a:rPr lang="en-US" altLang="zh-TW" dirty="0"/>
+              <a:t>while</a:t>
+            </a:r>
+            <a:r>
+              <a:rPr lang="zh-TW" altLang="en-US" dirty="0"/>
+              <a:t>迴圈需要在小括號裡面放判斷式，如果該判斷式是</a:t>
+            </a:r>
+            <a:r>
+              <a:rPr lang="en-US" altLang="zh-TW" dirty="0"/>
+              <a:t>true</a:t>
+            </a:r>
+            <a:r>
+              <a:rPr lang="zh-TW" altLang="en-US" dirty="0"/>
+              <a:t>則繼續執行，如果是</a:t>
+            </a:r>
+            <a:r>
+              <a:rPr lang="en-US" altLang="zh-TW" dirty="0"/>
+              <a:t>false</a:t>
+            </a:r>
+            <a:r>
+              <a:rPr lang="zh-TW" altLang="en-US" dirty="0"/>
+              <a:t>則跳出迴圈</a:t>
+            </a:r>
+            <a:endParaRPr lang="en-US" altLang="zh-TW" dirty="0"/>
+          </a:p>
+          <a:p>
+            <a:r>
+              <a:rPr lang="en-US" altLang="zh-TW" dirty="0"/>
+              <a:t>while(</a:t>
+            </a:r>
+            <a:r>
+              <a:rPr lang="zh-TW" altLang="en-US" dirty="0"/>
+              <a:t>判斷式</a:t>
+            </a:r>
+            <a:r>
+              <a:rPr lang="en-US" altLang="zh-TW" dirty="0"/>
+              <a:t>){</a:t>
+            </a:r>
+          </a:p>
+          <a:p>
+            <a:pPr marL="0" indent="0">
+              <a:buNone/>
+            </a:pPr>
+            <a:r>
+              <a:rPr lang="en-US" altLang="zh-TW" dirty="0"/>
+              <a:t>		echo “</a:t>
+            </a:r>
+            <a:r>
+              <a:rPr lang="zh-TW" altLang="en-US" dirty="0"/>
+              <a:t>執行成功</a:t>
+            </a:r>
+            <a:r>
+              <a:rPr lang="en-US" altLang="zh-TW" dirty="0"/>
+              <a:t>”;</a:t>
+            </a:r>
+          </a:p>
+          <a:p>
+            <a:pPr marL="0" indent="0">
+              <a:buNone/>
+            </a:pPr>
+            <a:r>
+              <a:rPr lang="en-US" altLang="zh-TW" dirty="0"/>
+              <a:t>		</a:t>
+            </a:r>
+            <a:r>
+              <a:rPr lang="zh-TW" altLang="en-US" dirty="0"/>
+              <a:t>步進</a:t>
+            </a:r>
+            <a:r>
+              <a:rPr lang="en-US" altLang="zh-TW" dirty="0"/>
+              <a:t>;</a:t>
+            </a:r>
+            <a:br>
+              <a:rPr lang="en-US" altLang="zh-TW" dirty="0"/>
+            </a:br>
+            <a:r>
+              <a:rPr lang="en-US" altLang="zh-TW" dirty="0"/>
+              <a:t>	}</a:t>
+            </a:r>
+          </a:p>
+          <a:p>
+            <a:pPr marL="0" indent="0">
+              <a:buNone/>
+            </a:pPr>
+            <a:r>
+              <a:rPr lang="en-US" altLang="zh-TW" dirty="0"/>
+              <a:t>	echo “</a:t>
+            </a:r>
+            <a:r>
+              <a:rPr lang="zh-TW" altLang="en-US" dirty="0"/>
+              <a:t>迴圈結束</a:t>
+            </a:r>
+            <a:r>
+              <a:rPr lang="en-US" altLang="zh-TW" dirty="0"/>
+              <a:t>";</a:t>
+            </a:r>
+            <a:endParaRPr lang="zh-TW" altLang="en-US" dirty="0"/>
+          </a:p>
+        </p:txBody>
+      </p:sp>
+    </p:spTree>
+    <p:extLst>
+      <p:ext uri="{BB962C8B-B14F-4D97-AF65-F5344CB8AC3E}">
+        <p14:creationId xmlns:p14="http://schemas.microsoft.com/office/powerpoint/2010/main" val="2366702051"/>
+      </p:ext>
+    </p:extLst>
+  </p:cSld>
+  <p:clrMapOvr>
+    <a:masterClrMapping/>
+  </p:clrMapOvr>
+</p:sld>
+</file>
+
+<file path=ppt/slides/slide44.xml><?xml version="1.0" encoding="utf-8"?>
+<p:sld xmlns:a="http://schemas.openxmlformats.org/drawingml/2006/main" xmlns:r="http://schemas.openxmlformats.org/officeDocument/2006/relationships" xmlns:p="http://schemas.openxmlformats.org/presentationml/2006/main">
+  <p:cSld>
+    <p:spTree>
+      <p:nvGrpSpPr>
+        <p:cNvPr id="1" name=""/>
+        <p:cNvGrpSpPr/>
+        <p:nvPr/>
+      </p:nvGrpSpPr>
+      <p:grpSpPr>
+        <a:xfrm>
+          <a:off x="0" y="0"/>
+          <a:ext cx="0" cy="0"/>
+          <a:chOff x="0" y="0"/>
+          <a:chExt cx="0" cy="0"/>
+        </a:xfrm>
+      </p:grpSpPr>
+      <p:sp>
+        <p:nvSpPr>
+          <p:cNvPr id="2" name="標題 1">
+            <a:extLst>
+              <a:ext uri="{FF2B5EF4-FFF2-40B4-BE49-F238E27FC236}">
+                <a16:creationId xmlns:a16="http://schemas.microsoft.com/office/drawing/2014/main" id="{45CE9C3C-0364-59AB-832E-18520469BF72}"/>
+              </a:ext>
+            </a:extLst>
+          </p:cNvPr>
+          <p:cNvSpPr>
+            <a:spLocks noGrp="1"/>
+          </p:cNvSpPr>
+          <p:nvPr>
+            <p:ph type="title"/>
+          </p:nvPr>
+        </p:nvSpPr>
+        <p:spPr/>
+        <p:txBody>
+          <a:bodyPr/>
+          <a:lstStyle/>
+          <a:p>
+            <a:r>
+              <a:rPr lang="zh-TW" altLang="en-US" dirty="0"/>
+              <a:t>範例</a:t>
+            </a:r>
+          </a:p>
+        </p:txBody>
+      </p:sp>
+      <p:pic>
+        <p:nvPicPr>
+          <p:cNvPr id="4" name="內容版面配置區 3">
+            <a:extLst>
+              <a:ext uri="{FF2B5EF4-FFF2-40B4-BE49-F238E27FC236}">
+                <a16:creationId xmlns:a16="http://schemas.microsoft.com/office/drawing/2014/main" id="{D1DD9A4C-C148-CBDC-0089-9AD56E3BE40B}"/>
+              </a:ext>
+            </a:extLst>
+          </p:cNvPr>
+          <p:cNvPicPr>
+            <a:picLocks noGrp="1" noChangeAspect="1"/>
+          </p:cNvPicPr>
+          <p:nvPr>
+            <p:ph idx="1"/>
+          </p:nvPr>
+        </p:nvPicPr>
+        <p:blipFill>
+          <a:blip r:embed="rId2"/>
+          <a:stretch>
+            <a:fillRect/>
+          </a:stretch>
+        </p:blipFill>
+        <p:spPr>
+          <a:xfrm>
+            <a:off x="806699" y="1733177"/>
+            <a:ext cx="2967442" cy="2806418"/>
+          </a:xfrm>
+        </p:spPr>
+      </p:pic>
+    </p:spTree>
+    <p:extLst>
+      <p:ext uri="{BB962C8B-B14F-4D97-AF65-F5344CB8AC3E}">
+        <p14:creationId xmlns:p14="http://schemas.microsoft.com/office/powerpoint/2010/main" val="2921757548"/>
+      </p:ext>
+    </p:extLst>
+  </p:cSld>
+  <p:clrMapOvr>
+    <a:masterClrMapping/>
+  </p:clrMapOvr>
+</p:sld>
+</file>
+
+<file path=ppt/slides/slide45.xml><?xml version="1.0" encoding="utf-8"?>
+<p:sld xmlns:a="http://schemas.openxmlformats.org/drawingml/2006/main" xmlns:r="http://schemas.openxmlformats.org/officeDocument/2006/relationships" xmlns:p="http://schemas.openxmlformats.org/presentationml/2006/main">
+  <p:cSld>
+    <p:spTree>
+      <p:nvGrpSpPr>
+        <p:cNvPr id="1" name=""/>
+        <p:cNvGrpSpPr/>
+        <p:nvPr/>
+      </p:nvGrpSpPr>
+      <p:grpSpPr>
+        <a:xfrm>
+          <a:off x="0" y="0"/>
+          <a:ext cx="0" cy="0"/>
+          <a:chOff x="0" y="0"/>
+          <a:chExt cx="0" cy="0"/>
+        </a:xfrm>
+      </p:grpSpPr>
+      <p:sp>
+        <p:nvSpPr>
+          <p:cNvPr id="2" name="標題 1">
+            <a:extLst>
+              <a:ext uri="{FF2B5EF4-FFF2-40B4-BE49-F238E27FC236}">
+                <a16:creationId xmlns:a16="http://schemas.microsoft.com/office/drawing/2014/main" id="{45CE9C3C-0364-59AB-832E-18520469BF72}"/>
+              </a:ext>
+            </a:extLst>
+          </p:cNvPr>
+          <p:cNvSpPr>
+            <a:spLocks noGrp="1"/>
+          </p:cNvSpPr>
+          <p:nvPr>
+            <p:ph type="title"/>
+          </p:nvPr>
+        </p:nvSpPr>
+        <p:spPr/>
+        <p:txBody>
+          <a:bodyPr/>
+          <a:lstStyle/>
+          <a:p>
+            <a:r>
+              <a:rPr lang="zh-TW" altLang="en-US" dirty="0"/>
+              <a:t>迴圈進階應用 </a:t>
+            </a:r>
+            <a:r>
+              <a:rPr lang="en-US" altLang="zh-TW" dirty="0"/>
+              <a:t>break</a:t>
+            </a:r>
+            <a:r>
+              <a:rPr lang="zh-TW" altLang="en-US" dirty="0"/>
+              <a:t>、</a:t>
+            </a:r>
+            <a:r>
+              <a:rPr lang="en-US" altLang="zh-TW" dirty="0"/>
+              <a:t>continue</a:t>
+            </a:r>
+            <a:endParaRPr lang="zh-TW" altLang="en-US" dirty="0"/>
+          </a:p>
+        </p:txBody>
+      </p:sp>
+      <p:sp>
+        <p:nvSpPr>
+          <p:cNvPr id="5" name="內容版面配置區 4">
+            <a:extLst>
+              <a:ext uri="{FF2B5EF4-FFF2-40B4-BE49-F238E27FC236}">
+                <a16:creationId xmlns:a16="http://schemas.microsoft.com/office/drawing/2014/main" id="{D7DB2560-067D-8BC4-C64B-996EAAD5130C}"/>
+              </a:ext>
+            </a:extLst>
+          </p:cNvPr>
+          <p:cNvSpPr>
+            <a:spLocks noGrp="1"/>
+          </p:cNvSpPr>
+          <p:nvPr>
+            <p:ph idx="1"/>
+          </p:nvPr>
+        </p:nvSpPr>
+        <p:spPr/>
+        <p:txBody>
+          <a:bodyPr/>
+          <a:lstStyle/>
+          <a:p>
+            <a:r>
+              <a:rPr lang="en-US" altLang="zh-TW" dirty="0"/>
+              <a:t>break(</a:t>
+            </a:r>
+            <a:r>
+              <a:rPr lang="zh-TW" altLang="en-US" dirty="0"/>
+              <a:t>強制跳出迴圈</a:t>
+            </a:r>
+            <a:r>
+              <a:rPr lang="en-US" altLang="zh-TW" dirty="0"/>
+              <a:t>)</a:t>
+            </a:r>
+          </a:p>
+          <a:p>
+            <a:r>
+              <a:rPr lang="en-US" altLang="zh-TW" dirty="0"/>
+              <a:t>continue(</a:t>
+            </a:r>
+            <a:r>
+              <a:rPr lang="zh-TW" altLang="en-US" dirty="0"/>
+              <a:t>強制放棄本圈迴圈</a:t>
+            </a:r>
+            <a:r>
+              <a:rPr lang="en-US" altLang="zh-TW" dirty="0"/>
+              <a:t>)</a:t>
+            </a:r>
+          </a:p>
+          <a:p>
+            <a:endParaRPr lang="zh-TW" altLang="en-US" dirty="0"/>
+          </a:p>
+        </p:txBody>
+      </p:sp>
+    </p:spTree>
+    <p:extLst>
+      <p:ext uri="{BB962C8B-B14F-4D97-AF65-F5344CB8AC3E}">
+        <p14:creationId xmlns:p14="http://schemas.microsoft.com/office/powerpoint/2010/main" val="2350221150"/>
+      </p:ext>
+    </p:extLst>
+  </p:cSld>
+  <p:clrMapOvr>
+    <a:masterClrMapping/>
+  </p:clrMapOvr>
+</p:sld>
+</file>
+
+<file path=ppt/slides/slide46.xml><?xml version="1.0" encoding="utf-8"?>
+<p:sld xmlns:a="http://schemas.openxmlformats.org/drawingml/2006/main" xmlns:r="http://schemas.openxmlformats.org/officeDocument/2006/relationships" xmlns:p="http://schemas.openxmlformats.org/presentationml/2006/main">
+  <p:cSld>
+    <p:spTree>
+      <p:nvGrpSpPr>
+        <p:cNvPr id="1" name=""/>
+        <p:cNvGrpSpPr/>
+        <p:nvPr/>
+      </p:nvGrpSpPr>
+      <p:grpSpPr>
+        <a:xfrm>
+          <a:off x="0" y="0"/>
+          <a:ext cx="0" cy="0"/>
+          <a:chOff x="0" y="0"/>
+          <a:chExt cx="0" cy="0"/>
+        </a:xfrm>
+      </p:grpSpPr>
+      <p:sp>
+        <p:nvSpPr>
+          <p:cNvPr id="2" name="標題 1">
+            <a:extLst>
+              <a:ext uri="{FF2B5EF4-FFF2-40B4-BE49-F238E27FC236}">
+                <a16:creationId xmlns:a16="http://schemas.microsoft.com/office/drawing/2014/main" id="{45CE9C3C-0364-59AB-832E-18520469BF72}"/>
+              </a:ext>
+            </a:extLst>
+          </p:cNvPr>
+          <p:cNvSpPr>
+            <a:spLocks noGrp="1"/>
+          </p:cNvSpPr>
+          <p:nvPr>
+            <p:ph type="title"/>
+          </p:nvPr>
+        </p:nvSpPr>
+        <p:spPr/>
+        <p:txBody>
+          <a:bodyPr/>
+          <a:lstStyle/>
+          <a:p>
+            <a:r>
+              <a:rPr lang="en-US" altLang="zh-TW" dirty="0"/>
+              <a:t>for</a:t>
+            </a:r>
+            <a:r>
+              <a:rPr lang="zh-TW" altLang="en-US" dirty="0"/>
+              <a:t>迴圈</a:t>
+            </a:r>
+          </a:p>
+        </p:txBody>
+      </p:sp>
+      <p:sp>
+        <p:nvSpPr>
+          <p:cNvPr id="5" name="內容版面配置區 4">
+            <a:extLst>
+              <a:ext uri="{FF2B5EF4-FFF2-40B4-BE49-F238E27FC236}">
+                <a16:creationId xmlns:a16="http://schemas.microsoft.com/office/drawing/2014/main" id="{F2736B63-06F8-18CE-78BE-BDE460854353}"/>
+              </a:ext>
+            </a:extLst>
+          </p:cNvPr>
+          <p:cNvSpPr>
+            <a:spLocks noGrp="1"/>
+          </p:cNvSpPr>
+          <p:nvPr>
+            <p:ph idx="1"/>
+          </p:nvPr>
+        </p:nvSpPr>
+        <p:spPr/>
+        <p:txBody>
+          <a:bodyPr/>
+          <a:lstStyle/>
+          <a:p>
+            <a:r>
+              <a:rPr lang="en-US" altLang="zh-TW" dirty="0"/>
+              <a:t>for(</a:t>
+            </a:r>
+            <a:r>
+              <a:rPr lang="zh-TW" altLang="en-US" dirty="0"/>
+              <a:t>賦予初始值</a:t>
+            </a:r>
+            <a:r>
+              <a:rPr lang="en-US" altLang="zh-TW" dirty="0"/>
+              <a:t>;</a:t>
+            </a:r>
+            <a:r>
+              <a:rPr lang="zh-TW" altLang="en-US" dirty="0"/>
+              <a:t>判斷式</a:t>
+            </a:r>
+            <a:r>
+              <a:rPr lang="en-US" altLang="zh-TW" dirty="0"/>
+              <a:t>;</a:t>
+            </a:r>
+            <a:r>
+              <a:rPr lang="zh-TW" altLang="en-US" dirty="0"/>
+              <a:t>步進</a:t>
+            </a:r>
+            <a:r>
+              <a:rPr lang="en-US" altLang="zh-TW" dirty="0"/>
+              <a:t>;){</a:t>
+            </a:r>
+          </a:p>
+          <a:p>
+            <a:pPr marL="0" indent="0">
+              <a:buNone/>
+            </a:pPr>
+            <a:r>
+              <a:rPr lang="en-US" altLang="zh-TW" dirty="0"/>
+              <a:t>		echo “</a:t>
+            </a:r>
+            <a:r>
+              <a:rPr lang="zh-TW" altLang="en-US" dirty="0"/>
+              <a:t>執行成功</a:t>
+            </a:r>
+            <a:r>
+              <a:rPr lang="en-US" altLang="zh-TW" dirty="0"/>
+              <a:t>”;</a:t>
+            </a:r>
+          </a:p>
+          <a:p>
+            <a:pPr marL="0" indent="0">
+              <a:buNone/>
+            </a:pPr>
+            <a:r>
+              <a:rPr lang="en-US" altLang="zh-TW" dirty="0"/>
+              <a:t>	}</a:t>
+            </a:r>
+          </a:p>
+          <a:p>
+            <a:pPr marL="0" indent="0">
+              <a:buNone/>
+            </a:pPr>
+            <a:r>
+              <a:rPr lang="en-US" altLang="zh-TW" dirty="0"/>
+              <a:t>	echo “</a:t>
+            </a:r>
+            <a:r>
+              <a:rPr lang="zh-TW" altLang="en-US" dirty="0"/>
+              <a:t>迴圈結束</a:t>
+            </a:r>
+            <a:r>
+              <a:rPr lang="en-US" altLang="zh-TW" dirty="0"/>
+              <a:t>”;</a:t>
+            </a:r>
+            <a:endParaRPr lang="zh-TW" altLang="en-US" dirty="0"/>
+          </a:p>
+        </p:txBody>
+      </p:sp>
+      <p:pic>
+        <p:nvPicPr>
+          <p:cNvPr id="7" name="圖片 6">
+            <a:extLst>
+              <a:ext uri="{FF2B5EF4-FFF2-40B4-BE49-F238E27FC236}">
+                <a16:creationId xmlns:a16="http://schemas.microsoft.com/office/drawing/2014/main" id="{FFDF351F-5AE2-5874-3D36-1BA180A132CB}"/>
+              </a:ext>
+            </a:extLst>
+          </p:cNvPr>
+          <p:cNvPicPr>
+            <a:picLocks noChangeAspect="1"/>
+          </p:cNvPicPr>
+          <p:nvPr/>
+        </p:nvPicPr>
+        <p:blipFill>
+          <a:blip r:embed="rId2"/>
+          <a:stretch>
+            <a:fillRect/>
+          </a:stretch>
+        </p:blipFill>
+        <p:spPr>
+          <a:xfrm>
+            <a:off x="973883" y="4303649"/>
+            <a:ext cx="2695951" cy="1724266"/>
+          </a:xfrm>
+          <a:prstGeom prst="rect">
+            <a:avLst/>
+          </a:prstGeom>
+        </p:spPr>
+      </p:pic>
+    </p:spTree>
+    <p:extLst>
+      <p:ext uri="{BB962C8B-B14F-4D97-AF65-F5344CB8AC3E}">
+        <p14:creationId xmlns:p14="http://schemas.microsoft.com/office/powerpoint/2010/main" val="1538829059"/>
+      </p:ext>
+    </p:extLst>
+  </p:cSld>
+  <p:clrMapOvr>
+    <a:masterClrMapping/>
+  </p:clrMapOvr>
+</p:sld>
+</file>
+
+<file path=ppt/slides/slide47.xml><?xml version="1.0" encoding="utf-8"?>
+<p:sld xmlns:a="http://schemas.openxmlformats.org/drawingml/2006/main" xmlns:r="http://schemas.openxmlformats.org/officeDocument/2006/relationships" xmlns:p="http://schemas.openxmlformats.org/presentationml/2006/main">
+  <p:cSld>
+    <p:spTree>
+      <p:nvGrpSpPr>
+        <p:cNvPr id="1" name=""/>
+        <p:cNvGrpSpPr/>
+        <p:nvPr/>
+      </p:nvGrpSpPr>
+      <p:grpSpPr>
+        <a:xfrm>
+          <a:off x="0" y="0"/>
+          <a:ext cx="0" cy="0"/>
+          <a:chOff x="0" y="0"/>
+          <a:chExt cx="0" cy="0"/>
+        </a:xfrm>
+      </p:grpSpPr>
+      <p:sp>
+        <p:nvSpPr>
+          <p:cNvPr id="2" name="標題 1">
+            <a:extLst>
+              <a:ext uri="{FF2B5EF4-FFF2-40B4-BE49-F238E27FC236}">
+                <a16:creationId xmlns:a16="http://schemas.microsoft.com/office/drawing/2014/main" id="{45CE9C3C-0364-59AB-832E-18520469BF72}"/>
+              </a:ext>
+            </a:extLst>
+          </p:cNvPr>
+          <p:cNvSpPr>
+            <a:spLocks noGrp="1"/>
+          </p:cNvSpPr>
+          <p:nvPr>
+            <p:ph type="title"/>
+          </p:nvPr>
+        </p:nvSpPr>
+        <p:spPr/>
+        <p:txBody>
+          <a:bodyPr/>
+          <a:lstStyle/>
+          <a:p>
+            <a:r>
+              <a:rPr lang="en-US" altLang="zh-TW" dirty="0"/>
+              <a:t>for</a:t>
+            </a:r>
+            <a:r>
+              <a:rPr lang="zh-TW" altLang="en-US" dirty="0"/>
+              <a:t>迴圈</a:t>
+            </a:r>
+          </a:p>
+        </p:txBody>
+      </p:sp>
+      <p:sp>
+        <p:nvSpPr>
+          <p:cNvPr id="5" name="內容版面配置區 4">
+            <a:extLst>
+              <a:ext uri="{FF2B5EF4-FFF2-40B4-BE49-F238E27FC236}">
+                <a16:creationId xmlns:a16="http://schemas.microsoft.com/office/drawing/2014/main" id="{F2736B63-06F8-18CE-78BE-BDE460854353}"/>
+              </a:ext>
+            </a:extLst>
+          </p:cNvPr>
+          <p:cNvSpPr>
+            <a:spLocks noGrp="1"/>
+          </p:cNvSpPr>
+          <p:nvPr>
+            <p:ph idx="1"/>
+          </p:nvPr>
+        </p:nvSpPr>
+        <p:spPr/>
+        <p:txBody>
+          <a:bodyPr/>
+          <a:lstStyle/>
+          <a:p>
+            <a:r>
+              <a:rPr lang="en-US" altLang="zh-TW" dirty="0"/>
+              <a:t>for(</a:t>
+            </a:r>
+            <a:r>
+              <a:rPr lang="zh-TW" altLang="en-US" dirty="0"/>
+              <a:t>賦予初始值</a:t>
+            </a:r>
+            <a:r>
+              <a:rPr lang="en-US" altLang="zh-TW" dirty="0"/>
+              <a:t>;</a:t>
+            </a:r>
+            <a:r>
+              <a:rPr lang="zh-TW" altLang="en-US" dirty="0"/>
+              <a:t>判斷式</a:t>
+            </a:r>
+            <a:r>
+              <a:rPr lang="en-US" altLang="zh-TW" dirty="0"/>
+              <a:t>;</a:t>
+            </a:r>
+            <a:r>
+              <a:rPr lang="zh-TW" altLang="en-US" dirty="0"/>
+              <a:t>步進</a:t>
+            </a:r>
+            <a:r>
+              <a:rPr lang="en-US" altLang="zh-TW" dirty="0"/>
+              <a:t>;){</a:t>
+            </a:r>
+          </a:p>
+          <a:p>
+            <a:pPr marL="0" indent="0">
+              <a:buNone/>
+            </a:pPr>
+            <a:r>
+              <a:rPr lang="en-US" altLang="zh-TW" dirty="0"/>
+              <a:t>		echo “</a:t>
+            </a:r>
+            <a:r>
+              <a:rPr lang="zh-TW" altLang="en-US" dirty="0"/>
+              <a:t>執行成功</a:t>
+            </a:r>
+            <a:r>
+              <a:rPr lang="en-US" altLang="zh-TW" dirty="0"/>
+              <a:t>”;</a:t>
+            </a:r>
+          </a:p>
+          <a:p>
+            <a:pPr marL="0" indent="0">
+              <a:buNone/>
+            </a:pPr>
+            <a:r>
+              <a:rPr lang="en-US" altLang="zh-TW" dirty="0"/>
+              <a:t>	}</a:t>
+            </a:r>
+          </a:p>
+          <a:p>
+            <a:pPr marL="0" indent="0">
+              <a:buNone/>
+            </a:pPr>
+            <a:r>
+              <a:rPr lang="en-US" altLang="zh-TW" dirty="0"/>
+              <a:t>	echo “</a:t>
+            </a:r>
+            <a:r>
+              <a:rPr lang="zh-TW" altLang="en-US" dirty="0"/>
+              <a:t>迴圈結束</a:t>
+            </a:r>
+            <a:r>
+              <a:rPr lang="en-US" altLang="zh-TW" dirty="0"/>
+              <a:t>”;</a:t>
+            </a:r>
+            <a:endParaRPr lang="zh-TW" altLang="en-US" dirty="0"/>
+          </a:p>
+        </p:txBody>
+      </p:sp>
+      <p:pic>
+        <p:nvPicPr>
+          <p:cNvPr id="7" name="圖片 6">
+            <a:extLst>
+              <a:ext uri="{FF2B5EF4-FFF2-40B4-BE49-F238E27FC236}">
+                <a16:creationId xmlns:a16="http://schemas.microsoft.com/office/drawing/2014/main" id="{FFDF351F-5AE2-5874-3D36-1BA180A132CB}"/>
+              </a:ext>
+            </a:extLst>
+          </p:cNvPr>
+          <p:cNvPicPr>
+            <a:picLocks noChangeAspect="1"/>
+          </p:cNvPicPr>
+          <p:nvPr/>
+        </p:nvPicPr>
+        <p:blipFill>
+          <a:blip r:embed="rId2"/>
+          <a:stretch>
+            <a:fillRect/>
+          </a:stretch>
+        </p:blipFill>
+        <p:spPr>
+          <a:xfrm>
+            <a:off x="973883" y="4303649"/>
+            <a:ext cx="2695951" cy="1724266"/>
+          </a:xfrm>
+          <a:prstGeom prst="rect">
+            <a:avLst/>
+          </a:prstGeom>
+        </p:spPr>
+      </p:pic>
+    </p:spTree>
+    <p:extLst>
+      <p:ext uri="{BB962C8B-B14F-4D97-AF65-F5344CB8AC3E}">
+        <p14:creationId xmlns:p14="http://schemas.microsoft.com/office/powerpoint/2010/main" val="1612440141"/>
+      </p:ext>
+    </p:extLst>
+  </p:cSld>
+  <p:clrMapOvr>
+    <a:masterClrMapping/>
+  </p:clrMapOvr>
+</p:sld>
+</file>
+
+<file path=ppt/slides/slide48.xml><?xml version="1.0" encoding="utf-8"?>
+<p:sld xmlns:a="http://schemas.openxmlformats.org/drawingml/2006/main" xmlns:r="http://schemas.openxmlformats.org/officeDocument/2006/relationships" xmlns:p="http://schemas.openxmlformats.org/presentationml/2006/main">
+  <p:cSld>
+    <p:spTree>
+      <p:nvGrpSpPr>
+        <p:cNvPr id="1" name=""/>
+        <p:cNvGrpSpPr/>
+        <p:nvPr/>
+      </p:nvGrpSpPr>
+      <p:grpSpPr>
+        <a:xfrm>
+          <a:off x="0" y="0"/>
+          <a:ext cx="0" cy="0"/>
+          <a:chOff x="0" y="0"/>
+          <a:chExt cx="0" cy="0"/>
+        </a:xfrm>
+      </p:grpSpPr>
+      <p:sp>
+        <p:nvSpPr>
+          <p:cNvPr id="2" name="標題 1">
+            <a:extLst>
+              <a:ext uri="{FF2B5EF4-FFF2-40B4-BE49-F238E27FC236}">
+                <a16:creationId xmlns:a16="http://schemas.microsoft.com/office/drawing/2014/main" id="{45CE9C3C-0364-59AB-832E-18520469BF72}"/>
+              </a:ext>
+            </a:extLst>
+          </p:cNvPr>
+          <p:cNvSpPr>
+            <a:spLocks noGrp="1"/>
+          </p:cNvSpPr>
+          <p:nvPr>
+            <p:ph type="title"/>
+          </p:nvPr>
+        </p:nvSpPr>
+        <p:spPr/>
+        <p:txBody>
+          <a:bodyPr/>
+          <a:lstStyle/>
+          <a:p>
+            <a:r>
+              <a:rPr lang="zh-TW" altLang="en-US" dirty="0"/>
+              <a:t>陣列</a:t>
+            </a:r>
+          </a:p>
+        </p:txBody>
+      </p:sp>
+      <p:sp>
+        <p:nvSpPr>
+          <p:cNvPr id="5" name="內容版面配置區 4">
+            <a:extLst>
+              <a:ext uri="{FF2B5EF4-FFF2-40B4-BE49-F238E27FC236}">
+                <a16:creationId xmlns:a16="http://schemas.microsoft.com/office/drawing/2014/main" id="{F2736B63-06F8-18CE-78BE-BDE460854353}"/>
+              </a:ext>
+            </a:extLst>
+          </p:cNvPr>
+          <p:cNvSpPr>
+            <a:spLocks noGrp="1"/>
+          </p:cNvSpPr>
+          <p:nvPr>
+            <p:ph idx="1"/>
+          </p:nvPr>
+        </p:nvSpPr>
+        <p:spPr/>
+        <p:txBody>
+          <a:bodyPr/>
+          <a:lstStyle/>
+          <a:p>
+            <a:r>
+              <a:rPr lang="zh-TW" altLang="en-US" dirty="0">
+                <a:latin typeface="標楷體" panose="03000509000000000000" pitchFamily="65" charset="-120"/>
+                <a:ea typeface="標楷體" panose="03000509000000000000" pitchFamily="65" charset="-120"/>
+              </a:rPr>
+              <a:t>一個變數可裝多個資料</a:t>
+            </a:r>
+          </a:p>
+          <a:p>
+            <a:r>
+              <a:rPr lang="en-US" altLang="zh-TW" dirty="0">
+                <a:latin typeface="標楷體" panose="03000509000000000000" pitchFamily="65" charset="-120"/>
+                <a:ea typeface="標楷體" panose="03000509000000000000" pitchFamily="65" charset="-120"/>
+              </a:rPr>
+              <a:t>$</a:t>
+            </a:r>
+            <a:r>
+              <a:rPr lang="en-US" altLang="zh-TW" dirty="0" err="1">
+                <a:latin typeface="標楷體" panose="03000509000000000000" pitchFamily="65" charset="-120"/>
+                <a:ea typeface="標楷體" panose="03000509000000000000" pitchFamily="65" charset="-120"/>
+              </a:rPr>
+              <a:t>arr</a:t>
+            </a:r>
+            <a:r>
+              <a:rPr lang="en-US" altLang="zh-TW" dirty="0">
+                <a:latin typeface="標楷體" panose="03000509000000000000" pitchFamily="65" charset="-120"/>
+                <a:ea typeface="標楷體" panose="03000509000000000000" pitchFamily="65" charset="-120"/>
+              </a:rPr>
+              <a:t> = array(</a:t>
+            </a:r>
+            <a:r>
+              <a:rPr lang="zh-TW" altLang="en-US" dirty="0">
+                <a:latin typeface="標楷體" panose="03000509000000000000" pitchFamily="65" charset="-120"/>
+                <a:ea typeface="標楷體" panose="03000509000000000000" pitchFamily="65" charset="-120"/>
+              </a:rPr>
+              <a:t>資料</a:t>
+            </a:r>
+            <a:r>
+              <a:rPr lang="en-US" altLang="zh-TW" dirty="0">
+                <a:latin typeface="標楷體" panose="03000509000000000000" pitchFamily="65" charset="-120"/>
+                <a:ea typeface="標楷體" panose="03000509000000000000" pitchFamily="65" charset="-120"/>
+              </a:rPr>
+              <a:t>,</a:t>
+            </a:r>
+            <a:r>
+              <a:rPr lang="zh-TW" altLang="en-US" dirty="0">
+                <a:latin typeface="標楷體" panose="03000509000000000000" pitchFamily="65" charset="-120"/>
+                <a:ea typeface="標楷體" panose="03000509000000000000" pitchFamily="65" charset="-120"/>
+              </a:rPr>
+              <a:t>資料</a:t>
+            </a:r>
+            <a:r>
+              <a:rPr lang="en-US" altLang="zh-TW" dirty="0">
+                <a:latin typeface="標楷體" panose="03000509000000000000" pitchFamily="65" charset="-120"/>
+                <a:ea typeface="標楷體" panose="03000509000000000000" pitchFamily="65" charset="-120"/>
+              </a:rPr>
+              <a:t>,</a:t>
+            </a:r>
+            <a:r>
+              <a:rPr lang="zh-TW" altLang="en-US" dirty="0">
+                <a:latin typeface="標楷體" panose="03000509000000000000" pitchFamily="65" charset="-120"/>
+                <a:ea typeface="標楷體" panose="03000509000000000000" pitchFamily="65" charset="-120"/>
+              </a:rPr>
+              <a:t>資料</a:t>
+            </a:r>
+            <a:r>
+              <a:rPr lang="en-US" altLang="zh-TW" dirty="0">
+                <a:latin typeface="標楷體" panose="03000509000000000000" pitchFamily="65" charset="-120"/>
+                <a:ea typeface="標楷體" panose="03000509000000000000" pitchFamily="65" charset="-120"/>
+              </a:rPr>
+              <a:t>); </a:t>
+            </a:r>
+            <a:r>
+              <a:rPr lang="zh-TW" altLang="en-US" dirty="0">
+                <a:latin typeface="標楷體" panose="03000509000000000000" pitchFamily="65" charset="-120"/>
+                <a:ea typeface="標楷體" panose="03000509000000000000" pitchFamily="65" charset="-120"/>
+              </a:rPr>
+              <a:t>或是 </a:t>
+            </a:r>
+            <a:r>
+              <a:rPr lang="en-US" altLang="zh-TW" dirty="0">
+                <a:latin typeface="標楷體" panose="03000509000000000000" pitchFamily="65" charset="-120"/>
+                <a:ea typeface="標楷體" panose="03000509000000000000" pitchFamily="65" charset="-120"/>
+              </a:rPr>
+              <a:t>$</a:t>
+            </a:r>
+            <a:r>
+              <a:rPr lang="en-US" altLang="zh-TW" dirty="0" err="1">
+                <a:latin typeface="標楷體" panose="03000509000000000000" pitchFamily="65" charset="-120"/>
+                <a:ea typeface="標楷體" panose="03000509000000000000" pitchFamily="65" charset="-120"/>
+              </a:rPr>
+              <a:t>arr</a:t>
+            </a:r>
+            <a:r>
+              <a:rPr lang="en-US" altLang="zh-TW" dirty="0">
+                <a:latin typeface="標楷體" panose="03000509000000000000" pitchFamily="65" charset="-120"/>
+                <a:ea typeface="標楷體" panose="03000509000000000000" pitchFamily="65" charset="-120"/>
+              </a:rPr>
+              <a:t> = [</a:t>
+            </a:r>
+            <a:r>
+              <a:rPr lang="zh-TW" altLang="en-US" dirty="0">
+                <a:latin typeface="標楷體" panose="03000509000000000000" pitchFamily="65" charset="-120"/>
+                <a:ea typeface="標楷體" panose="03000509000000000000" pitchFamily="65" charset="-120"/>
+              </a:rPr>
+              <a:t>資料</a:t>
+            </a:r>
+            <a:r>
+              <a:rPr lang="en-US" altLang="zh-TW" dirty="0">
+                <a:latin typeface="標楷體" panose="03000509000000000000" pitchFamily="65" charset="-120"/>
+                <a:ea typeface="標楷體" panose="03000509000000000000" pitchFamily="65" charset="-120"/>
+              </a:rPr>
+              <a:t>,</a:t>
+            </a:r>
+            <a:r>
+              <a:rPr lang="zh-TW" altLang="en-US" dirty="0">
+                <a:latin typeface="標楷體" panose="03000509000000000000" pitchFamily="65" charset="-120"/>
+                <a:ea typeface="標楷體" panose="03000509000000000000" pitchFamily="65" charset="-120"/>
+              </a:rPr>
+              <a:t>資料</a:t>
+            </a:r>
+            <a:r>
+              <a:rPr lang="en-US" altLang="zh-TW" dirty="0">
+                <a:latin typeface="標楷體" panose="03000509000000000000" pitchFamily="65" charset="-120"/>
+                <a:ea typeface="標楷體" panose="03000509000000000000" pitchFamily="65" charset="-120"/>
+              </a:rPr>
+              <a:t>, </a:t>
+            </a:r>
+            <a:r>
+              <a:rPr lang="zh-TW" altLang="en-US" dirty="0">
+                <a:latin typeface="標楷體" panose="03000509000000000000" pitchFamily="65" charset="-120"/>
+                <a:ea typeface="標楷體" panose="03000509000000000000" pitchFamily="65" charset="-120"/>
+              </a:rPr>
+              <a:t>資料</a:t>
+            </a:r>
+            <a:r>
+              <a:rPr lang="en-US" altLang="zh-TW" dirty="0">
+                <a:latin typeface="標楷體" panose="03000509000000000000" pitchFamily="65" charset="-120"/>
+                <a:ea typeface="標楷體" panose="03000509000000000000" pitchFamily="65" charset="-120"/>
+              </a:rPr>
+              <a:t>];</a:t>
+            </a:r>
+          </a:p>
+          <a:p>
+            <a:r>
+              <a:rPr lang="en-US" altLang="zh-TW" dirty="0" err="1">
+                <a:latin typeface="標楷體" panose="03000509000000000000" pitchFamily="65" charset="-120"/>
+                <a:ea typeface="標楷體" panose="03000509000000000000" pitchFamily="65" charset="-120"/>
+              </a:rPr>
+              <a:t>print_r</a:t>
+            </a:r>
+            <a:r>
+              <a:rPr lang="en-US" altLang="zh-TW" dirty="0">
+                <a:latin typeface="標楷體" panose="03000509000000000000" pitchFamily="65" charset="-120"/>
+                <a:ea typeface="標楷體" panose="03000509000000000000" pitchFamily="65" charset="-120"/>
+              </a:rPr>
+              <a:t>(</a:t>
+            </a:r>
+            <a:r>
+              <a:rPr lang="zh-TW" altLang="en-US" dirty="0">
+                <a:latin typeface="標楷體" panose="03000509000000000000" pitchFamily="65" charset="-120"/>
+                <a:ea typeface="標楷體" panose="03000509000000000000" pitchFamily="65" charset="-120"/>
+              </a:rPr>
+              <a:t>陣列變數</a:t>
+            </a:r>
+            <a:r>
+              <a:rPr lang="en-US" altLang="zh-TW" dirty="0">
+                <a:latin typeface="標楷體" panose="03000509000000000000" pitchFamily="65" charset="-120"/>
+                <a:ea typeface="標楷體" panose="03000509000000000000" pitchFamily="65" charset="-120"/>
+              </a:rPr>
+              <a:t>)  //</a:t>
+            </a:r>
+            <a:r>
+              <a:rPr lang="zh-TW" altLang="en-US" dirty="0">
+                <a:latin typeface="標楷體" panose="03000509000000000000" pitchFamily="65" charset="-120"/>
+                <a:ea typeface="標楷體" panose="03000509000000000000" pitchFamily="65" charset="-120"/>
+              </a:rPr>
+              <a:t>查看陣列結構</a:t>
+            </a:r>
+          </a:p>
+          <a:p>
+            <a:r>
+              <a:rPr lang="en-US" altLang="zh-TW" dirty="0" err="1">
+                <a:latin typeface="標楷體" panose="03000509000000000000" pitchFamily="65" charset="-120"/>
+                <a:ea typeface="標楷體" panose="03000509000000000000" pitchFamily="65" charset="-120"/>
+              </a:rPr>
+              <a:t>array_push</a:t>
+            </a:r>
+            <a:r>
+              <a:rPr lang="en-US" altLang="zh-TW" dirty="0">
+                <a:latin typeface="標楷體" panose="03000509000000000000" pitchFamily="65" charset="-120"/>
+                <a:ea typeface="標楷體" panose="03000509000000000000" pitchFamily="65" charset="-120"/>
+              </a:rPr>
+              <a:t>(</a:t>
+            </a:r>
+            <a:r>
+              <a:rPr lang="zh-TW" altLang="en-US" dirty="0">
+                <a:latin typeface="標楷體" panose="03000509000000000000" pitchFamily="65" charset="-120"/>
+                <a:ea typeface="標楷體" panose="03000509000000000000" pitchFamily="65" charset="-120"/>
+              </a:rPr>
+              <a:t>陣列變數</a:t>
+            </a:r>
+            <a:r>
+              <a:rPr lang="en-US" altLang="zh-TW" dirty="0">
+                <a:latin typeface="標楷體" panose="03000509000000000000" pitchFamily="65" charset="-120"/>
+                <a:ea typeface="標楷體" panose="03000509000000000000" pitchFamily="65" charset="-120"/>
+              </a:rPr>
+              <a:t>,</a:t>
+            </a:r>
+            <a:r>
+              <a:rPr lang="zh-TW" altLang="en-US" dirty="0">
+                <a:latin typeface="標楷體" panose="03000509000000000000" pitchFamily="65" charset="-120"/>
+                <a:ea typeface="標楷體" panose="03000509000000000000" pitchFamily="65" charset="-120"/>
+              </a:rPr>
+              <a:t>新的資料</a:t>
+            </a:r>
+            <a:r>
+              <a:rPr lang="en-US" altLang="zh-TW" dirty="0">
+                <a:latin typeface="標楷體" panose="03000509000000000000" pitchFamily="65" charset="-120"/>
+                <a:ea typeface="標楷體" panose="03000509000000000000" pitchFamily="65" charset="-120"/>
+              </a:rPr>
+              <a:t>); //</a:t>
+            </a:r>
+            <a:r>
+              <a:rPr lang="zh-TW" altLang="en-US" dirty="0">
+                <a:latin typeface="標楷體" panose="03000509000000000000" pitchFamily="65" charset="-120"/>
+                <a:ea typeface="標楷體" panose="03000509000000000000" pitchFamily="65" charset="-120"/>
+              </a:rPr>
+              <a:t>新增資料進陣列，會排在最後</a:t>
+            </a:r>
+            <a:endParaRPr lang="en-US" altLang="zh-TW" dirty="0">
+              <a:latin typeface="標楷體" panose="03000509000000000000" pitchFamily="65" charset="-120"/>
+              <a:ea typeface="標楷體" panose="03000509000000000000" pitchFamily="65" charset="-120"/>
+            </a:endParaRPr>
+          </a:p>
+          <a:p>
+            <a:r>
+              <a:rPr lang="en-US" altLang="zh-TW" dirty="0" err="1">
+                <a:latin typeface="標楷體" panose="03000509000000000000" pitchFamily="65" charset="-120"/>
+                <a:ea typeface="標楷體" panose="03000509000000000000" pitchFamily="65" charset="-120"/>
+              </a:rPr>
+              <a:t>array_unshift</a:t>
+            </a:r>
+            <a:r>
+              <a:rPr lang="en-US" altLang="zh-TW" dirty="0">
+                <a:latin typeface="標楷體" panose="03000509000000000000" pitchFamily="65" charset="-120"/>
+                <a:ea typeface="標楷體" panose="03000509000000000000" pitchFamily="65" charset="-120"/>
+              </a:rPr>
+              <a:t>(</a:t>
+            </a:r>
+            <a:r>
+              <a:rPr lang="zh-TW" altLang="en-US" dirty="0">
+                <a:latin typeface="標楷體" panose="03000509000000000000" pitchFamily="65" charset="-120"/>
+                <a:ea typeface="標楷體" panose="03000509000000000000" pitchFamily="65" charset="-120"/>
+              </a:rPr>
+              <a:t>陣列變數</a:t>
+            </a:r>
+            <a:r>
+              <a:rPr lang="en-US" altLang="zh-TW" dirty="0">
+                <a:latin typeface="標楷體" panose="03000509000000000000" pitchFamily="65" charset="-120"/>
+                <a:ea typeface="標楷體" panose="03000509000000000000" pitchFamily="65" charset="-120"/>
+              </a:rPr>
+              <a:t>,</a:t>
+            </a:r>
+            <a:r>
+              <a:rPr lang="zh-TW" altLang="en-US" dirty="0">
+                <a:latin typeface="標楷體" panose="03000509000000000000" pitchFamily="65" charset="-120"/>
+                <a:ea typeface="標楷體" panose="03000509000000000000" pitchFamily="65" charset="-120"/>
+              </a:rPr>
+              <a:t>新的資料</a:t>
+            </a:r>
+            <a:r>
+              <a:rPr lang="en-US" altLang="zh-TW" dirty="0">
+                <a:latin typeface="標楷體" panose="03000509000000000000" pitchFamily="65" charset="-120"/>
+                <a:ea typeface="標楷體" panose="03000509000000000000" pitchFamily="65" charset="-120"/>
+              </a:rPr>
+              <a:t>)</a:t>
+            </a:r>
+          </a:p>
+          <a:p>
+            <a:r>
+              <a:rPr lang="en-US" altLang="zh-TW" dirty="0" err="1">
+                <a:latin typeface="標楷體" panose="03000509000000000000" pitchFamily="65" charset="-120"/>
+                <a:ea typeface="標楷體" panose="03000509000000000000" pitchFamily="65" charset="-120"/>
+              </a:rPr>
+              <a:t>array_pop</a:t>
+            </a:r>
+            <a:r>
+              <a:rPr lang="en-US" altLang="zh-TW" dirty="0">
+                <a:latin typeface="標楷體" panose="03000509000000000000" pitchFamily="65" charset="-120"/>
+                <a:ea typeface="標楷體" panose="03000509000000000000" pitchFamily="65" charset="-120"/>
+              </a:rPr>
+              <a:t>(</a:t>
+            </a:r>
+            <a:r>
+              <a:rPr lang="zh-TW" altLang="en-US" dirty="0">
+                <a:latin typeface="標楷體" panose="03000509000000000000" pitchFamily="65" charset="-120"/>
+                <a:ea typeface="標楷體" panose="03000509000000000000" pitchFamily="65" charset="-120"/>
+              </a:rPr>
+              <a:t>陣列變數</a:t>
+            </a:r>
+            <a:r>
+              <a:rPr lang="en-US" altLang="zh-TW" dirty="0">
+                <a:latin typeface="標楷體" panose="03000509000000000000" pitchFamily="65" charset="-120"/>
+                <a:ea typeface="標楷體" panose="03000509000000000000" pitchFamily="65" charset="-120"/>
+              </a:rPr>
+              <a:t>); //</a:t>
+            </a:r>
+            <a:r>
+              <a:rPr lang="zh-TW" altLang="en-US" dirty="0">
+                <a:latin typeface="標楷體" panose="03000509000000000000" pitchFamily="65" charset="-120"/>
+                <a:ea typeface="標楷體" panose="03000509000000000000" pitchFamily="65" charset="-120"/>
+              </a:rPr>
+              <a:t>刪除陣列最後一個資料</a:t>
+            </a:r>
+            <a:endParaRPr lang="en-US" altLang="zh-TW" dirty="0">
+              <a:latin typeface="標楷體" panose="03000509000000000000" pitchFamily="65" charset="-120"/>
+              <a:ea typeface="標楷體" panose="03000509000000000000" pitchFamily="65" charset="-120"/>
+            </a:endParaRPr>
+          </a:p>
+          <a:p>
+            <a:r>
+              <a:rPr lang="en-US" altLang="zh-TW" dirty="0" err="1">
+                <a:latin typeface="標楷體" panose="03000509000000000000" pitchFamily="65" charset="-120"/>
+                <a:ea typeface="標楷體" panose="03000509000000000000" pitchFamily="65" charset="-120"/>
+              </a:rPr>
+              <a:t>array_shift</a:t>
+            </a:r>
+            <a:r>
+              <a:rPr lang="en-US" altLang="zh-TW" dirty="0">
+                <a:latin typeface="標楷體" panose="03000509000000000000" pitchFamily="65" charset="-120"/>
+                <a:ea typeface="標楷體" panose="03000509000000000000" pitchFamily="65" charset="-120"/>
+              </a:rPr>
+              <a:t>(</a:t>
+            </a:r>
+            <a:r>
+              <a:rPr lang="zh-TW" altLang="en-US" dirty="0">
+                <a:latin typeface="標楷體" panose="03000509000000000000" pitchFamily="65" charset="-120"/>
+                <a:ea typeface="標楷體" panose="03000509000000000000" pitchFamily="65" charset="-120"/>
+              </a:rPr>
+              <a:t>陣列變數</a:t>
+            </a:r>
+            <a:r>
+              <a:rPr lang="en-US" altLang="zh-TW" dirty="0">
+                <a:latin typeface="標楷體" panose="03000509000000000000" pitchFamily="65" charset="-120"/>
+                <a:ea typeface="標楷體" panose="03000509000000000000" pitchFamily="65" charset="-120"/>
+              </a:rPr>
+              <a:t>); //</a:t>
+            </a:r>
+            <a:r>
+              <a:rPr lang="zh-TW" altLang="en-US" dirty="0">
+                <a:latin typeface="標楷體" panose="03000509000000000000" pitchFamily="65" charset="-120"/>
+                <a:ea typeface="標楷體" panose="03000509000000000000" pitchFamily="65" charset="-120"/>
+              </a:rPr>
+              <a:t>刪除陣列第一個資料</a:t>
+            </a:r>
+          </a:p>
+          <a:p>
+            <a:r>
+              <a:rPr lang="en-US" altLang="zh-TW" dirty="0">
+                <a:latin typeface="標楷體" panose="03000509000000000000" pitchFamily="65" charset="-120"/>
+                <a:ea typeface="標楷體" panose="03000509000000000000" pitchFamily="65" charset="-120"/>
+              </a:rPr>
+              <a:t>count(</a:t>
+            </a:r>
+            <a:r>
+              <a:rPr lang="zh-TW" altLang="en-US" dirty="0">
+                <a:latin typeface="標楷體" panose="03000509000000000000" pitchFamily="65" charset="-120"/>
+                <a:ea typeface="標楷體" panose="03000509000000000000" pitchFamily="65" charset="-120"/>
+              </a:rPr>
+              <a:t>陣列變數</a:t>
+            </a:r>
+            <a:r>
+              <a:rPr lang="en-US" altLang="zh-TW" dirty="0">
+                <a:latin typeface="標楷體" panose="03000509000000000000" pitchFamily="65" charset="-120"/>
+                <a:ea typeface="標楷體" panose="03000509000000000000" pitchFamily="65" charset="-120"/>
+              </a:rPr>
+              <a:t>); //</a:t>
+            </a:r>
+            <a:r>
+              <a:rPr lang="zh-TW" altLang="en-US" dirty="0">
+                <a:latin typeface="標楷體" panose="03000509000000000000" pitchFamily="65" charset="-120"/>
+                <a:ea typeface="標楷體" panose="03000509000000000000" pitchFamily="65" charset="-120"/>
+              </a:rPr>
+              <a:t>查看陣列長度</a:t>
+            </a:r>
+          </a:p>
+          <a:p>
+            <a:r>
+              <a:rPr lang="en-US" altLang="zh-TW" dirty="0" err="1">
+                <a:latin typeface="標楷體" panose="03000509000000000000" pitchFamily="65" charset="-120"/>
+                <a:ea typeface="標楷體" panose="03000509000000000000" pitchFamily="65" charset="-120"/>
+              </a:rPr>
+              <a:t>in_array</a:t>
+            </a:r>
+            <a:r>
+              <a:rPr lang="en-US" altLang="zh-TW" dirty="0">
+                <a:latin typeface="標楷體" panose="03000509000000000000" pitchFamily="65" charset="-120"/>
+                <a:ea typeface="標楷體" panose="03000509000000000000" pitchFamily="65" charset="-120"/>
+              </a:rPr>
+              <a:t>(</a:t>
+            </a:r>
+            <a:r>
+              <a:rPr lang="zh-TW" altLang="en-US" dirty="0">
+                <a:latin typeface="標楷體" panose="03000509000000000000" pitchFamily="65" charset="-120"/>
+                <a:ea typeface="標楷體" panose="03000509000000000000" pitchFamily="65" charset="-120"/>
+              </a:rPr>
+              <a:t>查詢的內容值</a:t>
+            </a:r>
+            <a:r>
+              <a:rPr lang="en-US" altLang="zh-TW" dirty="0">
+                <a:latin typeface="標楷體" panose="03000509000000000000" pitchFamily="65" charset="-120"/>
+                <a:ea typeface="標楷體" panose="03000509000000000000" pitchFamily="65" charset="-120"/>
+              </a:rPr>
+              <a:t>, </a:t>
+            </a:r>
+            <a:r>
+              <a:rPr lang="zh-TW" altLang="en-US" dirty="0">
+                <a:latin typeface="標楷體" panose="03000509000000000000" pitchFamily="65" charset="-120"/>
+                <a:ea typeface="標楷體" panose="03000509000000000000" pitchFamily="65" charset="-120"/>
+              </a:rPr>
+              <a:t>陣列變數</a:t>
+            </a:r>
+            <a:r>
+              <a:rPr lang="en-US" altLang="zh-TW" dirty="0">
+                <a:latin typeface="標楷體" panose="03000509000000000000" pitchFamily="65" charset="-120"/>
+                <a:ea typeface="標楷體" panose="03000509000000000000" pitchFamily="65" charset="-120"/>
+              </a:rPr>
+              <a:t>); //</a:t>
+            </a:r>
+            <a:r>
+              <a:rPr lang="zh-TW" altLang="en-US" dirty="0">
+                <a:latin typeface="標楷體" panose="03000509000000000000" pitchFamily="65" charset="-120"/>
+                <a:ea typeface="標楷體" panose="03000509000000000000" pitchFamily="65" charset="-120"/>
+              </a:rPr>
+              <a:t>判斷指定的內容值是不是已經在陣列中</a:t>
+            </a:r>
+          </a:p>
+          <a:p>
+            <a:endParaRPr lang="zh-TW" altLang="en-US" dirty="0">
+              <a:latin typeface="標楷體" panose="03000509000000000000" pitchFamily="65" charset="-120"/>
+              <a:ea typeface="標楷體" panose="03000509000000000000" pitchFamily="65" charset="-120"/>
+            </a:endParaRPr>
+          </a:p>
+        </p:txBody>
+      </p:sp>
+    </p:spTree>
+    <p:extLst>
+      <p:ext uri="{BB962C8B-B14F-4D97-AF65-F5344CB8AC3E}">
+        <p14:creationId xmlns:p14="http://schemas.microsoft.com/office/powerpoint/2010/main" val="3942350419"/>
+      </p:ext>
+    </p:extLst>
+  </p:cSld>
+  <p:clrMapOvr>
+    <a:masterClrMapping/>
+  </p:clrMapOvr>
+</p:sld>
+</file>
+
+<file path=ppt/slides/slide49.xml><?xml version="1.0" encoding="utf-8"?>
+<p:sld xmlns:a="http://schemas.openxmlformats.org/drawingml/2006/main" xmlns:r="http://schemas.openxmlformats.org/officeDocument/2006/relationships" xmlns:p="http://schemas.openxmlformats.org/presentationml/2006/main">
+  <p:cSld>
+    <p:spTree>
+      <p:nvGrpSpPr>
+        <p:cNvPr id="1" name=""/>
+        <p:cNvGrpSpPr/>
+        <p:nvPr/>
+      </p:nvGrpSpPr>
+      <p:grpSpPr>
+        <a:xfrm>
+          <a:off x="0" y="0"/>
+          <a:ext cx="0" cy="0"/>
+          <a:chOff x="0" y="0"/>
+          <a:chExt cx="0" cy="0"/>
+        </a:xfrm>
+      </p:grpSpPr>
+      <p:sp>
+        <p:nvSpPr>
+          <p:cNvPr id="2" name="標題 1">
+            <a:extLst>
+              <a:ext uri="{FF2B5EF4-FFF2-40B4-BE49-F238E27FC236}">
+                <a16:creationId xmlns:a16="http://schemas.microsoft.com/office/drawing/2014/main" id="{45CE9C3C-0364-59AB-832E-18520469BF72}"/>
+              </a:ext>
+            </a:extLst>
+          </p:cNvPr>
+          <p:cNvSpPr>
+            <a:spLocks noGrp="1"/>
+          </p:cNvSpPr>
+          <p:nvPr>
+            <p:ph type="title"/>
+          </p:nvPr>
+        </p:nvSpPr>
+        <p:spPr/>
+        <p:txBody>
+          <a:bodyPr/>
+          <a:lstStyle/>
+          <a:p>
+            <a:r>
+              <a:rPr lang="zh-TW" altLang="en-US" dirty="0"/>
+              <a:t>陣列索引</a:t>
+            </a:r>
+          </a:p>
+        </p:txBody>
+      </p:sp>
+      <p:pic>
+        <p:nvPicPr>
+          <p:cNvPr id="4" name="圖片 3">
+            <a:extLst>
+              <a:ext uri="{FF2B5EF4-FFF2-40B4-BE49-F238E27FC236}">
+                <a16:creationId xmlns:a16="http://schemas.microsoft.com/office/drawing/2014/main" id="{50903BF3-3F45-711E-DC0E-C57AB0C3FFF1}"/>
+              </a:ext>
+            </a:extLst>
+          </p:cNvPr>
+          <p:cNvPicPr>
+            <a:picLocks noChangeAspect="1"/>
+          </p:cNvPicPr>
+          <p:nvPr/>
+        </p:nvPicPr>
+        <p:blipFill>
+          <a:blip r:embed="rId2"/>
+          <a:stretch>
+            <a:fillRect/>
+          </a:stretch>
+        </p:blipFill>
+        <p:spPr>
+          <a:xfrm>
+            <a:off x="2439638" y="1714260"/>
+            <a:ext cx="6344535" cy="3429479"/>
+          </a:xfrm>
+          <a:prstGeom prst="rect">
+            <a:avLst/>
+          </a:prstGeom>
+        </p:spPr>
+      </p:pic>
+    </p:spTree>
+    <p:extLst>
+      <p:ext uri="{BB962C8B-B14F-4D97-AF65-F5344CB8AC3E}">
+        <p14:creationId xmlns:p14="http://schemas.microsoft.com/office/powerpoint/2010/main" val="4231731347"/>
+      </p:ext>
+    </p:extLst>
+  </p:cSld>
+  <p:clrMapOvr>
+    <a:masterClrMapping/>
+  </p:clrMapOvr>
+</p:sld>
+</file>
+
 <file path=ppt/slides/slide5.xml><?xml version="1.0" encoding="utf-8"?>
 <p:sld xmlns:a="http://schemas.openxmlformats.org/drawingml/2006/main" xmlns:r="http://schemas.openxmlformats.org/officeDocument/2006/relationships" xmlns:p="http://schemas.openxmlformats.org/presentationml/2006/main">
   <p:cSld>
@@ -12512,6 +17344,372 @@
     <p:extLst>
       <p:ext uri="{BB962C8B-B14F-4D97-AF65-F5344CB8AC3E}">
         <p14:creationId xmlns:p14="http://schemas.microsoft.com/office/powerpoint/2010/main" val="1591607151"/>
+      </p:ext>
+    </p:extLst>
+  </p:cSld>
+  <p:clrMapOvr>
+    <a:masterClrMapping/>
+  </p:clrMapOvr>
+</p:sld>
+</file>
+
+<file path=ppt/slides/slide50.xml><?xml version="1.0" encoding="utf-8"?>
+<p:sld xmlns:a="http://schemas.openxmlformats.org/drawingml/2006/main" xmlns:r="http://schemas.openxmlformats.org/officeDocument/2006/relationships" xmlns:p="http://schemas.openxmlformats.org/presentationml/2006/main">
+  <p:cSld>
+    <p:spTree>
+      <p:nvGrpSpPr>
+        <p:cNvPr id="1" name=""/>
+        <p:cNvGrpSpPr/>
+        <p:nvPr/>
+      </p:nvGrpSpPr>
+      <p:grpSpPr>
+        <a:xfrm>
+          <a:off x="0" y="0"/>
+          <a:ext cx="0" cy="0"/>
+          <a:chOff x="0" y="0"/>
+          <a:chExt cx="0" cy="0"/>
+        </a:xfrm>
+      </p:grpSpPr>
+      <p:sp>
+        <p:nvSpPr>
+          <p:cNvPr id="2" name="標題 1">
+            <a:extLst>
+              <a:ext uri="{FF2B5EF4-FFF2-40B4-BE49-F238E27FC236}">
+                <a16:creationId xmlns:a16="http://schemas.microsoft.com/office/drawing/2014/main" id="{45CE9C3C-0364-59AB-832E-18520469BF72}"/>
+              </a:ext>
+            </a:extLst>
+          </p:cNvPr>
+          <p:cNvSpPr>
+            <a:spLocks noGrp="1"/>
+          </p:cNvSpPr>
+          <p:nvPr>
+            <p:ph type="title"/>
+          </p:nvPr>
+        </p:nvSpPr>
+        <p:spPr/>
+        <p:txBody>
+          <a:bodyPr/>
+          <a:lstStyle/>
+          <a:p>
+            <a:r>
+              <a:rPr lang="zh-TW" altLang="en-US" dirty="0"/>
+              <a:t>如何將陣列的資料一筆一筆印出來</a:t>
+            </a:r>
+          </a:p>
+        </p:txBody>
+      </p:sp>
+      <p:sp>
+        <p:nvSpPr>
+          <p:cNvPr id="5" name="內容版面配置區 4">
+            <a:extLst>
+              <a:ext uri="{FF2B5EF4-FFF2-40B4-BE49-F238E27FC236}">
+                <a16:creationId xmlns:a16="http://schemas.microsoft.com/office/drawing/2014/main" id="{F2736B63-06F8-18CE-78BE-BDE460854353}"/>
+              </a:ext>
+            </a:extLst>
+          </p:cNvPr>
+          <p:cNvSpPr>
+            <a:spLocks noGrp="1"/>
+          </p:cNvSpPr>
+          <p:nvPr>
+            <p:ph idx="1"/>
+          </p:nvPr>
+        </p:nvSpPr>
+        <p:spPr/>
+        <p:txBody>
+          <a:bodyPr/>
+          <a:lstStyle/>
+          <a:p>
+            <a:r>
+              <a:rPr lang="en-US" altLang="zh-TW" dirty="0">
+                <a:latin typeface="標楷體" panose="03000509000000000000" pitchFamily="65" charset="-120"/>
+                <a:ea typeface="標楷體" panose="03000509000000000000" pitchFamily="65" charset="-120"/>
+              </a:rPr>
+              <a:t>for</a:t>
+            </a:r>
+            <a:r>
+              <a:rPr lang="zh-TW" altLang="en-US" dirty="0">
+                <a:latin typeface="標楷體" panose="03000509000000000000" pitchFamily="65" charset="-120"/>
+                <a:ea typeface="標楷體" panose="03000509000000000000" pitchFamily="65" charset="-120"/>
+              </a:rPr>
+              <a:t>迴圈</a:t>
+            </a:r>
+          </a:p>
+          <a:p>
+            <a:r>
+              <a:rPr lang="en-US" altLang="zh-TW" dirty="0">
+                <a:latin typeface="標楷體" panose="03000509000000000000" pitchFamily="65" charset="-120"/>
+                <a:ea typeface="標楷體" panose="03000509000000000000" pitchFamily="65" charset="-120"/>
+              </a:rPr>
+              <a:t>foreach</a:t>
+            </a:r>
+            <a:r>
+              <a:rPr lang="zh-TW" altLang="en-US" dirty="0">
+                <a:latin typeface="標楷體" panose="03000509000000000000" pitchFamily="65" charset="-120"/>
+                <a:ea typeface="標楷體" panose="03000509000000000000" pitchFamily="65" charset="-120"/>
+              </a:rPr>
+              <a:t>迴圈</a:t>
+            </a:r>
+            <a:r>
+              <a:rPr lang="en-US" altLang="zh-TW" dirty="0">
+                <a:latin typeface="標楷體" panose="03000509000000000000" pitchFamily="65" charset="-120"/>
+                <a:ea typeface="標楷體" panose="03000509000000000000" pitchFamily="65" charset="-120"/>
+              </a:rPr>
+              <a:t>(</a:t>
+            </a:r>
+            <a:r>
+              <a:rPr lang="zh-TW" altLang="en-US" dirty="0">
+                <a:latin typeface="標楷體" panose="03000509000000000000" pitchFamily="65" charset="-120"/>
+                <a:ea typeface="標楷體" panose="03000509000000000000" pitchFamily="65" charset="-120"/>
+              </a:rPr>
+              <a:t>專門給陣列資料使用</a:t>
+            </a:r>
+            <a:r>
+              <a:rPr lang="en-US" altLang="zh-TW" dirty="0">
+                <a:latin typeface="標楷體" panose="03000509000000000000" pitchFamily="65" charset="-120"/>
+                <a:ea typeface="標楷體" panose="03000509000000000000" pitchFamily="65" charset="-120"/>
+              </a:rPr>
+              <a:t>)</a:t>
+            </a:r>
+          </a:p>
+          <a:p>
+            <a:r>
+              <a:rPr lang="en-US" altLang="zh-TW" dirty="0">
+                <a:latin typeface="標楷體" panose="03000509000000000000" pitchFamily="65" charset="-120"/>
+                <a:ea typeface="標楷體" panose="03000509000000000000" pitchFamily="65" charset="-120"/>
+              </a:rPr>
+              <a:t>foreach ( </a:t>
+            </a:r>
+            <a:r>
+              <a:rPr lang="zh-TW" altLang="en-US" dirty="0">
+                <a:latin typeface="標楷體" panose="03000509000000000000" pitchFamily="65" charset="-120"/>
+                <a:ea typeface="標楷體" panose="03000509000000000000" pitchFamily="65" charset="-120"/>
+              </a:rPr>
+              <a:t>陣列名稱  </a:t>
+            </a:r>
+            <a:r>
+              <a:rPr lang="en-US" altLang="zh-TW" dirty="0">
+                <a:latin typeface="標楷體" panose="03000509000000000000" pitchFamily="65" charset="-120"/>
+                <a:ea typeface="標楷體" panose="03000509000000000000" pitchFamily="65" charset="-120"/>
+              </a:rPr>
+              <a:t>as  </a:t>
+            </a:r>
+            <a:r>
+              <a:rPr lang="zh-TW" altLang="en-US" dirty="0">
+                <a:latin typeface="標楷體" panose="03000509000000000000" pitchFamily="65" charset="-120"/>
+                <a:ea typeface="標楷體" panose="03000509000000000000" pitchFamily="65" charset="-120"/>
+              </a:rPr>
+              <a:t>索引值 </a:t>
+            </a:r>
+            <a:r>
+              <a:rPr lang="en-US" altLang="zh-TW" dirty="0">
+                <a:latin typeface="標楷體" panose="03000509000000000000" pitchFamily="65" charset="-120"/>
+                <a:ea typeface="標楷體" panose="03000509000000000000" pitchFamily="65" charset="-120"/>
+              </a:rPr>
+              <a:t>=&gt; </a:t>
+            </a:r>
+            <a:r>
+              <a:rPr lang="zh-TW" altLang="en-US" dirty="0">
+                <a:latin typeface="標楷體" panose="03000509000000000000" pitchFamily="65" charset="-120"/>
+                <a:ea typeface="標楷體" panose="03000509000000000000" pitchFamily="65" charset="-120"/>
+              </a:rPr>
+              <a:t>內容值 </a:t>
+            </a:r>
+            <a:r>
+              <a:rPr lang="en-US" altLang="zh-TW" dirty="0">
+                <a:latin typeface="標楷體" panose="03000509000000000000" pitchFamily="65" charset="-120"/>
+                <a:ea typeface="標楷體" panose="03000509000000000000" pitchFamily="65" charset="-120"/>
+              </a:rPr>
+              <a:t>)</a:t>
+            </a:r>
+          </a:p>
+          <a:p>
+            <a:endParaRPr lang="en-US" altLang="zh-TW" dirty="0">
+              <a:latin typeface="標楷體" panose="03000509000000000000" pitchFamily="65" charset="-120"/>
+              <a:ea typeface="標楷體" panose="03000509000000000000" pitchFamily="65" charset="-120"/>
+            </a:endParaRPr>
+          </a:p>
+        </p:txBody>
+      </p:sp>
+    </p:spTree>
+    <p:extLst>
+      <p:ext uri="{BB962C8B-B14F-4D97-AF65-F5344CB8AC3E}">
+        <p14:creationId xmlns:p14="http://schemas.microsoft.com/office/powerpoint/2010/main" val="3118468919"/>
+      </p:ext>
+    </p:extLst>
+  </p:cSld>
+  <p:clrMapOvr>
+    <a:masterClrMapping/>
+  </p:clrMapOvr>
+</p:sld>
+</file>
+
+<file path=ppt/slides/slide51.xml><?xml version="1.0" encoding="utf-8"?>
+<p:sld xmlns:a="http://schemas.openxmlformats.org/drawingml/2006/main" xmlns:r="http://schemas.openxmlformats.org/officeDocument/2006/relationships" xmlns:p="http://schemas.openxmlformats.org/presentationml/2006/main">
+  <p:cSld>
+    <p:spTree>
+      <p:nvGrpSpPr>
+        <p:cNvPr id="1" name=""/>
+        <p:cNvGrpSpPr/>
+        <p:nvPr/>
+      </p:nvGrpSpPr>
+      <p:grpSpPr>
+        <a:xfrm>
+          <a:off x="0" y="0"/>
+          <a:ext cx="0" cy="0"/>
+          <a:chOff x="0" y="0"/>
+          <a:chExt cx="0" cy="0"/>
+        </a:xfrm>
+      </p:grpSpPr>
+      <p:sp>
+        <p:nvSpPr>
+          <p:cNvPr id="2" name="標題 1">
+            <a:extLst>
+              <a:ext uri="{FF2B5EF4-FFF2-40B4-BE49-F238E27FC236}">
+                <a16:creationId xmlns:a16="http://schemas.microsoft.com/office/drawing/2014/main" id="{45CE9C3C-0364-59AB-832E-18520469BF72}"/>
+              </a:ext>
+            </a:extLst>
+          </p:cNvPr>
+          <p:cNvSpPr>
+            <a:spLocks noGrp="1"/>
+          </p:cNvSpPr>
+          <p:nvPr>
+            <p:ph type="title"/>
+          </p:nvPr>
+        </p:nvSpPr>
+        <p:spPr/>
+        <p:txBody>
+          <a:bodyPr/>
+          <a:lstStyle/>
+          <a:p>
+            <a:r>
+              <a:rPr lang="zh-TW" altLang="en-US" dirty="0"/>
+              <a:t>陣列自訂索引</a:t>
+            </a:r>
+          </a:p>
+        </p:txBody>
+      </p:sp>
+      <p:pic>
+        <p:nvPicPr>
+          <p:cNvPr id="4" name="圖片 3">
+            <a:extLst>
+              <a:ext uri="{FF2B5EF4-FFF2-40B4-BE49-F238E27FC236}">
+                <a16:creationId xmlns:a16="http://schemas.microsoft.com/office/drawing/2014/main" id="{F94555C6-1F62-635B-41DF-28903A03C4D5}"/>
+              </a:ext>
+            </a:extLst>
+          </p:cNvPr>
+          <p:cNvPicPr>
+            <a:picLocks noChangeAspect="1"/>
+          </p:cNvPicPr>
+          <p:nvPr/>
+        </p:nvPicPr>
+        <p:blipFill>
+          <a:blip r:embed="rId2"/>
+          <a:stretch>
+            <a:fillRect/>
+          </a:stretch>
+        </p:blipFill>
+        <p:spPr>
+          <a:xfrm>
+            <a:off x="677334" y="1716837"/>
+            <a:ext cx="2610214" cy="1895740"/>
+          </a:xfrm>
+          <a:prstGeom prst="rect">
+            <a:avLst/>
+          </a:prstGeom>
+        </p:spPr>
+      </p:pic>
+    </p:spTree>
+    <p:extLst>
+      <p:ext uri="{BB962C8B-B14F-4D97-AF65-F5344CB8AC3E}">
+        <p14:creationId xmlns:p14="http://schemas.microsoft.com/office/powerpoint/2010/main" val="1494978658"/>
+      </p:ext>
+    </p:extLst>
+  </p:cSld>
+  <p:clrMapOvr>
+    <a:masterClrMapping/>
+  </p:clrMapOvr>
+</p:sld>
+</file>
+
+<file path=ppt/slides/slide52.xml><?xml version="1.0" encoding="utf-8"?>
+<p:sld xmlns:a="http://schemas.openxmlformats.org/drawingml/2006/main" xmlns:r="http://schemas.openxmlformats.org/officeDocument/2006/relationships" xmlns:p="http://schemas.openxmlformats.org/presentationml/2006/main">
+  <p:cSld>
+    <p:spTree>
+      <p:nvGrpSpPr>
+        <p:cNvPr id="1" name=""/>
+        <p:cNvGrpSpPr/>
+        <p:nvPr/>
+      </p:nvGrpSpPr>
+      <p:grpSpPr>
+        <a:xfrm>
+          <a:off x="0" y="0"/>
+          <a:ext cx="0" cy="0"/>
+          <a:chOff x="0" y="0"/>
+          <a:chExt cx="0" cy="0"/>
+        </a:xfrm>
+      </p:grpSpPr>
+      <p:sp>
+        <p:nvSpPr>
+          <p:cNvPr id="2" name="標題 1">
+            <a:extLst>
+              <a:ext uri="{FF2B5EF4-FFF2-40B4-BE49-F238E27FC236}">
+                <a16:creationId xmlns:a16="http://schemas.microsoft.com/office/drawing/2014/main" id="{45CE9C3C-0364-59AB-832E-18520469BF72}"/>
+              </a:ext>
+            </a:extLst>
+          </p:cNvPr>
+          <p:cNvSpPr>
+            <a:spLocks noGrp="1"/>
+          </p:cNvSpPr>
+          <p:nvPr>
+            <p:ph type="title"/>
+          </p:nvPr>
+        </p:nvSpPr>
+        <p:spPr/>
+        <p:txBody>
+          <a:bodyPr/>
+          <a:lstStyle/>
+          <a:p>
+            <a:r>
+              <a:rPr lang="zh-TW" altLang="en-US" dirty="0"/>
+              <a:t>陣列自訂索引</a:t>
+            </a:r>
+          </a:p>
+        </p:txBody>
+      </p:sp>
+      <p:pic>
+        <p:nvPicPr>
+          <p:cNvPr id="4" name="圖片 3">
+            <a:extLst>
+              <a:ext uri="{FF2B5EF4-FFF2-40B4-BE49-F238E27FC236}">
+                <a16:creationId xmlns:a16="http://schemas.microsoft.com/office/drawing/2014/main" id="{F94555C6-1F62-635B-41DF-28903A03C4D5}"/>
+              </a:ext>
+            </a:extLst>
+          </p:cNvPr>
+          <p:cNvPicPr>
+            <a:picLocks noChangeAspect="1"/>
+          </p:cNvPicPr>
+          <p:nvPr/>
+        </p:nvPicPr>
+        <p:blipFill>
+          <a:blip r:embed="rId2"/>
+          <a:stretch>
+            <a:fillRect/>
+          </a:stretch>
+        </p:blipFill>
+        <p:spPr>
+          <a:xfrm>
+            <a:off x="677334" y="1716837"/>
+            <a:ext cx="2610214" cy="1895740"/>
+          </a:xfrm>
+          <a:prstGeom prst="rect">
+            <a:avLst/>
+          </a:prstGeom>
+        </p:spPr>
+      </p:pic>
+    </p:spTree>
+    <p:extLst>
+      <p:ext uri="{BB962C8B-B14F-4D97-AF65-F5344CB8AC3E}">
+        <p14:creationId xmlns:p14="http://schemas.microsoft.com/office/powerpoint/2010/main" val="2737983535"/>
       </p:ext>
     </p:extLst>
   </p:cSld>
@@ -13369,4 +18567,299 @@
     </a:ext>
   </a:extLst>
 </a:theme>
+</file>
+
+<file path=ppt/theme/theme2.xml><?xml version="1.0" encoding="utf-8"?>
+<a:theme xmlns:a="http://schemas.openxmlformats.org/drawingml/2006/main" name="Office 佈景主題">
+  <a:themeElements>
+    <a:clrScheme name="Office">
+      <a:dk1>
+        <a:sysClr val="windowText" lastClr="000000"/>
+      </a:dk1>
+      <a:lt1>
+        <a:sysClr val="window" lastClr="FFFFFF"/>
+      </a:lt1>
+      <a:dk2>
+        <a:srgbClr val="44546A"/>
+      </a:dk2>
+      <a:lt2>
+        <a:srgbClr val="E7E6E6"/>
+      </a:lt2>
+      <a:accent1>
+        <a:srgbClr val="4472C4"/>
+      </a:accent1>
+      <a:accent2>
+        <a:srgbClr val="ED7D31"/>
+      </a:accent2>
+      <a:accent3>
+        <a:srgbClr val="A5A5A5"/>
+      </a:accent3>
+      <a:accent4>
+        <a:srgbClr val="FFC000"/>
+      </a:accent4>
+      <a:accent5>
+        <a:srgbClr val="5B9BD5"/>
+      </a:accent5>
+      <a:accent6>
+        <a:srgbClr val="70AD47"/>
+      </a:accent6>
+      <a:hlink>
+        <a:srgbClr val="0563C1"/>
+      </a:hlink>
+      <a:folHlink>
+        <a:srgbClr val="954F72"/>
+      </a:folHlink>
+    </a:clrScheme>
+    <a:fontScheme name="Office">
+      <a:majorFont>
+        <a:latin typeface="Calibri Light" panose="020F0302020204030204"/>
+        <a:ea typeface=""/>
+        <a:cs typeface=""/>
+        <a:font script="Jpan" typeface="游ゴシック Light"/>
+        <a:font script="Hang" typeface="맑은 고딕"/>
+        <a:font script="Hans" typeface="等线 Light"/>
+        <a:font script="Hant" typeface="新細明體"/>
+        <a:font script="Arab" typeface="Times New Roman"/>
+        <a:font script="Hebr" typeface="Times New Roman"/>
+        <a:font script="Thai" typeface="Angsana New"/>
+        <a:font script="Ethi" typeface="Nyala"/>
+        <a:font script="Beng" typeface="Vrinda"/>
+        <a:font script="Gujr" typeface="Shruti"/>
+        <a:font script="Khmr" typeface="MoolBoran"/>
+        <a:font script="Knda" typeface="Tunga"/>
+        <a:font script="Guru" typeface="Raavi"/>
+        <a:font script="Cans" typeface="Euphemia"/>
+        <a:font script="Cher" typeface="Plantagenet Cherokee"/>
+        <a:font script="Yiii" typeface="Microsoft Yi Baiti"/>
+        <a:font script="Tibt" typeface="Microsoft Himalaya"/>
+        <a:font script="Thaa" typeface="MV Boli"/>
+        <a:font script="Deva" typeface="Mangal"/>
+        <a:font script="Telu" typeface="Gautami"/>
+        <a:font script="Taml" typeface="Latha"/>
+        <a:font script="Syrc" typeface="Estrangelo Edessa"/>
+        <a:font script="Orya" typeface="Kalinga"/>
+        <a:font script="Mlym" typeface="Kartika"/>
+        <a:font script="Laoo" typeface="DokChampa"/>
+        <a:font script="Sinh" typeface="Iskoola Pota"/>
+        <a:font script="Mong" typeface="Mongolian Baiti"/>
+        <a:font script="Viet" typeface="Times New Roman"/>
+        <a:font script="Uigh" typeface="Microsoft Uighur"/>
+        <a:font script="Geor" typeface="Sylfaen"/>
+        <a:font script="Armn" typeface="Arial"/>
+        <a:font script="Bugi" typeface="Leelawadee UI"/>
+        <a:font script="Bopo" typeface="Microsoft JhengHei"/>
+        <a:font script="Java" typeface="Javanese Text"/>
+        <a:font script="Lisu" typeface="Segoe UI"/>
+        <a:font script="Mymr" typeface="Myanmar Text"/>
+        <a:font script="Nkoo" typeface="Ebrima"/>
+        <a:font script="Olck" typeface="Nirmala UI"/>
+        <a:font script="Osma" typeface="Ebrima"/>
+        <a:font script="Phag" typeface="Phagspa"/>
+        <a:font script="Syrn" typeface="Estrangelo Edessa"/>
+        <a:font script="Syrj" typeface="Estrangelo Edessa"/>
+        <a:font script="Syre" typeface="Estrangelo Edessa"/>
+        <a:font script="Sora" typeface="Nirmala UI"/>
+        <a:font script="Tale" typeface="Microsoft Tai Le"/>
+        <a:font script="Talu" typeface="Microsoft New Tai Lue"/>
+        <a:font script="Tfng" typeface="Ebrima"/>
+      </a:majorFont>
+      <a:minorFont>
+        <a:latin typeface="Calibri" panose="020F0502020204030204"/>
+        <a:ea typeface=""/>
+        <a:cs typeface=""/>
+        <a:font script="Jpan" typeface="游ゴシック"/>
+        <a:font script="Hang" typeface="맑은 고딕"/>
+        <a:font script="Hans" typeface="等线"/>
+        <a:font script="Hant" typeface="新細明體"/>
+        <a:font script="Arab" typeface="Arial"/>
+        <a:font script="Hebr" typeface="Arial"/>
+        <a:font script="Thai" typeface="Cordia New"/>
+        <a:font script="Ethi" typeface="Nyala"/>
+        <a:font script="Beng" typeface="Vrinda"/>
+        <a:font script="Gujr" typeface="Shruti"/>
+        <a:font script="Khmr" typeface="DaunPenh"/>
+        <a:font script="Knda" typeface="Tunga"/>
+        <a:font script="Guru" typeface="Raavi"/>
+        <a:font script="Cans" typeface="Euphemia"/>
+        <a:font script="Cher" typeface="Plantagenet Cherokee"/>
+        <a:font script="Yiii" typeface="Microsoft Yi Baiti"/>
+        <a:font script="Tibt" typeface="Microsoft Himalaya"/>
+        <a:font script="Thaa" typeface="MV Boli"/>
+        <a:font script="Deva" typeface="Mangal"/>
+        <a:font script="Telu" typeface="Gautami"/>
+        <a:font script="Taml" typeface="Latha"/>
+        <a:font script="Syrc" typeface="Estrangelo Edessa"/>
+        <a:font script="Orya" typeface="Kalinga"/>
+        <a:font script="Mlym" typeface="Kartika"/>
+        <a:font script="Laoo" typeface="DokChampa"/>
+        <a:font script="Sinh" typeface="Iskoola Pota"/>
+        <a:font script="Mong" typeface="Mongolian Baiti"/>
+        <a:font script="Viet" typeface="Arial"/>
+        <a:font script="Uigh" typeface="Microsoft Uighur"/>
+        <a:font script="Geor" typeface="Sylfaen"/>
+        <a:font script="Armn" typeface="Arial"/>
+        <a:font script="Bugi" typeface="Leelawadee UI"/>
+        <a:font script="Bopo" typeface="Microsoft JhengHei"/>
+        <a:font script="Java" typeface="Javanese Text"/>
+        <a:font script="Lisu" typeface="Segoe UI"/>
+        <a:font script="Mymr" typeface="Myanmar Text"/>
+        <a:font script="Nkoo" typeface="Ebrima"/>
+        <a:font script="Olck" typeface="Nirmala UI"/>
+        <a:font script="Osma" typeface="Ebrima"/>
+        <a:font script="Phag" typeface="Phagspa"/>
+        <a:font script="Syrn" typeface="Estrangelo Edessa"/>
+        <a:font script="Syrj" typeface="Estrangelo Edessa"/>
+        <a:font script="Syre" typeface="Estrangelo Edessa"/>
+        <a:font script="Sora" typeface="Nirmala UI"/>
+        <a:font script="Tale" typeface="Microsoft Tai Le"/>
+        <a:font script="Talu" typeface="Microsoft New Tai Lue"/>
+        <a:font script="Tfng" typeface="Ebrima"/>
+      </a:minorFont>
+    </a:fontScheme>
+    <a:fmtScheme name="Office">
+      <a:fillStyleLst>
+        <a:solidFill>
+          <a:schemeClr val="phClr"/>
+        </a:solidFill>
+        <a:gradFill rotWithShape="1">
+          <a:gsLst>
+            <a:gs pos="0">
+              <a:schemeClr val="phClr">
+                <a:lumMod val="110000"/>
+                <a:satMod val="105000"/>
+                <a:tint val="67000"/>
+              </a:schemeClr>
+            </a:gs>
+            <a:gs pos="50000">
+              <a:schemeClr val="phClr">
+                <a:lumMod val="105000"/>
+                <a:satMod val="103000"/>
+                <a:tint val="73000"/>
+              </a:schemeClr>
+            </a:gs>
+            <a:gs pos="100000">
+              <a:schemeClr val="phClr">
+                <a:lumMod val="105000"/>
+                <a:satMod val="109000"/>
+                <a:tint val="81000"/>
+              </a:schemeClr>
+            </a:gs>
+          </a:gsLst>
+          <a:lin ang="5400000" scaled="0"/>
+        </a:gradFill>
+        <a:gradFill rotWithShape="1">
+          <a:gsLst>
+            <a:gs pos="0">
+              <a:schemeClr val="phClr">
+                <a:satMod val="103000"/>
+                <a:lumMod val="102000"/>
+                <a:tint val="94000"/>
+              </a:schemeClr>
+            </a:gs>
+            <a:gs pos="50000">
+              <a:schemeClr val="phClr">
+                <a:satMod val="110000"/>
+                <a:lumMod val="100000"/>
+                <a:shade val="100000"/>
+              </a:schemeClr>
+            </a:gs>
+            <a:gs pos="100000">
+              <a:schemeClr val="phClr">
+                <a:lumMod val="99000"/>
+                <a:satMod val="120000"/>
+                <a:shade val="78000"/>
+              </a:schemeClr>
+            </a:gs>
+          </a:gsLst>
+          <a:lin ang="5400000" scaled="0"/>
+        </a:gradFill>
+      </a:fillStyleLst>
+      <a:lnStyleLst>
+        <a:ln w="6350" cap="flat" cmpd="sng" algn="ctr">
+          <a:solidFill>
+            <a:schemeClr val="phClr"/>
+          </a:solidFill>
+          <a:prstDash val="solid"/>
+          <a:miter lim="800000"/>
+        </a:ln>
+        <a:ln w="12700" cap="flat" cmpd="sng" algn="ctr">
+          <a:solidFill>
+            <a:schemeClr val="phClr"/>
+          </a:solidFill>
+          <a:prstDash val="solid"/>
+          <a:miter lim="800000"/>
+        </a:ln>
+        <a:ln w="19050" cap="flat" cmpd="sng" algn="ctr">
+          <a:solidFill>
+            <a:schemeClr val="phClr"/>
+          </a:solidFill>
+          <a:prstDash val="solid"/>
+          <a:miter lim="800000"/>
+        </a:ln>
+      </a:lnStyleLst>
+      <a:effectStyleLst>
+        <a:effectStyle>
+          <a:effectLst/>
+        </a:effectStyle>
+        <a:effectStyle>
+          <a:effectLst/>
+        </a:effectStyle>
+        <a:effectStyle>
+          <a:effectLst>
+            <a:outerShdw blurRad="57150" dist="19050" dir="5400000" algn="ctr" rotWithShape="0">
+              <a:srgbClr val="000000">
+                <a:alpha val="63000"/>
+              </a:srgbClr>
+            </a:outerShdw>
+          </a:effectLst>
+        </a:effectStyle>
+      </a:effectStyleLst>
+      <a:bgFillStyleLst>
+        <a:solidFill>
+          <a:schemeClr val="phClr"/>
+        </a:solidFill>
+        <a:solidFill>
+          <a:schemeClr val="phClr">
+            <a:tint val="95000"/>
+            <a:satMod val="170000"/>
+          </a:schemeClr>
+        </a:solidFill>
+        <a:gradFill rotWithShape="1">
+          <a:gsLst>
+            <a:gs pos="0">
+              <a:schemeClr val="phClr">
+                <a:tint val="93000"/>
+                <a:satMod val="150000"/>
+                <a:shade val="98000"/>
+                <a:lumMod val="102000"/>
+              </a:schemeClr>
+            </a:gs>
+            <a:gs pos="50000">
+              <a:schemeClr val="phClr">
+                <a:tint val="98000"/>
+                <a:satMod val="130000"/>
+                <a:shade val="90000"/>
+                <a:lumMod val="103000"/>
+              </a:schemeClr>
+            </a:gs>
+            <a:gs pos="100000">
+              <a:schemeClr val="phClr">
+                <a:shade val="63000"/>
+                <a:satMod val="120000"/>
+              </a:schemeClr>
+            </a:gs>
+          </a:gsLst>
+          <a:lin ang="5400000" scaled="0"/>
+        </a:gradFill>
+      </a:bgFillStyleLst>
+    </a:fmtScheme>
+  </a:themeElements>
+  <a:objectDefaults/>
+  <a:extraClrSchemeLst/>
+  <a:extLst>
+    <a:ext uri="{05A4C25C-085E-4340-85A3-A5531E510DB2}">
+      <thm15:themeFamily xmlns:thm15="http://schemas.microsoft.com/office/thememl/2012/main" name="Office Theme" id="{62F939B6-93AF-4DB8-9C6B-D6C7DFDC589F}" vid="{4A3C46E8-61CC-4603-A589-7422A47A8E4A}"/>
+    </a:ext>
+  </a:extLst>
+</a:theme>
 </file>